--- a/logos/project logos.pptx
+++ b/logos/project logos.pptx
@@ -21258,7 +21258,18 @@
           <p:nvPr/>
         </p:nvPicPr>
         <p:blipFill>
-          <a:blip r:embed="rId3"/>
+          <a:blip r:embed="rId3">
+            <a:clrChange>
+              <a:clrFrom>
+                <a:srgbClr val="FFFFFF"/>
+              </a:clrFrom>
+              <a:clrTo>
+                <a:srgbClr val="FFFFFF">
+                  <a:alpha val="0"/>
+                </a:srgbClr>
+              </a:clrTo>
+            </a:clrChange>
+          </a:blip>
           <a:stretch>
             <a:fillRect/>
           </a:stretch>
@@ -21288,7 +21299,18 @@
           <p:nvPr/>
         </p:nvPicPr>
         <p:blipFill>
-          <a:blip r:embed="rId4"/>
+          <a:blip r:embed="rId4">
+            <a:clrChange>
+              <a:clrFrom>
+                <a:srgbClr val="FFFFFF"/>
+              </a:clrFrom>
+              <a:clrTo>
+                <a:srgbClr val="FFFFFF">
+                  <a:alpha val="0"/>
+                </a:srgbClr>
+              </a:clrTo>
+            </a:clrChange>
+          </a:blip>
           <a:stretch>
             <a:fillRect/>
           </a:stretch>
@@ -21318,7 +21340,18 @@
           <p:nvPr/>
         </p:nvPicPr>
         <p:blipFill>
-          <a:blip r:embed="rId5"/>
+          <a:blip r:embed="rId5">
+            <a:clrChange>
+              <a:clrFrom>
+                <a:srgbClr val="FFFFFF"/>
+              </a:clrFrom>
+              <a:clrTo>
+                <a:srgbClr val="FFFFFF">
+                  <a:alpha val="0"/>
+                </a:srgbClr>
+              </a:clrTo>
+            </a:clrChange>
+          </a:blip>
           <a:stretch>
             <a:fillRect/>
           </a:stretch>
@@ -21348,7 +21381,18 @@
           <p:nvPr/>
         </p:nvPicPr>
         <p:blipFill>
-          <a:blip r:embed="rId6"/>
+          <a:blip r:embed="rId6">
+            <a:clrChange>
+              <a:clrFrom>
+                <a:srgbClr val="FFFFFF"/>
+              </a:clrFrom>
+              <a:clrTo>
+                <a:srgbClr val="FFFFFF">
+                  <a:alpha val="0"/>
+                </a:srgbClr>
+              </a:clrTo>
+            </a:clrChange>
+          </a:blip>
           <a:stretch>
             <a:fillRect/>
           </a:stretch>
@@ -21361,6 +21405,7 @@
           <a:prstGeom prst="rect">
             <a:avLst/>
           </a:prstGeom>
+          <a:noFill/>
         </p:spPr>
       </p:pic>
     </p:spTree>

--- a/logos/project logos.pptx
+++ b/logos/project logos.pptx
@@ -261,7 +261,7 @@
           <a:p>
             <a:fld id="{12EA8392-1531-0D4D-9E0A-EEFD71C5C112}" type="datetimeFigureOut">
               <a:rPr lang="en-US" smtClean="0"/>
-              <a:t>8/12/21</a:t>
+              <a:t>8/20/21</a:t>
             </a:fld>
             <a:endParaRPr lang="en-US"/>
           </a:p>
@@ -461,7 +461,7 @@
           <a:p>
             <a:fld id="{12EA8392-1531-0D4D-9E0A-EEFD71C5C112}" type="datetimeFigureOut">
               <a:rPr lang="en-US" smtClean="0"/>
-              <a:t>8/12/21</a:t>
+              <a:t>8/20/21</a:t>
             </a:fld>
             <a:endParaRPr lang="en-US"/>
           </a:p>
@@ -671,7 +671,7 @@
           <a:p>
             <a:fld id="{12EA8392-1531-0D4D-9E0A-EEFD71C5C112}" type="datetimeFigureOut">
               <a:rPr lang="en-US" smtClean="0"/>
-              <a:t>8/12/21</a:t>
+              <a:t>8/20/21</a:t>
             </a:fld>
             <a:endParaRPr lang="en-US"/>
           </a:p>
@@ -871,7 +871,7 @@
           <a:p>
             <a:fld id="{12EA8392-1531-0D4D-9E0A-EEFD71C5C112}" type="datetimeFigureOut">
               <a:rPr lang="en-US" smtClean="0"/>
-              <a:t>8/12/21</a:t>
+              <a:t>8/20/21</a:t>
             </a:fld>
             <a:endParaRPr lang="en-US"/>
           </a:p>
@@ -1147,7 +1147,7 @@
           <a:p>
             <a:fld id="{12EA8392-1531-0D4D-9E0A-EEFD71C5C112}" type="datetimeFigureOut">
               <a:rPr lang="en-US" smtClean="0"/>
-              <a:t>8/12/21</a:t>
+              <a:t>8/20/21</a:t>
             </a:fld>
             <a:endParaRPr lang="en-US"/>
           </a:p>
@@ -1415,7 +1415,7 @@
           <a:p>
             <a:fld id="{12EA8392-1531-0D4D-9E0A-EEFD71C5C112}" type="datetimeFigureOut">
               <a:rPr lang="en-US" smtClean="0"/>
-              <a:t>8/12/21</a:t>
+              <a:t>8/20/21</a:t>
             </a:fld>
             <a:endParaRPr lang="en-US"/>
           </a:p>
@@ -1830,7 +1830,7 @@
           <a:p>
             <a:fld id="{12EA8392-1531-0D4D-9E0A-EEFD71C5C112}" type="datetimeFigureOut">
               <a:rPr lang="en-US" smtClean="0"/>
-              <a:t>8/12/21</a:t>
+              <a:t>8/20/21</a:t>
             </a:fld>
             <a:endParaRPr lang="en-US"/>
           </a:p>
@@ -1972,7 +1972,7 @@
           <a:p>
             <a:fld id="{12EA8392-1531-0D4D-9E0A-EEFD71C5C112}" type="datetimeFigureOut">
               <a:rPr lang="en-US" smtClean="0"/>
-              <a:t>8/12/21</a:t>
+              <a:t>8/20/21</a:t>
             </a:fld>
             <a:endParaRPr lang="en-US"/>
           </a:p>
@@ -2085,7 +2085,7 @@
           <a:p>
             <a:fld id="{12EA8392-1531-0D4D-9E0A-EEFD71C5C112}" type="datetimeFigureOut">
               <a:rPr lang="en-US" smtClean="0"/>
-              <a:t>8/12/21</a:t>
+              <a:t>8/20/21</a:t>
             </a:fld>
             <a:endParaRPr lang="en-US"/>
           </a:p>
@@ -2398,7 +2398,7 @@
           <a:p>
             <a:fld id="{12EA8392-1531-0D4D-9E0A-EEFD71C5C112}" type="datetimeFigureOut">
               <a:rPr lang="en-US" smtClean="0"/>
-              <a:t>8/12/21</a:t>
+              <a:t>8/20/21</a:t>
             </a:fld>
             <a:endParaRPr lang="en-US"/>
           </a:p>
@@ -2687,7 +2687,7 @@
           <a:p>
             <a:fld id="{12EA8392-1531-0D4D-9E0A-EEFD71C5C112}" type="datetimeFigureOut">
               <a:rPr lang="en-US" smtClean="0"/>
-              <a:t>8/12/21</a:t>
+              <a:t>8/20/21</a:t>
             </a:fld>
             <a:endParaRPr lang="en-US"/>
           </a:p>
@@ -2930,7 +2930,7 @@
           <a:p>
             <a:fld id="{12EA8392-1531-0D4D-9E0A-EEFD71C5C112}" type="datetimeFigureOut">
               <a:rPr lang="en-US" smtClean="0"/>
-              <a:t>8/12/21</a:t>
+              <a:t>8/20/21</a:t>
             </a:fld>
             <a:endParaRPr lang="en-US"/>
           </a:p>
@@ -21408,6 +21408,4439 @@
           <a:noFill/>
         </p:spPr>
       </p:pic>
+      <p:sp>
+        <p:nvSpPr>
+          <p:cNvPr id="179" name="Freeform 178">
+            <a:extLst>
+              <a:ext uri="{FF2B5EF4-FFF2-40B4-BE49-F238E27FC236}">
+                <a16:creationId xmlns:a16="http://schemas.microsoft.com/office/drawing/2014/main" id="{1FF0A2D2-5C84-E042-A4DF-04AE1A28BA30}"/>
+              </a:ext>
+            </a:extLst>
+          </p:cNvPr>
+          <p:cNvSpPr/>
+          <p:nvPr/>
+        </p:nvSpPr>
+        <p:spPr>
+          <a:xfrm rot="7241796" flipH="1">
+            <a:off x="8755791" y="1850689"/>
+            <a:ext cx="145625" cy="326557"/>
+          </a:xfrm>
+          <a:custGeom>
+            <a:avLst/>
+            <a:gdLst>
+              <a:gd name="connsiteX0" fmla="*/ 128266 w 144545"/>
+              <a:gd name="connsiteY0" fmla="*/ 5509 h 330007"/>
+              <a:gd name="connsiteX1" fmla="*/ 74291 w 144545"/>
+              <a:gd name="connsiteY1" fmla="*/ 21384 h 330007"/>
+              <a:gd name="connsiteX2" fmla="*/ 33016 w 144545"/>
+              <a:gd name="connsiteY2" fmla="*/ 103934 h 330007"/>
+              <a:gd name="connsiteX3" fmla="*/ 1266 w 144545"/>
+              <a:gd name="connsiteY3" fmla="*/ 189659 h 330007"/>
+              <a:gd name="connsiteX4" fmla="*/ 77466 w 144545"/>
+              <a:gd name="connsiteY4" fmla="*/ 316659 h 330007"/>
+              <a:gd name="connsiteX5" fmla="*/ 112391 w 144545"/>
+              <a:gd name="connsiteY5" fmla="*/ 326184 h 330007"/>
+              <a:gd name="connsiteX6" fmla="*/ 140966 w 144545"/>
+              <a:gd name="connsiteY6" fmla="*/ 316659 h 330007"/>
+              <a:gd name="connsiteX7" fmla="*/ 137791 w 144545"/>
+              <a:gd name="connsiteY7" fmla="*/ 265859 h 330007"/>
+              <a:gd name="connsiteX8" fmla="*/ 83816 w 144545"/>
+              <a:gd name="connsiteY8" fmla="*/ 170609 h 330007"/>
+              <a:gd name="connsiteX9" fmla="*/ 128266 w 144545"/>
+              <a:gd name="connsiteY9" fmla="*/ 100759 h 330007"/>
+              <a:gd name="connsiteX10" fmla="*/ 128266 w 144545"/>
+              <a:gd name="connsiteY10" fmla="*/ 5509 h 330007"/>
+              <a:gd name="connsiteX0" fmla="*/ 128266 w 146942"/>
+              <a:gd name="connsiteY0" fmla="*/ 5509 h 328242"/>
+              <a:gd name="connsiteX1" fmla="*/ 74291 w 146942"/>
+              <a:gd name="connsiteY1" fmla="*/ 21384 h 328242"/>
+              <a:gd name="connsiteX2" fmla="*/ 33016 w 146942"/>
+              <a:gd name="connsiteY2" fmla="*/ 103934 h 328242"/>
+              <a:gd name="connsiteX3" fmla="*/ 1266 w 146942"/>
+              <a:gd name="connsiteY3" fmla="*/ 189659 h 328242"/>
+              <a:gd name="connsiteX4" fmla="*/ 77466 w 146942"/>
+              <a:gd name="connsiteY4" fmla="*/ 316659 h 328242"/>
+              <a:gd name="connsiteX5" fmla="*/ 140966 w 146942"/>
+              <a:gd name="connsiteY5" fmla="*/ 316659 h 328242"/>
+              <a:gd name="connsiteX6" fmla="*/ 137791 w 146942"/>
+              <a:gd name="connsiteY6" fmla="*/ 265859 h 328242"/>
+              <a:gd name="connsiteX7" fmla="*/ 83816 w 146942"/>
+              <a:gd name="connsiteY7" fmla="*/ 170609 h 328242"/>
+              <a:gd name="connsiteX8" fmla="*/ 128266 w 146942"/>
+              <a:gd name="connsiteY8" fmla="*/ 100759 h 328242"/>
+              <a:gd name="connsiteX9" fmla="*/ 128266 w 146942"/>
+              <a:gd name="connsiteY9" fmla="*/ 5509 h 328242"/>
+              <a:gd name="connsiteX0" fmla="*/ 128266 w 146334"/>
+              <a:gd name="connsiteY0" fmla="*/ 5509 h 328242"/>
+              <a:gd name="connsiteX1" fmla="*/ 74291 w 146334"/>
+              <a:gd name="connsiteY1" fmla="*/ 21384 h 328242"/>
+              <a:gd name="connsiteX2" fmla="*/ 33016 w 146334"/>
+              <a:gd name="connsiteY2" fmla="*/ 103934 h 328242"/>
+              <a:gd name="connsiteX3" fmla="*/ 1266 w 146334"/>
+              <a:gd name="connsiteY3" fmla="*/ 189659 h 328242"/>
+              <a:gd name="connsiteX4" fmla="*/ 77466 w 146334"/>
+              <a:gd name="connsiteY4" fmla="*/ 316659 h 328242"/>
+              <a:gd name="connsiteX5" fmla="*/ 140966 w 146334"/>
+              <a:gd name="connsiteY5" fmla="*/ 316659 h 328242"/>
+              <a:gd name="connsiteX6" fmla="*/ 137791 w 146334"/>
+              <a:gd name="connsiteY6" fmla="*/ 265859 h 328242"/>
+              <a:gd name="connsiteX7" fmla="*/ 96516 w 146334"/>
+              <a:gd name="connsiteY7" fmla="*/ 173784 h 328242"/>
+              <a:gd name="connsiteX8" fmla="*/ 128266 w 146334"/>
+              <a:gd name="connsiteY8" fmla="*/ 100759 h 328242"/>
+              <a:gd name="connsiteX9" fmla="*/ 128266 w 146334"/>
+              <a:gd name="connsiteY9" fmla="*/ 5509 h 328242"/>
+              <a:gd name="connsiteX0" fmla="*/ 129335 w 147403"/>
+              <a:gd name="connsiteY0" fmla="*/ 5509 h 328242"/>
+              <a:gd name="connsiteX1" fmla="*/ 75360 w 147403"/>
+              <a:gd name="connsiteY1" fmla="*/ 21384 h 328242"/>
+              <a:gd name="connsiteX2" fmla="*/ 24560 w 147403"/>
+              <a:gd name="connsiteY2" fmla="*/ 103934 h 328242"/>
+              <a:gd name="connsiteX3" fmla="*/ 2335 w 147403"/>
+              <a:gd name="connsiteY3" fmla="*/ 189659 h 328242"/>
+              <a:gd name="connsiteX4" fmla="*/ 78535 w 147403"/>
+              <a:gd name="connsiteY4" fmla="*/ 316659 h 328242"/>
+              <a:gd name="connsiteX5" fmla="*/ 142035 w 147403"/>
+              <a:gd name="connsiteY5" fmla="*/ 316659 h 328242"/>
+              <a:gd name="connsiteX6" fmla="*/ 138860 w 147403"/>
+              <a:gd name="connsiteY6" fmla="*/ 265859 h 328242"/>
+              <a:gd name="connsiteX7" fmla="*/ 97585 w 147403"/>
+              <a:gd name="connsiteY7" fmla="*/ 173784 h 328242"/>
+              <a:gd name="connsiteX8" fmla="*/ 129335 w 147403"/>
+              <a:gd name="connsiteY8" fmla="*/ 100759 h 328242"/>
+              <a:gd name="connsiteX9" fmla="*/ 129335 w 147403"/>
+              <a:gd name="connsiteY9" fmla="*/ 5509 h 328242"/>
+              <a:gd name="connsiteX0" fmla="*/ 127004 w 145072"/>
+              <a:gd name="connsiteY0" fmla="*/ 8980 h 331713"/>
+              <a:gd name="connsiteX1" fmla="*/ 73029 w 145072"/>
+              <a:gd name="connsiteY1" fmla="*/ 24855 h 331713"/>
+              <a:gd name="connsiteX2" fmla="*/ 4 w 145072"/>
+              <a:gd name="connsiteY2" fmla="*/ 193130 h 331713"/>
+              <a:gd name="connsiteX3" fmla="*/ 76204 w 145072"/>
+              <a:gd name="connsiteY3" fmla="*/ 320130 h 331713"/>
+              <a:gd name="connsiteX4" fmla="*/ 139704 w 145072"/>
+              <a:gd name="connsiteY4" fmla="*/ 320130 h 331713"/>
+              <a:gd name="connsiteX5" fmla="*/ 136529 w 145072"/>
+              <a:gd name="connsiteY5" fmla="*/ 269330 h 331713"/>
+              <a:gd name="connsiteX6" fmla="*/ 95254 w 145072"/>
+              <a:gd name="connsiteY6" fmla="*/ 177255 h 331713"/>
+              <a:gd name="connsiteX7" fmla="*/ 127004 w 145072"/>
+              <a:gd name="connsiteY7" fmla="*/ 104230 h 331713"/>
+              <a:gd name="connsiteX8" fmla="*/ 127004 w 145072"/>
+              <a:gd name="connsiteY8" fmla="*/ 8980 h 331713"/>
+              <a:gd name="connsiteX0" fmla="*/ 127261 w 145329"/>
+              <a:gd name="connsiteY0" fmla="*/ 3824 h 326557"/>
+              <a:gd name="connsiteX1" fmla="*/ 54236 w 145329"/>
+              <a:gd name="connsiteY1" fmla="*/ 35574 h 326557"/>
+              <a:gd name="connsiteX2" fmla="*/ 261 w 145329"/>
+              <a:gd name="connsiteY2" fmla="*/ 187974 h 326557"/>
+              <a:gd name="connsiteX3" fmla="*/ 76461 w 145329"/>
+              <a:gd name="connsiteY3" fmla="*/ 314974 h 326557"/>
+              <a:gd name="connsiteX4" fmla="*/ 139961 w 145329"/>
+              <a:gd name="connsiteY4" fmla="*/ 314974 h 326557"/>
+              <a:gd name="connsiteX5" fmla="*/ 136786 w 145329"/>
+              <a:gd name="connsiteY5" fmla="*/ 264174 h 326557"/>
+              <a:gd name="connsiteX6" fmla="*/ 95511 w 145329"/>
+              <a:gd name="connsiteY6" fmla="*/ 172099 h 326557"/>
+              <a:gd name="connsiteX7" fmla="*/ 127261 w 145329"/>
+              <a:gd name="connsiteY7" fmla="*/ 99074 h 326557"/>
+              <a:gd name="connsiteX8" fmla="*/ 127261 w 145329"/>
+              <a:gd name="connsiteY8" fmla="*/ 3824 h 326557"/>
+              <a:gd name="connsiteX0" fmla="*/ 127261 w 145625"/>
+              <a:gd name="connsiteY0" fmla="*/ 3824 h 326557"/>
+              <a:gd name="connsiteX1" fmla="*/ 54236 w 145625"/>
+              <a:gd name="connsiteY1" fmla="*/ 35574 h 326557"/>
+              <a:gd name="connsiteX2" fmla="*/ 261 w 145625"/>
+              <a:gd name="connsiteY2" fmla="*/ 187974 h 326557"/>
+              <a:gd name="connsiteX3" fmla="*/ 76461 w 145625"/>
+              <a:gd name="connsiteY3" fmla="*/ 314974 h 326557"/>
+              <a:gd name="connsiteX4" fmla="*/ 139961 w 145625"/>
+              <a:gd name="connsiteY4" fmla="*/ 314974 h 326557"/>
+              <a:gd name="connsiteX5" fmla="*/ 136786 w 145625"/>
+              <a:gd name="connsiteY5" fmla="*/ 264174 h 326557"/>
+              <a:gd name="connsiteX6" fmla="*/ 89161 w 145625"/>
+              <a:gd name="connsiteY6" fmla="*/ 181624 h 326557"/>
+              <a:gd name="connsiteX7" fmla="*/ 127261 w 145625"/>
+              <a:gd name="connsiteY7" fmla="*/ 99074 h 326557"/>
+              <a:gd name="connsiteX8" fmla="*/ 127261 w 145625"/>
+              <a:gd name="connsiteY8" fmla="*/ 3824 h 326557"/>
+              <a:gd name="connsiteX0" fmla="*/ 127261 w 145625"/>
+              <a:gd name="connsiteY0" fmla="*/ 3824 h 326557"/>
+              <a:gd name="connsiteX1" fmla="*/ 54236 w 145625"/>
+              <a:gd name="connsiteY1" fmla="*/ 35574 h 326557"/>
+              <a:gd name="connsiteX2" fmla="*/ 261 w 145625"/>
+              <a:gd name="connsiteY2" fmla="*/ 187974 h 326557"/>
+              <a:gd name="connsiteX3" fmla="*/ 76461 w 145625"/>
+              <a:gd name="connsiteY3" fmla="*/ 314974 h 326557"/>
+              <a:gd name="connsiteX4" fmla="*/ 139961 w 145625"/>
+              <a:gd name="connsiteY4" fmla="*/ 314974 h 326557"/>
+              <a:gd name="connsiteX5" fmla="*/ 136786 w 145625"/>
+              <a:gd name="connsiteY5" fmla="*/ 264174 h 326557"/>
+              <a:gd name="connsiteX6" fmla="*/ 89161 w 145625"/>
+              <a:gd name="connsiteY6" fmla="*/ 181624 h 326557"/>
+              <a:gd name="connsiteX7" fmla="*/ 127261 w 145625"/>
+              <a:gd name="connsiteY7" fmla="*/ 99074 h 326557"/>
+              <a:gd name="connsiteX8" fmla="*/ 127261 w 145625"/>
+              <a:gd name="connsiteY8" fmla="*/ 3824 h 326557"/>
+            </a:gdLst>
+            <a:ahLst/>
+            <a:cxnLst>
+              <a:cxn ang="0">
+                <a:pos x="connsiteX0" y="connsiteY0"/>
+              </a:cxn>
+              <a:cxn ang="0">
+                <a:pos x="connsiteX1" y="connsiteY1"/>
+              </a:cxn>
+              <a:cxn ang="0">
+                <a:pos x="connsiteX2" y="connsiteY2"/>
+              </a:cxn>
+              <a:cxn ang="0">
+                <a:pos x="connsiteX3" y="connsiteY3"/>
+              </a:cxn>
+              <a:cxn ang="0">
+                <a:pos x="connsiteX4" y="connsiteY4"/>
+              </a:cxn>
+              <a:cxn ang="0">
+                <a:pos x="connsiteX5" y="connsiteY5"/>
+              </a:cxn>
+              <a:cxn ang="0">
+                <a:pos x="connsiteX6" y="connsiteY6"/>
+              </a:cxn>
+              <a:cxn ang="0">
+                <a:pos x="connsiteX7" y="connsiteY7"/>
+              </a:cxn>
+              <a:cxn ang="0">
+                <a:pos x="connsiteX8" y="connsiteY8"/>
+              </a:cxn>
+            </a:cxnLst>
+            <a:rect l="l" t="t" r="r" b="b"/>
+            <a:pathLst>
+              <a:path w="145625" h="326557">
+                <a:moveTo>
+                  <a:pt x="127261" y="3824"/>
+                </a:moveTo>
+                <a:cubicBezTo>
+                  <a:pt x="115090" y="-6759"/>
+                  <a:pt x="75403" y="4882"/>
+                  <a:pt x="54236" y="35574"/>
+                </a:cubicBezTo>
+                <a:cubicBezTo>
+                  <a:pt x="33069" y="66266"/>
+                  <a:pt x="-3443" y="141407"/>
+                  <a:pt x="261" y="187974"/>
+                </a:cubicBezTo>
+                <a:cubicBezTo>
+                  <a:pt x="3965" y="234541"/>
+                  <a:pt x="53178" y="293807"/>
+                  <a:pt x="76461" y="314974"/>
+                </a:cubicBezTo>
+                <a:cubicBezTo>
+                  <a:pt x="99744" y="336141"/>
+                  <a:pt x="129907" y="323441"/>
+                  <a:pt x="139961" y="314974"/>
+                </a:cubicBezTo>
+                <a:cubicBezTo>
+                  <a:pt x="150015" y="306507"/>
+                  <a:pt x="145253" y="286399"/>
+                  <a:pt x="136786" y="264174"/>
+                </a:cubicBezTo>
+                <a:cubicBezTo>
+                  <a:pt x="128319" y="241949"/>
+                  <a:pt x="90748" y="209141"/>
+                  <a:pt x="89161" y="181624"/>
+                </a:cubicBezTo>
+                <a:cubicBezTo>
+                  <a:pt x="87574" y="154107"/>
+                  <a:pt x="114561" y="116007"/>
+                  <a:pt x="127261" y="99074"/>
+                </a:cubicBezTo>
+                <a:cubicBezTo>
+                  <a:pt x="139961" y="82141"/>
+                  <a:pt x="139432" y="14407"/>
+                  <a:pt x="127261" y="3824"/>
+                </a:cubicBezTo>
+                <a:close/>
+              </a:path>
+            </a:pathLst>
+          </a:custGeom>
+          <a:solidFill>
+            <a:schemeClr val="tx1"/>
+          </a:solidFill>
+          <a:ln>
+            <a:noFill/>
+          </a:ln>
+        </p:spPr>
+        <p:style>
+          <a:lnRef idx="2">
+            <a:schemeClr val="accent1">
+              <a:shade val="50000"/>
+            </a:schemeClr>
+          </a:lnRef>
+          <a:fillRef idx="1">
+            <a:schemeClr val="accent1"/>
+          </a:fillRef>
+          <a:effectRef idx="0">
+            <a:schemeClr val="accent1"/>
+          </a:effectRef>
+          <a:fontRef idx="minor">
+            <a:schemeClr val="lt1"/>
+          </a:fontRef>
+        </p:style>
+        <p:txBody>
+          <a:bodyPr rtlCol="0" anchor="ctr"/>
+          <a:lstStyle/>
+          <a:p>
+            <a:pPr algn="ctr"/>
+            <a:endParaRPr lang="en-US"/>
+          </a:p>
+        </p:txBody>
+      </p:sp>
+      <p:sp>
+        <p:nvSpPr>
+          <p:cNvPr id="180" name="Rectangle 179">
+            <a:extLst>
+              <a:ext uri="{FF2B5EF4-FFF2-40B4-BE49-F238E27FC236}">
+                <a16:creationId xmlns:a16="http://schemas.microsoft.com/office/drawing/2014/main" id="{5EB85ED5-3DF1-D241-8FCC-7D8952DFC3FE}"/>
+              </a:ext>
+            </a:extLst>
+          </p:cNvPr>
+          <p:cNvSpPr/>
+          <p:nvPr/>
+        </p:nvSpPr>
+        <p:spPr>
+          <a:xfrm>
+            <a:off x="8633852" y="1615751"/>
+            <a:ext cx="921951" cy="582133"/>
+          </a:xfrm>
+          <a:prstGeom prst="rect">
+            <a:avLst/>
+          </a:prstGeom>
+          <a:noFill/>
+          <a:ln w="57150">
+            <a:solidFill>
+              <a:schemeClr val="tx1"/>
+            </a:solidFill>
+          </a:ln>
+        </p:spPr>
+        <p:style>
+          <a:lnRef idx="2">
+            <a:schemeClr val="accent1">
+              <a:shade val="50000"/>
+            </a:schemeClr>
+          </a:lnRef>
+          <a:fillRef idx="1">
+            <a:schemeClr val="accent1"/>
+          </a:fillRef>
+          <a:effectRef idx="0">
+            <a:schemeClr val="accent1"/>
+          </a:effectRef>
+          <a:fontRef idx="minor">
+            <a:schemeClr val="lt1"/>
+          </a:fontRef>
+        </p:style>
+        <p:txBody>
+          <a:bodyPr rtlCol="0" anchor="ctr"/>
+          <a:lstStyle/>
+          <a:p>
+            <a:pPr algn="ctr"/>
+            <a:endParaRPr lang="en-US"/>
+          </a:p>
+        </p:txBody>
+      </p:sp>
+      <p:sp>
+        <p:nvSpPr>
+          <p:cNvPr id="181" name="Delay 180">
+            <a:extLst>
+              <a:ext uri="{FF2B5EF4-FFF2-40B4-BE49-F238E27FC236}">
+                <a16:creationId xmlns:a16="http://schemas.microsoft.com/office/drawing/2014/main" id="{2E8B0EC0-A84A-F14F-B50D-596B0D1C64B6}"/>
+              </a:ext>
+            </a:extLst>
+          </p:cNvPr>
+          <p:cNvSpPr/>
+          <p:nvPr/>
+        </p:nvSpPr>
+        <p:spPr>
+          <a:xfrm rot="5400000">
+            <a:off x="8434636" y="1860831"/>
+            <a:ext cx="276536" cy="303538"/>
+          </a:xfrm>
+          <a:prstGeom prst="flowChartDelay">
+            <a:avLst/>
+          </a:prstGeom>
+          <a:solidFill>
+            <a:schemeClr val="bg1">
+              <a:lumMod val="95000"/>
+            </a:schemeClr>
+          </a:solidFill>
+          <a:ln w="19050">
+            <a:solidFill>
+              <a:schemeClr val="tx1"/>
+            </a:solidFill>
+          </a:ln>
+        </p:spPr>
+        <p:style>
+          <a:lnRef idx="2">
+            <a:schemeClr val="accent1">
+              <a:shade val="50000"/>
+            </a:schemeClr>
+          </a:lnRef>
+          <a:fillRef idx="1">
+            <a:schemeClr val="accent1"/>
+          </a:fillRef>
+          <a:effectRef idx="0">
+            <a:schemeClr val="accent1"/>
+          </a:effectRef>
+          <a:fontRef idx="minor">
+            <a:schemeClr val="lt1"/>
+          </a:fontRef>
+        </p:style>
+        <p:txBody>
+          <a:bodyPr rtlCol="0" anchor="ctr"/>
+          <a:lstStyle/>
+          <a:p>
+            <a:pPr algn="ctr"/>
+            <a:endParaRPr lang="en-US" dirty="0"/>
+          </a:p>
+        </p:txBody>
+      </p:sp>
+      <p:sp>
+        <p:nvSpPr>
+          <p:cNvPr id="182" name="Delay 259">
+            <a:extLst>
+              <a:ext uri="{FF2B5EF4-FFF2-40B4-BE49-F238E27FC236}">
+                <a16:creationId xmlns:a16="http://schemas.microsoft.com/office/drawing/2014/main" id="{1713A29A-1A12-5343-A5B4-5AFC2650DB22}"/>
+              </a:ext>
+            </a:extLst>
+          </p:cNvPr>
+          <p:cNvSpPr/>
+          <p:nvPr/>
+        </p:nvSpPr>
+        <p:spPr>
+          <a:xfrm rot="16200000">
+            <a:off x="8337348" y="2176464"/>
+            <a:ext cx="482686" cy="366061"/>
+          </a:xfrm>
+          <a:custGeom>
+            <a:avLst/>
+            <a:gdLst>
+              <a:gd name="connsiteX0" fmla="*/ 0 w 625368"/>
+              <a:gd name="connsiteY0" fmla="*/ 0 h 429161"/>
+              <a:gd name="connsiteX1" fmla="*/ 312684 w 625368"/>
+              <a:gd name="connsiteY1" fmla="*/ 0 h 429161"/>
+              <a:gd name="connsiteX2" fmla="*/ 625368 w 625368"/>
+              <a:gd name="connsiteY2" fmla="*/ 214581 h 429161"/>
+              <a:gd name="connsiteX3" fmla="*/ 312684 w 625368"/>
+              <a:gd name="connsiteY3" fmla="*/ 429162 h 429161"/>
+              <a:gd name="connsiteX4" fmla="*/ 0 w 625368"/>
+              <a:gd name="connsiteY4" fmla="*/ 429161 h 429161"/>
+              <a:gd name="connsiteX5" fmla="*/ 0 w 625368"/>
+              <a:gd name="connsiteY5" fmla="*/ 0 h 429161"/>
+              <a:gd name="connsiteX0" fmla="*/ 0 w 625368"/>
+              <a:gd name="connsiteY0" fmla="*/ 0 h 429162"/>
+              <a:gd name="connsiteX1" fmla="*/ 312684 w 625368"/>
+              <a:gd name="connsiteY1" fmla="*/ 0 h 429162"/>
+              <a:gd name="connsiteX2" fmla="*/ 625368 w 625368"/>
+              <a:gd name="connsiteY2" fmla="*/ 214581 h 429162"/>
+              <a:gd name="connsiteX3" fmla="*/ 312684 w 625368"/>
+              <a:gd name="connsiteY3" fmla="*/ 429162 h 429162"/>
+              <a:gd name="connsiteX4" fmla="*/ 0 w 625368"/>
+              <a:gd name="connsiteY4" fmla="*/ 429161 h 429162"/>
+              <a:gd name="connsiteX5" fmla="*/ 0 w 625368"/>
+              <a:gd name="connsiteY5" fmla="*/ 0 h 429162"/>
+              <a:gd name="connsiteX0" fmla="*/ 0 w 625386"/>
+              <a:gd name="connsiteY0" fmla="*/ 0 h 429162"/>
+              <a:gd name="connsiteX1" fmla="*/ 312684 w 625386"/>
+              <a:gd name="connsiteY1" fmla="*/ 0 h 429162"/>
+              <a:gd name="connsiteX2" fmla="*/ 625368 w 625386"/>
+              <a:gd name="connsiteY2" fmla="*/ 214581 h 429162"/>
+              <a:gd name="connsiteX3" fmla="*/ 312684 w 625386"/>
+              <a:gd name="connsiteY3" fmla="*/ 429162 h 429162"/>
+              <a:gd name="connsiteX4" fmla="*/ 0 w 625386"/>
+              <a:gd name="connsiteY4" fmla="*/ 429161 h 429162"/>
+              <a:gd name="connsiteX5" fmla="*/ 0 w 625386"/>
+              <a:gd name="connsiteY5" fmla="*/ 0 h 429162"/>
+            </a:gdLst>
+            <a:ahLst/>
+            <a:cxnLst>
+              <a:cxn ang="0">
+                <a:pos x="connsiteX0" y="connsiteY0"/>
+              </a:cxn>
+              <a:cxn ang="0">
+                <a:pos x="connsiteX1" y="connsiteY1"/>
+              </a:cxn>
+              <a:cxn ang="0">
+                <a:pos x="connsiteX2" y="connsiteY2"/>
+              </a:cxn>
+              <a:cxn ang="0">
+                <a:pos x="connsiteX3" y="connsiteY3"/>
+              </a:cxn>
+              <a:cxn ang="0">
+                <a:pos x="connsiteX4" y="connsiteY4"/>
+              </a:cxn>
+              <a:cxn ang="0">
+                <a:pos x="connsiteX5" y="connsiteY5"/>
+              </a:cxn>
+            </a:cxnLst>
+            <a:rect l="l" t="t" r="r" b="b"/>
+            <a:pathLst>
+              <a:path w="625386" h="429162">
+                <a:moveTo>
+                  <a:pt x="0" y="0"/>
+                </a:moveTo>
+                <a:lnTo>
+                  <a:pt x="312684" y="0"/>
+                </a:lnTo>
+                <a:cubicBezTo>
+                  <a:pt x="614944" y="3705"/>
+                  <a:pt x="625368" y="96071"/>
+                  <a:pt x="625368" y="214581"/>
+                </a:cubicBezTo>
+                <a:cubicBezTo>
+                  <a:pt x="625368" y="333091"/>
+                  <a:pt x="633456" y="421758"/>
+                  <a:pt x="312684" y="429162"/>
+                </a:cubicBezTo>
+                <a:lnTo>
+                  <a:pt x="0" y="429161"/>
+                </a:lnTo>
+                <a:lnTo>
+                  <a:pt x="0" y="0"/>
+                </a:lnTo>
+                <a:close/>
+              </a:path>
+            </a:pathLst>
+          </a:custGeom>
+          <a:solidFill>
+            <a:srgbClr val="C00000"/>
+          </a:solidFill>
+          <a:ln w="19050">
+            <a:solidFill>
+              <a:schemeClr val="tx1"/>
+            </a:solidFill>
+          </a:ln>
+        </p:spPr>
+        <p:style>
+          <a:lnRef idx="2">
+            <a:schemeClr val="accent1">
+              <a:shade val="50000"/>
+            </a:schemeClr>
+          </a:lnRef>
+          <a:fillRef idx="1">
+            <a:schemeClr val="accent1"/>
+          </a:fillRef>
+          <a:effectRef idx="0">
+            <a:schemeClr val="accent1"/>
+          </a:effectRef>
+          <a:fontRef idx="minor">
+            <a:schemeClr val="lt1"/>
+          </a:fontRef>
+        </p:style>
+        <p:txBody>
+          <a:bodyPr rtlCol="0" anchor="ctr"/>
+          <a:lstStyle/>
+          <a:p>
+            <a:pPr algn="ctr"/>
+            <a:endParaRPr lang="en-US" dirty="0"/>
+          </a:p>
+        </p:txBody>
+      </p:sp>
+      <p:sp>
+        <p:nvSpPr>
+          <p:cNvPr id="183" name="Trapezium 182">
+            <a:extLst>
+              <a:ext uri="{FF2B5EF4-FFF2-40B4-BE49-F238E27FC236}">
+                <a16:creationId xmlns:a16="http://schemas.microsoft.com/office/drawing/2014/main" id="{4CD27787-EF97-1C48-BD1D-69A2DD57F145}"/>
+              </a:ext>
+            </a:extLst>
+          </p:cNvPr>
+          <p:cNvSpPr/>
+          <p:nvPr/>
+        </p:nvSpPr>
+        <p:spPr>
+          <a:xfrm rot="10800000">
+            <a:off x="8507829" y="2007151"/>
+            <a:ext cx="136500" cy="127719"/>
+          </a:xfrm>
+          <a:prstGeom prst="trapezoid">
+            <a:avLst/>
+          </a:prstGeom>
+          <a:solidFill>
+            <a:schemeClr val="accent4">
+              <a:lumMod val="50000"/>
+            </a:schemeClr>
+          </a:solidFill>
+          <a:ln>
+            <a:noFill/>
+          </a:ln>
+        </p:spPr>
+        <p:style>
+          <a:lnRef idx="2">
+            <a:schemeClr val="accent1">
+              <a:shade val="50000"/>
+            </a:schemeClr>
+          </a:lnRef>
+          <a:fillRef idx="1">
+            <a:schemeClr val="accent1"/>
+          </a:fillRef>
+          <a:effectRef idx="0">
+            <a:schemeClr val="accent1"/>
+          </a:effectRef>
+          <a:fontRef idx="minor">
+            <a:schemeClr val="lt1"/>
+          </a:fontRef>
+        </p:style>
+        <p:txBody>
+          <a:bodyPr rtlCol="0" anchor="ctr"/>
+          <a:lstStyle/>
+          <a:p>
+            <a:pPr algn="ctr"/>
+            <a:endParaRPr lang="en-US"/>
+          </a:p>
+        </p:txBody>
+      </p:sp>
+      <p:sp>
+        <p:nvSpPr>
+          <p:cNvPr id="184" name="Trapezium 183">
+            <a:extLst>
+              <a:ext uri="{FF2B5EF4-FFF2-40B4-BE49-F238E27FC236}">
+                <a16:creationId xmlns:a16="http://schemas.microsoft.com/office/drawing/2014/main" id="{96A2C197-9CC7-2C4B-A87E-D1D9320C0CA4}"/>
+              </a:ext>
+            </a:extLst>
+          </p:cNvPr>
+          <p:cNvSpPr/>
+          <p:nvPr/>
+        </p:nvSpPr>
+        <p:spPr>
+          <a:xfrm rot="21105093">
+            <a:off x="8476797" y="1869648"/>
+            <a:ext cx="45719" cy="274965"/>
+          </a:xfrm>
+          <a:prstGeom prst="trapezoid">
+            <a:avLst/>
+          </a:prstGeom>
+          <a:solidFill>
+            <a:srgbClr val="C00000"/>
+          </a:solidFill>
+          <a:ln>
+            <a:noFill/>
+          </a:ln>
+        </p:spPr>
+        <p:style>
+          <a:lnRef idx="2">
+            <a:schemeClr val="accent1">
+              <a:shade val="50000"/>
+            </a:schemeClr>
+          </a:lnRef>
+          <a:fillRef idx="1">
+            <a:schemeClr val="accent1"/>
+          </a:fillRef>
+          <a:effectRef idx="0">
+            <a:schemeClr val="accent1"/>
+          </a:effectRef>
+          <a:fontRef idx="minor">
+            <a:schemeClr val="lt1"/>
+          </a:fontRef>
+        </p:style>
+        <p:txBody>
+          <a:bodyPr rtlCol="0" anchor="ctr"/>
+          <a:lstStyle/>
+          <a:p>
+            <a:pPr algn="ctr"/>
+            <a:endParaRPr lang="en-US"/>
+          </a:p>
+        </p:txBody>
+      </p:sp>
+      <p:sp>
+        <p:nvSpPr>
+          <p:cNvPr id="185" name="Trapezium 184">
+            <a:extLst>
+              <a:ext uri="{FF2B5EF4-FFF2-40B4-BE49-F238E27FC236}">
+                <a16:creationId xmlns:a16="http://schemas.microsoft.com/office/drawing/2014/main" id="{750658DA-3293-544A-A874-DC0689E497C1}"/>
+              </a:ext>
+            </a:extLst>
+          </p:cNvPr>
+          <p:cNvSpPr/>
+          <p:nvPr/>
+        </p:nvSpPr>
+        <p:spPr>
+          <a:xfrm rot="494907" flipH="1">
+            <a:off x="8628173" y="1865775"/>
+            <a:ext cx="45719" cy="274965"/>
+          </a:xfrm>
+          <a:prstGeom prst="trapezoid">
+            <a:avLst/>
+          </a:prstGeom>
+          <a:solidFill>
+            <a:srgbClr val="C00000"/>
+          </a:solidFill>
+          <a:ln>
+            <a:noFill/>
+          </a:ln>
+        </p:spPr>
+        <p:style>
+          <a:lnRef idx="2">
+            <a:schemeClr val="accent1">
+              <a:shade val="50000"/>
+            </a:schemeClr>
+          </a:lnRef>
+          <a:fillRef idx="1">
+            <a:schemeClr val="accent1"/>
+          </a:fillRef>
+          <a:effectRef idx="0">
+            <a:schemeClr val="accent1"/>
+          </a:effectRef>
+          <a:fontRef idx="minor">
+            <a:schemeClr val="lt1"/>
+          </a:fontRef>
+        </p:style>
+        <p:txBody>
+          <a:bodyPr rtlCol="0" anchor="ctr"/>
+          <a:lstStyle/>
+          <a:p>
+            <a:pPr algn="ctr"/>
+            <a:endParaRPr lang="en-US"/>
+          </a:p>
+        </p:txBody>
+      </p:sp>
+      <p:sp>
+        <p:nvSpPr>
+          <p:cNvPr id="186" name="Delay 259">
+            <a:extLst>
+              <a:ext uri="{FF2B5EF4-FFF2-40B4-BE49-F238E27FC236}">
+                <a16:creationId xmlns:a16="http://schemas.microsoft.com/office/drawing/2014/main" id="{AA705753-0A50-3C4E-A5AF-13181F4D5DC9}"/>
+              </a:ext>
+            </a:extLst>
+          </p:cNvPr>
+          <p:cNvSpPr/>
+          <p:nvPr/>
+        </p:nvSpPr>
+        <p:spPr>
+          <a:xfrm rot="16200000">
+            <a:off x="8358504" y="2187133"/>
+            <a:ext cx="441502" cy="303538"/>
+          </a:xfrm>
+          <a:custGeom>
+            <a:avLst/>
+            <a:gdLst>
+              <a:gd name="connsiteX0" fmla="*/ 0 w 625368"/>
+              <a:gd name="connsiteY0" fmla="*/ 0 h 429161"/>
+              <a:gd name="connsiteX1" fmla="*/ 312684 w 625368"/>
+              <a:gd name="connsiteY1" fmla="*/ 0 h 429161"/>
+              <a:gd name="connsiteX2" fmla="*/ 625368 w 625368"/>
+              <a:gd name="connsiteY2" fmla="*/ 214581 h 429161"/>
+              <a:gd name="connsiteX3" fmla="*/ 312684 w 625368"/>
+              <a:gd name="connsiteY3" fmla="*/ 429162 h 429161"/>
+              <a:gd name="connsiteX4" fmla="*/ 0 w 625368"/>
+              <a:gd name="connsiteY4" fmla="*/ 429161 h 429161"/>
+              <a:gd name="connsiteX5" fmla="*/ 0 w 625368"/>
+              <a:gd name="connsiteY5" fmla="*/ 0 h 429161"/>
+              <a:gd name="connsiteX0" fmla="*/ 0 w 625368"/>
+              <a:gd name="connsiteY0" fmla="*/ 0 h 429162"/>
+              <a:gd name="connsiteX1" fmla="*/ 312684 w 625368"/>
+              <a:gd name="connsiteY1" fmla="*/ 0 h 429162"/>
+              <a:gd name="connsiteX2" fmla="*/ 625368 w 625368"/>
+              <a:gd name="connsiteY2" fmla="*/ 214581 h 429162"/>
+              <a:gd name="connsiteX3" fmla="*/ 312684 w 625368"/>
+              <a:gd name="connsiteY3" fmla="*/ 429162 h 429162"/>
+              <a:gd name="connsiteX4" fmla="*/ 0 w 625368"/>
+              <a:gd name="connsiteY4" fmla="*/ 429161 h 429162"/>
+              <a:gd name="connsiteX5" fmla="*/ 0 w 625368"/>
+              <a:gd name="connsiteY5" fmla="*/ 0 h 429162"/>
+              <a:gd name="connsiteX0" fmla="*/ 0 w 625386"/>
+              <a:gd name="connsiteY0" fmla="*/ 0 h 429162"/>
+              <a:gd name="connsiteX1" fmla="*/ 312684 w 625386"/>
+              <a:gd name="connsiteY1" fmla="*/ 0 h 429162"/>
+              <a:gd name="connsiteX2" fmla="*/ 625368 w 625386"/>
+              <a:gd name="connsiteY2" fmla="*/ 214581 h 429162"/>
+              <a:gd name="connsiteX3" fmla="*/ 312684 w 625386"/>
+              <a:gd name="connsiteY3" fmla="*/ 429162 h 429162"/>
+              <a:gd name="connsiteX4" fmla="*/ 0 w 625386"/>
+              <a:gd name="connsiteY4" fmla="*/ 429161 h 429162"/>
+              <a:gd name="connsiteX5" fmla="*/ 0 w 625386"/>
+              <a:gd name="connsiteY5" fmla="*/ 0 h 429162"/>
+            </a:gdLst>
+            <a:ahLst/>
+            <a:cxnLst>
+              <a:cxn ang="0">
+                <a:pos x="connsiteX0" y="connsiteY0"/>
+              </a:cxn>
+              <a:cxn ang="0">
+                <a:pos x="connsiteX1" y="connsiteY1"/>
+              </a:cxn>
+              <a:cxn ang="0">
+                <a:pos x="connsiteX2" y="connsiteY2"/>
+              </a:cxn>
+              <a:cxn ang="0">
+                <a:pos x="connsiteX3" y="connsiteY3"/>
+              </a:cxn>
+              <a:cxn ang="0">
+                <a:pos x="connsiteX4" y="connsiteY4"/>
+              </a:cxn>
+              <a:cxn ang="0">
+                <a:pos x="connsiteX5" y="connsiteY5"/>
+              </a:cxn>
+            </a:cxnLst>
+            <a:rect l="l" t="t" r="r" b="b"/>
+            <a:pathLst>
+              <a:path w="625386" h="429162">
+                <a:moveTo>
+                  <a:pt x="0" y="0"/>
+                </a:moveTo>
+                <a:lnTo>
+                  <a:pt x="312684" y="0"/>
+                </a:lnTo>
+                <a:cubicBezTo>
+                  <a:pt x="614944" y="3705"/>
+                  <a:pt x="625368" y="96071"/>
+                  <a:pt x="625368" y="214581"/>
+                </a:cubicBezTo>
+                <a:cubicBezTo>
+                  <a:pt x="625368" y="333091"/>
+                  <a:pt x="633456" y="421758"/>
+                  <a:pt x="312684" y="429162"/>
+                </a:cubicBezTo>
+                <a:lnTo>
+                  <a:pt x="0" y="429161"/>
+                </a:lnTo>
+                <a:lnTo>
+                  <a:pt x="0" y="0"/>
+                </a:lnTo>
+                <a:close/>
+              </a:path>
+            </a:pathLst>
+          </a:custGeom>
+          <a:solidFill>
+            <a:schemeClr val="bg1">
+              <a:lumMod val="95000"/>
+            </a:schemeClr>
+          </a:solidFill>
+          <a:ln w="19050">
+            <a:noFill/>
+          </a:ln>
+        </p:spPr>
+        <p:style>
+          <a:lnRef idx="2">
+            <a:schemeClr val="accent1">
+              <a:shade val="50000"/>
+            </a:schemeClr>
+          </a:lnRef>
+          <a:fillRef idx="1">
+            <a:schemeClr val="accent1"/>
+          </a:fillRef>
+          <a:effectRef idx="0">
+            <a:schemeClr val="accent1"/>
+          </a:effectRef>
+          <a:fontRef idx="minor">
+            <a:schemeClr val="lt1"/>
+          </a:fontRef>
+        </p:style>
+        <p:txBody>
+          <a:bodyPr rtlCol="0" anchor="ctr"/>
+          <a:lstStyle/>
+          <a:p>
+            <a:pPr algn="ctr"/>
+            <a:endParaRPr lang="en-US" dirty="0"/>
+          </a:p>
+        </p:txBody>
+      </p:sp>
+      <p:sp>
+        <p:nvSpPr>
+          <p:cNvPr id="187" name="Sun 186">
+            <a:extLst>
+              <a:ext uri="{FF2B5EF4-FFF2-40B4-BE49-F238E27FC236}">
+                <a16:creationId xmlns:a16="http://schemas.microsoft.com/office/drawing/2014/main" id="{BF7FF5F6-1F4E-034A-8D25-00D7D8532DD1}"/>
+              </a:ext>
+            </a:extLst>
+          </p:cNvPr>
+          <p:cNvSpPr/>
+          <p:nvPr/>
+        </p:nvSpPr>
+        <p:spPr>
+          <a:xfrm>
+            <a:off x="9075886" y="1658812"/>
+            <a:ext cx="410206" cy="410206"/>
+          </a:xfrm>
+          <a:prstGeom prst="sun">
+            <a:avLst/>
+          </a:prstGeom>
+          <a:solidFill>
+            <a:schemeClr val="tx1"/>
+          </a:solidFill>
+          <a:ln>
+            <a:solidFill>
+              <a:schemeClr val="tx1"/>
+            </a:solidFill>
+          </a:ln>
+        </p:spPr>
+        <p:style>
+          <a:lnRef idx="2">
+            <a:schemeClr val="accent1">
+              <a:shade val="50000"/>
+            </a:schemeClr>
+          </a:lnRef>
+          <a:fillRef idx="1">
+            <a:schemeClr val="accent1"/>
+          </a:fillRef>
+          <a:effectRef idx="0">
+            <a:schemeClr val="accent1"/>
+          </a:effectRef>
+          <a:fontRef idx="minor">
+            <a:schemeClr val="lt1"/>
+          </a:fontRef>
+        </p:style>
+        <p:txBody>
+          <a:bodyPr rtlCol="0" anchor="ctr"/>
+          <a:lstStyle/>
+          <a:p>
+            <a:pPr algn="ctr"/>
+            <a:endParaRPr lang="en-US"/>
+          </a:p>
+        </p:txBody>
+      </p:sp>
+      <p:sp>
+        <p:nvSpPr>
+          <p:cNvPr id="188" name="Oval 187">
+            <a:extLst>
+              <a:ext uri="{FF2B5EF4-FFF2-40B4-BE49-F238E27FC236}">
+                <a16:creationId xmlns:a16="http://schemas.microsoft.com/office/drawing/2014/main" id="{C2D27288-EDC4-8043-8FFF-98EA41962932}"/>
+              </a:ext>
+            </a:extLst>
+          </p:cNvPr>
+          <p:cNvSpPr/>
+          <p:nvPr/>
+        </p:nvSpPr>
+        <p:spPr>
+          <a:xfrm>
+            <a:off x="8437958" y="1634570"/>
+            <a:ext cx="276537" cy="276536"/>
+          </a:xfrm>
+          <a:prstGeom prst="ellipse">
+            <a:avLst/>
+          </a:prstGeom>
+          <a:solidFill>
+            <a:schemeClr val="tx1"/>
+          </a:solidFill>
+          <a:ln w="19050">
+            <a:solidFill>
+              <a:schemeClr val="bg1"/>
+            </a:solidFill>
+          </a:ln>
+        </p:spPr>
+        <p:style>
+          <a:lnRef idx="2">
+            <a:schemeClr val="accent1">
+              <a:shade val="50000"/>
+            </a:schemeClr>
+          </a:lnRef>
+          <a:fillRef idx="1">
+            <a:schemeClr val="accent1"/>
+          </a:fillRef>
+          <a:effectRef idx="0">
+            <a:schemeClr val="accent1"/>
+          </a:effectRef>
+          <a:fontRef idx="minor">
+            <a:schemeClr val="lt1"/>
+          </a:fontRef>
+        </p:style>
+        <p:txBody>
+          <a:bodyPr rtlCol="0" anchor="ctr"/>
+          <a:lstStyle/>
+          <a:p>
+            <a:pPr algn="ctr"/>
+            <a:endParaRPr lang="en-US"/>
+          </a:p>
+        </p:txBody>
+      </p:sp>
+      <p:grpSp>
+        <p:nvGrpSpPr>
+          <p:cNvPr id="189" name="Group 188">
+            <a:extLst>
+              <a:ext uri="{FF2B5EF4-FFF2-40B4-BE49-F238E27FC236}">
+                <a16:creationId xmlns:a16="http://schemas.microsoft.com/office/drawing/2014/main" id="{8EDAF9AC-56BD-CD49-9EDE-2B326B658D36}"/>
+              </a:ext>
+            </a:extLst>
+          </p:cNvPr>
+          <p:cNvGrpSpPr/>
+          <p:nvPr/>
+        </p:nvGrpSpPr>
+        <p:grpSpPr>
+          <a:xfrm rot="20290810">
+            <a:off x="8322186" y="1316314"/>
+            <a:ext cx="371285" cy="522390"/>
+            <a:chOff x="6851547" y="1291387"/>
+            <a:chExt cx="449741" cy="632776"/>
+          </a:xfrm>
+        </p:grpSpPr>
+        <p:sp>
+          <p:nvSpPr>
+            <p:cNvPr id="190" name="Pie 189">
+              <a:extLst>
+                <a:ext uri="{FF2B5EF4-FFF2-40B4-BE49-F238E27FC236}">
+                  <a16:creationId xmlns:a16="http://schemas.microsoft.com/office/drawing/2014/main" id="{CFAB577B-6BCB-394F-B65A-8289D5E4400A}"/>
+                </a:ext>
+              </a:extLst>
+            </p:cNvPr>
+            <p:cNvSpPr/>
+            <p:nvPr/>
+          </p:nvSpPr>
+          <p:spPr>
+            <a:xfrm rot="16200000">
+              <a:off x="6851549" y="1291387"/>
+              <a:ext cx="449739" cy="449739"/>
+            </a:xfrm>
+            <a:prstGeom prst="pie">
+              <a:avLst>
+                <a:gd name="adj1" fmla="val 5396555"/>
+                <a:gd name="adj2" fmla="val 16200000"/>
+              </a:avLst>
+            </a:prstGeom>
+            <a:solidFill>
+              <a:schemeClr val="tx1"/>
+            </a:solidFill>
+            <a:ln w="28575">
+              <a:solidFill>
+                <a:schemeClr val="bg1"/>
+              </a:solidFill>
+            </a:ln>
+          </p:spPr>
+          <p:style>
+            <a:lnRef idx="2">
+              <a:schemeClr val="accent1">
+                <a:shade val="50000"/>
+              </a:schemeClr>
+            </a:lnRef>
+            <a:fillRef idx="1">
+              <a:schemeClr val="accent1"/>
+            </a:fillRef>
+            <a:effectRef idx="0">
+              <a:schemeClr val="accent1"/>
+            </a:effectRef>
+            <a:fontRef idx="minor">
+              <a:schemeClr val="lt1"/>
+            </a:fontRef>
+          </p:style>
+          <p:txBody>
+            <a:bodyPr rtlCol="0" anchor="ctr"/>
+            <a:lstStyle/>
+            <a:p>
+              <a:pPr algn="ctr"/>
+              <a:endParaRPr lang="en-US">
+                <a:solidFill>
+                  <a:schemeClr val="tx1"/>
+                </a:solidFill>
+              </a:endParaRPr>
+            </a:p>
+          </p:txBody>
+        </p:sp>
+        <p:grpSp>
+          <p:nvGrpSpPr>
+            <p:cNvPr id="191" name="Group 190">
+              <a:extLst>
+                <a:ext uri="{FF2B5EF4-FFF2-40B4-BE49-F238E27FC236}">
+                  <a16:creationId xmlns:a16="http://schemas.microsoft.com/office/drawing/2014/main" id="{731AE864-A3EE-094E-BAC8-9BEE7418E781}"/>
+                </a:ext>
+              </a:extLst>
+            </p:cNvPr>
+            <p:cNvGrpSpPr/>
+            <p:nvPr/>
+          </p:nvGrpSpPr>
+          <p:grpSpPr>
+            <a:xfrm>
+              <a:off x="6851547" y="1391285"/>
+              <a:ext cx="449739" cy="532878"/>
+              <a:chOff x="6851547" y="1391285"/>
+              <a:chExt cx="449739" cy="532878"/>
+            </a:xfrm>
+          </p:grpSpPr>
+          <p:sp>
+            <p:nvSpPr>
+              <p:cNvPr id="192" name="Pie 191">
+                <a:extLst>
+                  <a:ext uri="{FF2B5EF4-FFF2-40B4-BE49-F238E27FC236}">
+                    <a16:creationId xmlns:a16="http://schemas.microsoft.com/office/drawing/2014/main" id="{B81EB496-E371-2946-BA0B-A7D59B44E4C4}"/>
+                  </a:ext>
+                </a:extLst>
+              </p:cNvPr>
+              <p:cNvSpPr/>
+              <p:nvPr/>
+            </p:nvSpPr>
+            <p:spPr>
+              <a:xfrm rot="16200000">
+                <a:off x="6969478" y="1273354"/>
+                <a:ext cx="213878" cy="449739"/>
+              </a:xfrm>
+              <a:prstGeom prst="pie">
+                <a:avLst>
+                  <a:gd name="adj1" fmla="val 5396555"/>
+                  <a:gd name="adj2" fmla="val 16200000"/>
+                </a:avLst>
+              </a:prstGeom>
+              <a:solidFill>
+                <a:schemeClr val="bg1"/>
+              </a:solidFill>
+              <a:ln w="28575">
+                <a:noFill/>
+              </a:ln>
+            </p:spPr>
+            <p:style>
+              <a:lnRef idx="2">
+                <a:schemeClr val="accent1">
+                  <a:shade val="50000"/>
+                </a:schemeClr>
+              </a:lnRef>
+              <a:fillRef idx="1">
+                <a:schemeClr val="accent1"/>
+              </a:fillRef>
+              <a:effectRef idx="0">
+                <a:schemeClr val="accent1"/>
+              </a:effectRef>
+              <a:fontRef idx="minor">
+                <a:schemeClr val="lt1"/>
+              </a:fontRef>
+            </p:style>
+            <p:txBody>
+              <a:bodyPr rtlCol="0" anchor="ctr"/>
+              <a:lstStyle/>
+              <a:p>
+                <a:pPr algn="ctr"/>
+                <a:endParaRPr lang="en-US">
+                  <a:solidFill>
+                    <a:schemeClr val="tx1"/>
+                  </a:solidFill>
+                </a:endParaRPr>
+              </a:p>
+            </p:txBody>
+          </p:sp>
+          <p:sp>
+            <p:nvSpPr>
+              <p:cNvPr id="193" name="Pie 192">
+                <a:extLst>
+                  <a:ext uri="{FF2B5EF4-FFF2-40B4-BE49-F238E27FC236}">
+                    <a16:creationId xmlns:a16="http://schemas.microsoft.com/office/drawing/2014/main" id="{D8F1CD5C-3F02-C944-813C-B8BC947753D0}"/>
+                  </a:ext>
+                </a:extLst>
+              </p:cNvPr>
+              <p:cNvSpPr/>
+              <p:nvPr/>
+            </p:nvSpPr>
+            <p:spPr>
+              <a:xfrm rot="5400000">
+                <a:off x="6909128" y="1589585"/>
+                <a:ext cx="334578" cy="334578"/>
+              </a:xfrm>
+              <a:prstGeom prst="pie">
+                <a:avLst>
+                  <a:gd name="adj1" fmla="val 5396555"/>
+                  <a:gd name="adj2" fmla="val 16200000"/>
+                </a:avLst>
+              </a:prstGeom>
+              <a:solidFill>
+                <a:schemeClr val="accent5"/>
+              </a:solidFill>
+              <a:ln w="19050">
+                <a:solidFill>
+                  <a:schemeClr val="tx1"/>
+                </a:solidFill>
+              </a:ln>
+            </p:spPr>
+            <p:style>
+              <a:lnRef idx="2">
+                <a:schemeClr val="accent1">
+                  <a:shade val="50000"/>
+                </a:schemeClr>
+              </a:lnRef>
+              <a:fillRef idx="1">
+                <a:schemeClr val="accent1"/>
+              </a:fillRef>
+              <a:effectRef idx="0">
+                <a:schemeClr val="accent1"/>
+              </a:effectRef>
+              <a:fontRef idx="minor">
+                <a:schemeClr val="lt1"/>
+              </a:fontRef>
+            </p:style>
+            <p:txBody>
+              <a:bodyPr rtlCol="0" anchor="ctr"/>
+              <a:lstStyle/>
+              <a:p>
+                <a:pPr algn="ctr"/>
+                <a:endParaRPr lang="en-US">
+                  <a:solidFill>
+                    <a:schemeClr val="tx1"/>
+                  </a:solidFill>
+                </a:endParaRPr>
+              </a:p>
+            </p:txBody>
+          </p:sp>
+          <p:sp>
+            <p:nvSpPr>
+              <p:cNvPr id="194" name="Rectangle 193">
+                <a:extLst>
+                  <a:ext uri="{FF2B5EF4-FFF2-40B4-BE49-F238E27FC236}">
+                    <a16:creationId xmlns:a16="http://schemas.microsoft.com/office/drawing/2014/main" id="{B6FEC5B5-FB87-AA4F-A4BA-84F8CE1301EC}"/>
+                  </a:ext>
+                </a:extLst>
+              </p:cNvPr>
+              <p:cNvSpPr/>
+              <p:nvPr/>
+            </p:nvSpPr>
+            <p:spPr>
+              <a:xfrm>
+                <a:off x="7044625" y="1581016"/>
+                <a:ext cx="63585" cy="177446"/>
+              </a:xfrm>
+              <a:prstGeom prst="rect">
+                <a:avLst/>
+              </a:prstGeom>
+              <a:solidFill>
+                <a:srgbClr val="FFFF00"/>
+              </a:solidFill>
+              <a:ln w="19050">
+                <a:solidFill>
+                  <a:schemeClr val="tx1"/>
+                </a:solidFill>
+              </a:ln>
+            </p:spPr>
+            <p:style>
+              <a:lnRef idx="2">
+                <a:schemeClr val="accent1">
+                  <a:shade val="50000"/>
+                </a:schemeClr>
+              </a:lnRef>
+              <a:fillRef idx="1">
+                <a:schemeClr val="accent1"/>
+              </a:fillRef>
+              <a:effectRef idx="0">
+                <a:schemeClr val="accent1"/>
+              </a:effectRef>
+              <a:fontRef idx="minor">
+                <a:schemeClr val="lt1"/>
+              </a:fontRef>
+            </p:style>
+            <p:txBody>
+              <a:bodyPr rtlCol="0" anchor="ctr"/>
+              <a:lstStyle/>
+              <a:p>
+                <a:pPr algn="ctr"/>
+                <a:endParaRPr lang="en-US"/>
+              </a:p>
+            </p:txBody>
+          </p:sp>
+        </p:grpSp>
+      </p:grpSp>
+      <p:sp>
+        <p:nvSpPr>
+          <p:cNvPr id="195" name="Freeform 194">
+            <a:extLst>
+              <a:ext uri="{FF2B5EF4-FFF2-40B4-BE49-F238E27FC236}">
+                <a16:creationId xmlns:a16="http://schemas.microsoft.com/office/drawing/2014/main" id="{20AD689F-4D74-914D-900B-761CDBDAB79E}"/>
+              </a:ext>
+            </a:extLst>
+          </p:cNvPr>
+          <p:cNvSpPr/>
+          <p:nvPr/>
+        </p:nvSpPr>
+        <p:spPr>
+          <a:xfrm rot="267188">
+            <a:off x="8272969" y="1869076"/>
+            <a:ext cx="145625" cy="326557"/>
+          </a:xfrm>
+          <a:custGeom>
+            <a:avLst/>
+            <a:gdLst>
+              <a:gd name="connsiteX0" fmla="*/ 128266 w 144545"/>
+              <a:gd name="connsiteY0" fmla="*/ 5509 h 330007"/>
+              <a:gd name="connsiteX1" fmla="*/ 74291 w 144545"/>
+              <a:gd name="connsiteY1" fmla="*/ 21384 h 330007"/>
+              <a:gd name="connsiteX2" fmla="*/ 33016 w 144545"/>
+              <a:gd name="connsiteY2" fmla="*/ 103934 h 330007"/>
+              <a:gd name="connsiteX3" fmla="*/ 1266 w 144545"/>
+              <a:gd name="connsiteY3" fmla="*/ 189659 h 330007"/>
+              <a:gd name="connsiteX4" fmla="*/ 77466 w 144545"/>
+              <a:gd name="connsiteY4" fmla="*/ 316659 h 330007"/>
+              <a:gd name="connsiteX5" fmla="*/ 112391 w 144545"/>
+              <a:gd name="connsiteY5" fmla="*/ 326184 h 330007"/>
+              <a:gd name="connsiteX6" fmla="*/ 140966 w 144545"/>
+              <a:gd name="connsiteY6" fmla="*/ 316659 h 330007"/>
+              <a:gd name="connsiteX7" fmla="*/ 137791 w 144545"/>
+              <a:gd name="connsiteY7" fmla="*/ 265859 h 330007"/>
+              <a:gd name="connsiteX8" fmla="*/ 83816 w 144545"/>
+              <a:gd name="connsiteY8" fmla="*/ 170609 h 330007"/>
+              <a:gd name="connsiteX9" fmla="*/ 128266 w 144545"/>
+              <a:gd name="connsiteY9" fmla="*/ 100759 h 330007"/>
+              <a:gd name="connsiteX10" fmla="*/ 128266 w 144545"/>
+              <a:gd name="connsiteY10" fmla="*/ 5509 h 330007"/>
+              <a:gd name="connsiteX0" fmla="*/ 128266 w 146942"/>
+              <a:gd name="connsiteY0" fmla="*/ 5509 h 328242"/>
+              <a:gd name="connsiteX1" fmla="*/ 74291 w 146942"/>
+              <a:gd name="connsiteY1" fmla="*/ 21384 h 328242"/>
+              <a:gd name="connsiteX2" fmla="*/ 33016 w 146942"/>
+              <a:gd name="connsiteY2" fmla="*/ 103934 h 328242"/>
+              <a:gd name="connsiteX3" fmla="*/ 1266 w 146942"/>
+              <a:gd name="connsiteY3" fmla="*/ 189659 h 328242"/>
+              <a:gd name="connsiteX4" fmla="*/ 77466 w 146942"/>
+              <a:gd name="connsiteY4" fmla="*/ 316659 h 328242"/>
+              <a:gd name="connsiteX5" fmla="*/ 140966 w 146942"/>
+              <a:gd name="connsiteY5" fmla="*/ 316659 h 328242"/>
+              <a:gd name="connsiteX6" fmla="*/ 137791 w 146942"/>
+              <a:gd name="connsiteY6" fmla="*/ 265859 h 328242"/>
+              <a:gd name="connsiteX7" fmla="*/ 83816 w 146942"/>
+              <a:gd name="connsiteY7" fmla="*/ 170609 h 328242"/>
+              <a:gd name="connsiteX8" fmla="*/ 128266 w 146942"/>
+              <a:gd name="connsiteY8" fmla="*/ 100759 h 328242"/>
+              <a:gd name="connsiteX9" fmla="*/ 128266 w 146942"/>
+              <a:gd name="connsiteY9" fmla="*/ 5509 h 328242"/>
+              <a:gd name="connsiteX0" fmla="*/ 128266 w 146334"/>
+              <a:gd name="connsiteY0" fmla="*/ 5509 h 328242"/>
+              <a:gd name="connsiteX1" fmla="*/ 74291 w 146334"/>
+              <a:gd name="connsiteY1" fmla="*/ 21384 h 328242"/>
+              <a:gd name="connsiteX2" fmla="*/ 33016 w 146334"/>
+              <a:gd name="connsiteY2" fmla="*/ 103934 h 328242"/>
+              <a:gd name="connsiteX3" fmla="*/ 1266 w 146334"/>
+              <a:gd name="connsiteY3" fmla="*/ 189659 h 328242"/>
+              <a:gd name="connsiteX4" fmla="*/ 77466 w 146334"/>
+              <a:gd name="connsiteY4" fmla="*/ 316659 h 328242"/>
+              <a:gd name="connsiteX5" fmla="*/ 140966 w 146334"/>
+              <a:gd name="connsiteY5" fmla="*/ 316659 h 328242"/>
+              <a:gd name="connsiteX6" fmla="*/ 137791 w 146334"/>
+              <a:gd name="connsiteY6" fmla="*/ 265859 h 328242"/>
+              <a:gd name="connsiteX7" fmla="*/ 96516 w 146334"/>
+              <a:gd name="connsiteY7" fmla="*/ 173784 h 328242"/>
+              <a:gd name="connsiteX8" fmla="*/ 128266 w 146334"/>
+              <a:gd name="connsiteY8" fmla="*/ 100759 h 328242"/>
+              <a:gd name="connsiteX9" fmla="*/ 128266 w 146334"/>
+              <a:gd name="connsiteY9" fmla="*/ 5509 h 328242"/>
+              <a:gd name="connsiteX0" fmla="*/ 129335 w 147403"/>
+              <a:gd name="connsiteY0" fmla="*/ 5509 h 328242"/>
+              <a:gd name="connsiteX1" fmla="*/ 75360 w 147403"/>
+              <a:gd name="connsiteY1" fmla="*/ 21384 h 328242"/>
+              <a:gd name="connsiteX2" fmla="*/ 24560 w 147403"/>
+              <a:gd name="connsiteY2" fmla="*/ 103934 h 328242"/>
+              <a:gd name="connsiteX3" fmla="*/ 2335 w 147403"/>
+              <a:gd name="connsiteY3" fmla="*/ 189659 h 328242"/>
+              <a:gd name="connsiteX4" fmla="*/ 78535 w 147403"/>
+              <a:gd name="connsiteY4" fmla="*/ 316659 h 328242"/>
+              <a:gd name="connsiteX5" fmla="*/ 142035 w 147403"/>
+              <a:gd name="connsiteY5" fmla="*/ 316659 h 328242"/>
+              <a:gd name="connsiteX6" fmla="*/ 138860 w 147403"/>
+              <a:gd name="connsiteY6" fmla="*/ 265859 h 328242"/>
+              <a:gd name="connsiteX7" fmla="*/ 97585 w 147403"/>
+              <a:gd name="connsiteY7" fmla="*/ 173784 h 328242"/>
+              <a:gd name="connsiteX8" fmla="*/ 129335 w 147403"/>
+              <a:gd name="connsiteY8" fmla="*/ 100759 h 328242"/>
+              <a:gd name="connsiteX9" fmla="*/ 129335 w 147403"/>
+              <a:gd name="connsiteY9" fmla="*/ 5509 h 328242"/>
+              <a:gd name="connsiteX0" fmla="*/ 127004 w 145072"/>
+              <a:gd name="connsiteY0" fmla="*/ 8980 h 331713"/>
+              <a:gd name="connsiteX1" fmla="*/ 73029 w 145072"/>
+              <a:gd name="connsiteY1" fmla="*/ 24855 h 331713"/>
+              <a:gd name="connsiteX2" fmla="*/ 4 w 145072"/>
+              <a:gd name="connsiteY2" fmla="*/ 193130 h 331713"/>
+              <a:gd name="connsiteX3" fmla="*/ 76204 w 145072"/>
+              <a:gd name="connsiteY3" fmla="*/ 320130 h 331713"/>
+              <a:gd name="connsiteX4" fmla="*/ 139704 w 145072"/>
+              <a:gd name="connsiteY4" fmla="*/ 320130 h 331713"/>
+              <a:gd name="connsiteX5" fmla="*/ 136529 w 145072"/>
+              <a:gd name="connsiteY5" fmla="*/ 269330 h 331713"/>
+              <a:gd name="connsiteX6" fmla="*/ 95254 w 145072"/>
+              <a:gd name="connsiteY6" fmla="*/ 177255 h 331713"/>
+              <a:gd name="connsiteX7" fmla="*/ 127004 w 145072"/>
+              <a:gd name="connsiteY7" fmla="*/ 104230 h 331713"/>
+              <a:gd name="connsiteX8" fmla="*/ 127004 w 145072"/>
+              <a:gd name="connsiteY8" fmla="*/ 8980 h 331713"/>
+              <a:gd name="connsiteX0" fmla="*/ 127261 w 145329"/>
+              <a:gd name="connsiteY0" fmla="*/ 3824 h 326557"/>
+              <a:gd name="connsiteX1" fmla="*/ 54236 w 145329"/>
+              <a:gd name="connsiteY1" fmla="*/ 35574 h 326557"/>
+              <a:gd name="connsiteX2" fmla="*/ 261 w 145329"/>
+              <a:gd name="connsiteY2" fmla="*/ 187974 h 326557"/>
+              <a:gd name="connsiteX3" fmla="*/ 76461 w 145329"/>
+              <a:gd name="connsiteY3" fmla="*/ 314974 h 326557"/>
+              <a:gd name="connsiteX4" fmla="*/ 139961 w 145329"/>
+              <a:gd name="connsiteY4" fmla="*/ 314974 h 326557"/>
+              <a:gd name="connsiteX5" fmla="*/ 136786 w 145329"/>
+              <a:gd name="connsiteY5" fmla="*/ 264174 h 326557"/>
+              <a:gd name="connsiteX6" fmla="*/ 95511 w 145329"/>
+              <a:gd name="connsiteY6" fmla="*/ 172099 h 326557"/>
+              <a:gd name="connsiteX7" fmla="*/ 127261 w 145329"/>
+              <a:gd name="connsiteY7" fmla="*/ 99074 h 326557"/>
+              <a:gd name="connsiteX8" fmla="*/ 127261 w 145329"/>
+              <a:gd name="connsiteY8" fmla="*/ 3824 h 326557"/>
+              <a:gd name="connsiteX0" fmla="*/ 127261 w 145625"/>
+              <a:gd name="connsiteY0" fmla="*/ 3824 h 326557"/>
+              <a:gd name="connsiteX1" fmla="*/ 54236 w 145625"/>
+              <a:gd name="connsiteY1" fmla="*/ 35574 h 326557"/>
+              <a:gd name="connsiteX2" fmla="*/ 261 w 145625"/>
+              <a:gd name="connsiteY2" fmla="*/ 187974 h 326557"/>
+              <a:gd name="connsiteX3" fmla="*/ 76461 w 145625"/>
+              <a:gd name="connsiteY3" fmla="*/ 314974 h 326557"/>
+              <a:gd name="connsiteX4" fmla="*/ 139961 w 145625"/>
+              <a:gd name="connsiteY4" fmla="*/ 314974 h 326557"/>
+              <a:gd name="connsiteX5" fmla="*/ 136786 w 145625"/>
+              <a:gd name="connsiteY5" fmla="*/ 264174 h 326557"/>
+              <a:gd name="connsiteX6" fmla="*/ 89161 w 145625"/>
+              <a:gd name="connsiteY6" fmla="*/ 181624 h 326557"/>
+              <a:gd name="connsiteX7" fmla="*/ 127261 w 145625"/>
+              <a:gd name="connsiteY7" fmla="*/ 99074 h 326557"/>
+              <a:gd name="connsiteX8" fmla="*/ 127261 w 145625"/>
+              <a:gd name="connsiteY8" fmla="*/ 3824 h 326557"/>
+              <a:gd name="connsiteX0" fmla="*/ 127261 w 145625"/>
+              <a:gd name="connsiteY0" fmla="*/ 3824 h 326557"/>
+              <a:gd name="connsiteX1" fmla="*/ 54236 w 145625"/>
+              <a:gd name="connsiteY1" fmla="*/ 35574 h 326557"/>
+              <a:gd name="connsiteX2" fmla="*/ 261 w 145625"/>
+              <a:gd name="connsiteY2" fmla="*/ 187974 h 326557"/>
+              <a:gd name="connsiteX3" fmla="*/ 76461 w 145625"/>
+              <a:gd name="connsiteY3" fmla="*/ 314974 h 326557"/>
+              <a:gd name="connsiteX4" fmla="*/ 139961 w 145625"/>
+              <a:gd name="connsiteY4" fmla="*/ 314974 h 326557"/>
+              <a:gd name="connsiteX5" fmla="*/ 136786 w 145625"/>
+              <a:gd name="connsiteY5" fmla="*/ 264174 h 326557"/>
+              <a:gd name="connsiteX6" fmla="*/ 89161 w 145625"/>
+              <a:gd name="connsiteY6" fmla="*/ 181624 h 326557"/>
+              <a:gd name="connsiteX7" fmla="*/ 127261 w 145625"/>
+              <a:gd name="connsiteY7" fmla="*/ 99074 h 326557"/>
+              <a:gd name="connsiteX8" fmla="*/ 127261 w 145625"/>
+              <a:gd name="connsiteY8" fmla="*/ 3824 h 326557"/>
+            </a:gdLst>
+            <a:ahLst/>
+            <a:cxnLst>
+              <a:cxn ang="0">
+                <a:pos x="connsiteX0" y="connsiteY0"/>
+              </a:cxn>
+              <a:cxn ang="0">
+                <a:pos x="connsiteX1" y="connsiteY1"/>
+              </a:cxn>
+              <a:cxn ang="0">
+                <a:pos x="connsiteX2" y="connsiteY2"/>
+              </a:cxn>
+              <a:cxn ang="0">
+                <a:pos x="connsiteX3" y="connsiteY3"/>
+              </a:cxn>
+              <a:cxn ang="0">
+                <a:pos x="connsiteX4" y="connsiteY4"/>
+              </a:cxn>
+              <a:cxn ang="0">
+                <a:pos x="connsiteX5" y="connsiteY5"/>
+              </a:cxn>
+              <a:cxn ang="0">
+                <a:pos x="connsiteX6" y="connsiteY6"/>
+              </a:cxn>
+              <a:cxn ang="0">
+                <a:pos x="connsiteX7" y="connsiteY7"/>
+              </a:cxn>
+              <a:cxn ang="0">
+                <a:pos x="connsiteX8" y="connsiteY8"/>
+              </a:cxn>
+            </a:cxnLst>
+            <a:rect l="l" t="t" r="r" b="b"/>
+            <a:pathLst>
+              <a:path w="145625" h="326557">
+                <a:moveTo>
+                  <a:pt x="127261" y="3824"/>
+                </a:moveTo>
+                <a:cubicBezTo>
+                  <a:pt x="115090" y="-6759"/>
+                  <a:pt x="75403" y="4882"/>
+                  <a:pt x="54236" y="35574"/>
+                </a:cubicBezTo>
+                <a:cubicBezTo>
+                  <a:pt x="33069" y="66266"/>
+                  <a:pt x="-3443" y="141407"/>
+                  <a:pt x="261" y="187974"/>
+                </a:cubicBezTo>
+                <a:cubicBezTo>
+                  <a:pt x="3965" y="234541"/>
+                  <a:pt x="53178" y="293807"/>
+                  <a:pt x="76461" y="314974"/>
+                </a:cubicBezTo>
+                <a:cubicBezTo>
+                  <a:pt x="99744" y="336141"/>
+                  <a:pt x="129907" y="323441"/>
+                  <a:pt x="139961" y="314974"/>
+                </a:cubicBezTo>
+                <a:cubicBezTo>
+                  <a:pt x="150015" y="306507"/>
+                  <a:pt x="145253" y="286399"/>
+                  <a:pt x="136786" y="264174"/>
+                </a:cubicBezTo>
+                <a:cubicBezTo>
+                  <a:pt x="128319" y="241949"/>
+                  <a:pt x="90748" y="209141"/>
+                  <a:pt x="89161" y="181624"/>
+                </a:cubicBezTo>
+                <a:cubicBezTo>
+                  <a:pt x="87574" y="154107"/>
+                  <a:pt x="114561" y="116007"/>
+                  <a:pt x="127261" y="99074"/>
+                </a:cubicBezTo>
+                <a:cubicBezTo>
+                  <a:pt x="139961" y="82141"/>
+                  <a:pt x="139432" y="14407"/>
+                  <a:pt x="127261" y="3824"/>
+                </a:cubicBezTo>
+                <a:close/>
+              </a:path>
+            </a:pathLst>
+          </a:custGeom>
+          <a:solidFill>
+            <a:schemeClr val="tx1"/>
+          </a:solidFill>
+          <a:ln>
+            <a:noFill/>
+          </a:ln>
+        </p:spPr>
+        <p:style>
+          <a:lnRef idx="2">
+            <a:schemeClr val="accent1">
+              <a:shade val="50000"/>
+            </a:schemeClr>
+          </a:lnRef>
+          <a:fillRef idx="1">
+            <a:schemeClr val="accent1"/>
+          </a:fillRef>
+          <a:effectRef idx="0">
+            <a:schemeClr val="accent1"/>
+          </a:effectRef>
+          <a:fontRef idx="minor">
+            <a:schemeClr val="lt1"/>
+          </a:fontRef>
+        </p:style>
+        <p:txBody>
+          <a:bodyPr rtlCol="0" anchor="ctr"/>
+          <a:lstStyle/>
+          <a:p>
+            <a:pPr algn="ctr"/>
+            <a:endParaRPr lang="en-US"/>
+          </a:p>
+        </p:txBody>
+      </p:sp>
+      <p:grpSp>
+        <p:nvGrpSpPr>
+          <p:cNvPr id="196" name="Group 195">
+            <a:extLst>
+              <a:ext uri="{FF2B5EF4-FFF2-40B4-BE49-F238E27FC236}">
+                <a16:creationId xmlns:a16="http://schemas.microsoft.com/office/drawing/2014/main" id="{46609D8D-A8C5-9546-93E7-F6DA2DE3776C}"/>
+              </a:ext>
+            </a:extLst>
+          </p:cNvPr>
+          <p:cNvGrpSpPr/>
+          <p:nvPr/>
+        </p:nvGrpSpPr>
+        <p:grpSpPr>
+          <a:xfrm>
+            <a:off x="8833553" y="2414167"/>
+            <a:ext cx="345243" cy="345243"/>
+            <a:chOff x="2118477" y="3288216"/>
+            <a:chExt cx="563671" cy="563671"/>
+          </a:xfrm>
+        </p:grpSpPr>
+        <p:sp>
+          <p:nvSpPr>
+            <p:cNvPr id="197" name="Oval 196">
+              <a:extLst>
+                <a:ext uri="{FF2B5EF4-FFF2-40B4-BE49-F238E27FC236}">
+                  <a16:creationId xmlns:a16="http://schemas.microsoft.com/office/drawing/2014/main" id="{F598507E-335E-2545-8850-FE8D9D7D5328}"/>
+                </a:ext>
+              </a:extLst>
+            </p:cNvPr>
+            <p:cNvSpPr/>
+            <p:nvPr/>
+          </p:nvSpPr>
+          <p:spPr>
+            <a:xfrm>
+              <a:off x="2118477" y="3288216"/>
+              <a:ext cx="563671" cy="563671"/>
+            </a:xfrm>
+            <a:prstGeom prst="ellipse">
+              <a:avLst/>
+            </a:prstGeom>
+            <a:solidFill>
+              <a:schemeClr val="bg1"/>
+            </a:solidFill>
+            <a:ln w="28575">
+              <a:solidFill>
+                <a:schemeClr val="tx1"/>
+              </a:solidFill>
+              <a:prstDash val="solid"/>
+            </a:ln>
+          </p:spPr>
+          <p:style>
+            <a:lnRef idx="2">
+              <a:schemeClr val="accent1">
+                <a:shade val="50000"/>
+              </a:schemeClr>
+            </a:lnRef>
+            <a:fillRef idx="1">
+              <a:schemeClr val="accent1"/>
+            </a:fillRef>
+            <a:effectRef idx="0">
+              <a:schemeClr val="accent1"/>
+            </a:effectRef>
+            <a:fontRef idx="minor">
+              <a:schemeClr val="lt1"/>
+            </a:fontRef>
+          </p:style>
+          <p:txBody>
+            <a:bodyPr rtlCol="0" anchor="ctr"/>
+            <a:lstStyle/>
+            <a:p>
+              <a:pPr algn="ctr"/>
+              <a:endParaRPr lang="en-US"/>
+            </a:p>
+          </p:txBody>
+        </p:sp>
+        <p:sp>
+          <p:nvSpPr>
+            <p:cNvPr id="198" name="Oval 13">
+              <a:extLst>
+                <a:ext uri="{FF2B5EF4-FFF2-40B4-BE49-F238E27FC236}">
+                  <a16:creationId xmlns:a16="http://schemas.microsoft.com/office/drawing/2014/main" id="{2E087D1E-B4D7-A445-AA67-F3715780C884}"/>
+                </a:ext>
+              </a:extLst>
+            </p:cNvPr>
+            <p:cNvSpPr/>
+            <p:nvPr/>
+          </p:nvSpPr>
+          <p:spPr>
+            <a:xfrm rot="1084536">
+              <a:off x="2230240" y="3440353"/>
+              <a:ext cx="221282" cy="259397"/>
+            </a:xfrm>
+            <a:custGeom>
+              <a:avLst/>
+              <a:gdLst>
+                <a:gd name="connsiteX0" fmla="*/ 0 w 182001"/>
+                <a:gd name="connsiteY0" fmla="*/ 91001 h 182001"/>
+                <a:gd name="connsiteX1" fmla="*/ 91001 w 182001"/>
+                <a:gd name="connsiteY1" fmla="*/ 0 h 182001"/>
+                <a:gd name="connsiteX2" fmla="*/ 182002 w 182001"/>
+                <a:gd name="connsiteY2" fmla="*/ 91001 h 182001"/>
+                <a:gd name="connsiteX3" fmla="*/ 91001 w 182001"/>
+                <a:gd name="connsiteY3" fmla="*/ 182002 h 182001"/>
+                <a:gd name="connsiteX4" fmla="*/ 0 w 182001"/>
+                <a:gd name="connsiteY4" fmla="*/ 91001 h 182001"/>
+                <a:gd name="connsiteX0" fmla="*/ 1575 w 183577"/>
+                <a:gd name="connsiteY0" fmla="*/ 268656 h 359657"/>
+                <a:gd name="connsiteX1" fmla="*/ 56000 w 183577"/>
+                <a:gd name="connsiteY1" fmla="*/ 0 h 359657"/>
+                <a:gd name="connsiteX2" fmla="*/ 183577 w 183577"/>
+                <a:gd name="connsiteY2" fmla="*/ 268656 h 359657"/>
+                <a:gd name="connsiteX3" fmla="*/ 92576 w 183577"/>
+                <a:gd name="connsiteY3" fmla="*/ 359657 h 359657"/>
+                <a:gd name="connsiteX4" fmla="*/ 1575 w 183577"/>
+                <a:gd name="connsiteY4" fmla="*/ 268656 h 359657"/>
+                <a:gd name="connsiteX0" fmla="*/ 1121 w 251049"/>
+                <a:gd name="connsiteY0" fmla="*/ 268721 h 360325"/>
+                <a:gd name="connsiteX1" fmla="*/ 55546 w 251049"/>
+                <a:gd name="connsiteY1" fmla="*/ 65 h 360325"/>
+                <a:gd name="connsiteX2" fmla="*/ 251049 w 251049"/>
+                <a:gd name="connsiteY2" fmla="*/ 294847 h 360325"/>
+                <a:gd name="connsiteX3" fmla="*/ 92122 w 251049"/>
+                <a:gd name="connsiteY3" fmla="*/ 359722 h 360325"/>
+                <a:gd name="connsiteX4" fmla="*/ 1121 w 251049"/>
+                <a:gd name="connsiteY4" fmla="*/ 268721 h 360325"/>
+                <a:gd name="connsiteX0" fmla="*/ 689 w 252379"/>
+                <a:gd name="connsiteY0" fmla="*/ 270804 h 362205"/>
+                <a:gd name="connsiteX1" fmla="*/ 55114 w 252379"/>
+                <a:gd name="connsiteY1" fmla="*/ 2148 h 362205"/>
+                <a:gd name="connsiteX2" fmla="*/ 149619 w 252379"/>
+                <a:gd name="connsiteY2" fmla="*/ 152584 h 362205"/>
+                <a:gd name="connsiteX3" fmla="*/ 250617 w 252379"/>
+                <a:gd name="connsiteY3" fmla="*/ 296930 h 362205"/>
+                <a:gd name="connsiteX4" fmla="*/ 91690 w 252379"/>
+                <a:gd name="connsiteY4" fmla="*/ 361805 h 362205"/>
+                <a:gd name="connsiteX5" fmla="*/ 689 w 252379"/>
+                <a:gd name="connsiteY5" fmla="*/ 270804 h 362205"/>
+                <a:gd name="connsiteX0" fmla="*/ 301 w 314692"/>
+                <a:gd name="connsiteY0" fmla="*/ 179992 h 364277"/>
+                <a:gd name="connsiteX1" fmla="*/ 117427 w 314692"/>
+                <a:gd name="connsiteY1" fmla="*/ 164 h 364277"/>
+                <a:gd name="connsiteX2" fmla="*/ 211932 w 314692"/>
+                <a:gd name="connsiteY2" fmla="*/ 150600 h 364277"/>
+                <a:gd name="connsiteX3" fmla="*/ 312930 w 314692"/>
+                <a:gd name="connsiteY3" fmla="*/ 294946 h 364277"/>
+                <a:gd name="connsiteX4" fmla="*/ 154003 w 314692"/>
+                <a:gd name="connsiteY4" fmla="*/ 359821 h 364277"/>
+                <a:gd name="connsiteX5" fmla="*/ 301 w 314692"/>
+                <a:gd name="connsiteY5" fmla="*/ 179992 h 364277"/>
+                <a:gd name="connsiteX0" fmla="*/ 663 w 315054"/>
+                <a:gd name="connsiteY0" fmla="*/ 179829 h 364114"/>
+                <a:gd name="connsiteX1" fmla="*/ 117789 w 315054"/>
+                <a:gd name="connsiteY1" fmla="*/ 1 h 364114"/>
+                <a:gd name="connsiteX2" fmla="*/ 212294 w 315054"/>
+                <a:gd name="connsiteY2" fmla="*/ 150437 h 364114"/>
+                <a:gd name="connsiteX3" fmla="*/ 313292 w 315054"/>
+                <a:gd name="connsiteY3" fmla="*/ 294783 h 364114"/>
+                <a:gd name="connsiteX4" fmla="*/ 154365 w 315054"/>
+                <a:gd name="connsiteY4" fmla="*/ 359658 h 364114"/>
+                <a:gd name="connsiteX5" fmla="*/ 663 w 315054"/>
+                <a:gd name="connsiteY5" fmla="*/ 179829 h 364114"/>
+                <a:gd name="connsiteX0" fmla="*/ 663 w 320673"/>
+                <a:gd name="connsiteY0" fmla="*/ 179829 h 364114"/>
+                <a:gd name="connsiteX1" fmla="*/ 117789 w 320673"/>
+                <a:gd name="connsiteY1" fmla="*/ 1 h 364114"/>
+                <a:gd name="connsiteX2" fmla="*/ 212294 w 320673"/>
+                <a:gd name="connsiteY2" fmla="*/ 150437 h 364114"/>
+                <a:gd name="connsiteX3" fmla="*/ 313292 w 320673"/>
+                <a:gd name="connsiteY3" fmla="*/ 294783 h 364114"/>
+                <a:gd name="connsiteX4" fmla="*/ 154365 w 320673"/>
+                <a:gd name="connsiteY4" fmla="*/ 359658 h 364114"/>
+                <a:gd name="connsiteX5" fmla="*/ 663 w 320673"/>
+                <a:gd name="connsiteY5" fmla="*/ 179829 h 364114"/>
+                <a:gd name="connsiteX0" fmla="*/ 663 w 320673"/>
+                <a:gd name="connsiteY0" fmla="*/ 179829 h 368132"/>
+                <a:gd name="connsiteX1" fmla="*/ 117789 w 320673"/>
+                <a:gd name="connsiteY1" fmla="*/ 1 h 368132"/>
+                <a:gd name="connsiteX2" fmla="*/ 212294 w 320673"/>
+                <a:gd name="connsiteY2" fmla="*/ 150437 h 368132"/>
+                <a:gd name="connsiteX3" fmla="*/ 313292 w 320673"/>
+                <a:gd name="connsiteY3" fmla="*/ 294783 h 368132"/>
+                <a:gd name="connsiteX4" fmla="*/ 154365 w 320673"/>
+                <a:gd name="connsiteY4" fmla="*/ 359658 h 368132"/>
+                <a:gd name="connsiteX5" fmla="*/ 663 w 320673"/>
+                <a:gd name="connsiteY5" fmla="*/ 179829 h 368132"/>
+                <a:gd name="connsiteX0" fmla="*/ 333 w 309892"/>
+                <a:gd name="connsiteY0" fmla="*/ 164190 h 369308"/>
+                <a:gd name="connsiteX1" fmla="*/ 107008 w 309892"/>
+                <a:gd name="connsiteY1" fmla="*/ 37 h 369308"/>
+                <a:gd name="connsiteX2" fmla="*/ 201513 w 309892"/>
+                <a:gd name="connsiteY2" fmla="*/ 150473 h 369308"/>
+                <a:gd name="connsiteX3" fmla="*/ 302511 w 309892"/>
+                <a:gd name="connsiteY3" fmla="*/ 294819 h 369308"/>
+                <a:gd name="connsiteX4" fmla="*/ 143584 w 309892"/>
+                <a:gd name="connsiteY4" fmla="*/ 359694 h 369308"/>
+                <a:gd name="connsiteX5" fmla="*/ 333 w 309892"/>
+                <a:gd name="connsiteY5" fmla="*/ 164190 h 369308"/>
+                <a:gd name="connsiteX0" fmla="*/ 454 w 310013"/>
+                <a:gd name="connsiteY0" fmla="*/ 158967 h 364085"/>
+                <a:gd name="connsiteX1" fmla="*/ 101904 w 310013"/>
+                <a:gd name="connsiteY1" fmla="*/ 40 h 364085"/>
+                <a:gd name="connsiteX2" fmla="*/ 201634 w 310013"/>
+                <a:gd name="connsiteY2" fmla="*/ 145250 h 364085"/>
+                <a:gd name="connsiteX3" fmla="*/ 302632 w 310013"/>
+                <a:gd name="connsiteY3" fmla="*/ 289596 h 364085"/>
+                <a:gd name="connsiteX4" fmla="*/ 143705 w 310013"/>
+                <a:gd name="connsiteY4" fmla="*/ 354471 h 364085"/>
+                <a:gd name="connsiteX5" fmla="*/ 454 w 310013"/>
+                <a:gd name="connsiteY5" fmla="*/ 158967 h 364085"/>
+                <a:gd name="connsiteX0" fmla="*/ 1028 w 310587"/>
+                <a:gd name="connsiteY0" fmla="*/ 158967 h 364085"/>
+                <a:gd name="connsiteX1" fmla="*/ 102478 w 310587"/>
+                <a:gd name="connsiteY1" fmla="*/ 40 h 364085"/>
+                <a:gd name="connsiteX2" fmla="*/ 202208 w 310587"/>
+                <a:gd name="connsiteY2" fmla="*/ 145250 h 364085"/>
+                <a:gd name="connsiteX3" fmla="*/ 303206 w 310587"/>
+                <a:gd name="connsiteY3" fmla="*/ 289596 h 364085"/>
+                <a:gd name="connsiteX4" fmla="*/ 144279 w 310587"/>
+                <a:gd name="connsiteY4" fmla="*/ 354471 h 364085"/>
+                <a:gd name="connsiteX5" fmla="*/ 1028 w 310587"/>
+                <a:gd name="connsiteY5" fmla="*/ 158967 h 364085"/>
+              </a:gdLst>
+              <a:ahLst/>
+              <a:cxnLst>
+                <a:cxn ang="0">
+                  <a:pos x="connsiteX0" y="connsiteY0"/>
+                </a:cxn>
+                <a:cxn ang="0">
+                  <a:pos x="connsiteX1" y="connsiteY1"/>
+                </a:cxn>
+                <a:cxn ang="0">
+                  <a:pos x="connsiteX2" y="connsiteY2"/>
+                </a:cxn>
+                <a:cxn ang="0">
+                  <a:pos x="connsiteX3" y="connsiteY3"/>
+                </a:cxn>
+                <a:cxn ang="0">
+                  <a:pos x="connsiteX4" y="connsiteY4"/>
+                </a:cxn>
+                <a:cxn ang="0">
+                  <a:pos x="connsiteX5" y="connsiteY5"/>
+                </a:cxn>
+              </a:cxnLst>
+              <a:rect l="l" t="t" r="r" b="b"/>
+              <a:pathLst>
+                <a:path w="310587" h="364085">
+                  <a:moveTo>
+                    <a:pt x="1028" y="158967"/>
+                  </a:moveTo>
+                  <a:cubicBezTo>
+                    <a:pt x="-5939" y="99895"/>
+                    <a:pt x="21921" y="2326"/>
+                    <a:pt x="102478" y="40"/>
+                  </a:cubicBezTo>
+                  <a:cubicBezTo>
+                    <a:pt x="183035" y="-2246"/>
+                    <a:pt x="169624" y="96120"/>
+                    <a:pt x="202208" y="145250"/>
+                  </a:cubicBezTo>
+                  <a:cubicBezTo>
+                    <a:pt x="234792" y="194380"/>
+                    <a:pt x="338987" y="215537"/>
+                    <a:pt x="303206" y="289596"/>
+                  </a:cubicBezTo>
+                  <a:cubicBezTo>
+                    <a:pt x="298776" y="363655"/>
+                    <a:pt x="194642" y="376242"/>
+                    <a:pt x="144279" y="354471"/>
+                  </a:cubicBezTo>
+                  <a:cubicBezTo>
+                    <a:pt x="93916" y="332700"/>
+                    <a:pt x="7995" y="218039"/>
+                    <a:pt x="1028" y="158967"/>
+                  </a:cubicBezTo>
+                  <a:close/>
+                </a:path>
+              </a:pathLst>
+            </a:custGeom>
+            <a:solidFill>
+              <a:schemeClr val="tx1"/>
+            </a:solidFill>
+            <a:ln w="28575">
+              <a:solidFill>
+                <a:schemeClr val="tx1"/>
+              </a:solidFill>
+              <a:prstDash val="solid"/>
+            </a:ln>
+          </p:spPr>
+          <p:style>
+            <a:lnRef idx="2">
+              <a:schemeClr val="accent1">
+                <a:shade val="50000"/>
+              </a:schemeClr>
+            </a:lnRef>
+            <a:fillRef idx="1">
+              <a:schemeClr val="accent1"/>
+            </a:fillRef>
+            <a:effectRef idx="0">
+              <a:schemeClr val="accent1"/>
+            </a:effectRef>
+            <a:fontRef idx="minor">
+              <a:schemeClr val="lt1"/>
+            </a:fontRef>
+          </p:style>
+          <p:txBody>
+            <a:bodyPr rtlCol="0" anchor="ctr"/>
+            <a:lstStyle/>
+            <a:p>
+              <a:pPr algn="ctr"/>
+              <a:endParaRPr lang="en-US"/>
+            </a:p>
+          </p:txBody>
+        </p:sp>
+        <p:sp>
+          <p:nvSpPr>
+            <p:cNvPr id="199" name="Oval 198">
+              <a:extLst>
+                <a:ext uri="{FF2B5EF4-FFF2-40B4-BE49-F238E27FC236}">
+                  <a16:creationId xmlns:a16="http://schemas.microsoft.com/office/drawing/2014/main" id="{27D7B4DD-31EE-5445-AC34-3ECA3C330C27}"/>
+                </a:ext>
+              </a:extLst>
+            </p:cNvPr>
+            <p:cNvSpPr/>
+            <p:nvPr/>
+          </p:nvSpPr>
+          <p:spPr>
+            <a:xfrm flipH="1">
+              <a:off x="2464572" y="3377936"/>
+              <a:ext cx="49448" cy="49448"/>
+            </a:xfrm>
+            <a:prstGeom prst="ellipse">
+              <a:avLst/>
+            </a:prstGeom>
+            <a:solidFill>
+              <a:schemeClr val="tx1"/>
+            </a:solidFill>
+            <a:ln w="28575">
+              <a:solidFill>
+                <a:schemeClr val="tx1"/>
+              </a:solidFill>
+              <a:prstDash val="solid"/>
+            </a:ln>
+          </p:spPr>
+          <p:style>
+            <a:lnRef idx="2">
+              <a:schemeClr val="accent1">
+                <a:shade val="50000"/>
+              </a:schemeClr>
+            </a:lnRef>
+            <a:fillRef idx="1">
+              <a:schemeClr val="accent1"/>
+            </a:fillRef>
+            <a:effectRef idx="0">
+              <a:schemeClr val="accent1"/>
+            </a:effectRef>
+            <a:fontRef idx="minor">
+              <a:schemeClr val="lt1"/>
+            </a:fontRef>
+          </p:style>
+          <p:txBody>
+            <a:bodyPr rtlCol="0" anchor="ctr"/>
+            <a:lstStyle/>
+            <a:p>
+              <a:pPr algn="ctr"/>
+              <a:endParaRPr lang="en-US"/>
+            </a:p>
+          </p:txBody>
+        </p:sp>
+        <p:sp>
+          <p:nvSpPr>
+            <p:cNvPr id="200" name="Oval 199">
+              <a:extLst>
+                <a:ext uri="{FF2B5EF4-FFF2-40B4-BE49-F238E27FC236}">
+                  <a16:creationId xmlns:a16="http://schemas.microsoft.com/office/drawing/2014/main" id="{8A70906B-8CCA-0640-9A59-7788F7C8CCD2}"/>
+                </a:ext>
+              </a:extLst>
+            </p:cNvPr>
+            <p:cNvSpPr/>
+            <p:nvPr/>
+          </p:nvSpPr>
+          <p:spPr>
+            <a:xfrm flipH="1">
+              <a:off x="2525532" y="3677656"/>
+              <a:ext cx="49448" cy="49448"/>
+            </a:xfrm>
+            <a:prstGeom prst="ellipse">
+              <a:avLst/>
+            </a:prstGeom>
+            <a:solidFill>
+              <a:schemeClr val="tx1"/>
+            </a:solidFill>
+            <a:ln w="28575">
+              <a:solidFill>
+                <a:schemeClr val="tx1"/>
+              </a:solidFill>
+              <a:prstDash val="solid"/>
+            </a:ln>
+          </p:spPr>
+          <p:style>
+            <a:lnRef idx="2">
+              <a:schemeClr val="accent1">
+                <a:shade val="50000"/>
+              </a:schemeClr>
+            </a:lnRef>
+            <a:fillRef idx="1">
+              <a:schemeClr val="accent1"/>
+            </a:fillRef>
+            <a:effectRef idx="0">
+              <a:schemeClr val="accent1"/>
+            </a:effectRef>
+            <a:fontRef idx="minor">
+              <a:schemeClr val="lt1"/>
+            </a:fontRef>
+          </p:style>
+          <p:txBody>
+            <a:bodyPr rtlCol="0" anchor="ctr"/>
+            <a:lstStyle/>
+            <a:p>
+              <a:pPr algn="ctr"/>
+              <a:endParaRPr lang="en-US"/>
+            </a:p>
+          </p:txBody>
+        </p:sp>
+        <p:sp>
+          <p:nvSpPr>
+            <p:cNvPr id="201" name="Oval 200">
+              <a:extLst>
+                <a:ext uri="{FF2B5EF4-FFF2-40B4-BE49-F238E27FC236}">
+                  <a16:creationId xmlns:a16="http://schemas.microsoft.com/office/drawing/2014/main" id="{C723F830-5DD2-814B-8786-A873FF5E5248}"/>
+                </a:ext>
+              </a:extLst>
+            </p:cNvPr>
+            <p:cNvSpPr/>
+            <p:nvPr/>
+          </p:nvSpPr>
+          <p:spPr>
+            <a:xfrm flipH="1">
+              <a:off x="2566172" y="3484616"/>
+              <a:ext cx="49448" cy="49448"/>
+            </a:xfrm>
+            <a:prstGeom prst="ellipse">
+              <a:avLst/>
+            </a:prstGeom>
+            <a:solidFill>
+              <a:schemeClr val="tx1"/>
+            </a:solidFill>
+            <a:ln w="28575">
+              <a:solidFill>
+                <a:schemeClr val="tx1"/>
+              </a:solidFill>
+              <a:prstDash val="solid"/>
+            </a:ln>
+          </p:spPr>
+          <p:style>
+            <a:lnRef idx="2">
+              <a:schemeClr val="accent1">
+                <a:shade val="50000"/>
+              </a:schemeClr>
+            </a:lnRef>
+            <a:fillRef idx="1">
+              <a:schemeClr val="accent1"/>
+            </a:fillRef>
+            <a:effectRef idx="0">
+              <a:schemeClr val="accent1"/>
+            </a:effectRef>
+            <a:fontRef idx="minor">
+              <a:schemeClr val="lt1"/>
+            </a:fontRef>
+          </p:style>
+          <p:txBody>
+            <a:bodyPr rtlCol="0" anchor="ctr"/>
+            <a:lstStyle/>
+            <a:p>
+              <a:pPr algn="ctr"/>
+              <a:endParaRPr lang="en-US"/>
+            </a:p>
+          </p:txBody>
+        </p:sp>
+      </p:grpSp>
+      <p:grpSp>
+        <p:nvGrpSpPr>
+          <p:cNvPr id="202" name="Group 201">
+            <a:extLst>
+              <a:ext uri="{FF2B5EF4-FFF2-40B4-BE49-F238E27FC236}">
+                <a16:creationId xmlns:a16="http://schemas.microsoft.com/office/drawing/2014/main" id="{427A2541-319C-1D4D-9E0F-46335725D82B}"/>
+              </a:ext>
+            </a:extLst>
+          </p:cNvPr>
+          <p:cNvGrpSpPr/>
+          <p:nvPr/>
+        </p:nvGrpSpPr>
+        <p:grpSpPr>
+          <a:xfrm>
+            <a:off x="8445242" y="2413124"/>
+            <a:ext cx="345243" cy="345243"/>
+            <a:chOff x="2118477" y="3288216"/>
+            <a:chExt cx="563671" cy="563671"/>
+          </a:xfrm>
+        </p:grpSpPr>
+        <p:sp>
+          <p:nvSpPr>
+            <p:cNvPr id="203" name="Oval 202">
+              <a:extLst>
+                <a:ext uri="{FF2B5EF4-FFF2-40B4-BE49-F238E27FC236}">
+                  <a16:creationId xmlns:a16="http://schemas.microsoft.com/office/drawing/2014/main" id="{D89D63DF-1303-814B-A720-E4F72D669364}"/>
+                </a:ext>
+              </a:extLst>
+            </p:cNvPr>
+            <p:cNvSpPr/>
+            <p:nvPr/>
+          </p:nvSpPr>
+          <p:spPr>
+            <a:xfrm>
+              <a:off x="2118477" y="3288216"/>
+              <a:ext cx="563671" cy="563671"/>
+            </a:xfrm>
+            <a:prstGeom prst="ellipse">
+              <a:avLst/>
+            </a:prstGeom>
+            <a:solidFill>
+              <a:schemeClr val="bg1"/>
+            </a:solidFill>
+            <a:ln w="28575">
+              <a:solidFill>
+                <a:schemeClr val="tx1"/>
+              </a:solidFill>
+              <a:prstDash val="solid"/>
+            </a:ln>
+          </p:spPr>
+          <p:style>
+            <a:lnRef idx="2">
+              <a:schemeClr val="accent1">
+                <a:shade val="50000"/>
+              </a:schemeClr>
+            </a:lnRef>
+            <a:fillRef idx="1">
+              <a:schemeClr val="accent1"/>
+            </a:fillRef>
+            <a:effectRef idx="0">
+              <a:schemeClr val="accent1"/>
+            </a:effectRef>
+            <a:fontRef idx="minor">
+              <a:schemeClr val="lt1"/>
+            </a:fontRef>
+          </p:style>
+          <p:txBody>
+            <a:bodyPr rtlCol="0" anchor="ctr"/>
+            <a:lstStyle/>
+            <a:p>
+              <a:pPr algn="ctr"/>
+              <a:endParaRPr lang="en-US"/>
+            </a:p>
+          </p:txBody>
+        </p:sp>
+        <p:sp>
+          <p:nvSpPr>
+            <p:cNvPr id="204" name="Oval 13">
+              <a:extLst>
+                <a:ext uri="{FF2B5EF4-FFF2-40B4-BE49-F238E27FC236}">
+                  <a16:creationId xmlns:a16="http://schemas.microsoft.com/office/drawing/2014/main" id="{8521099D-52BC-584C-9BA1-05F357762922}"/>
+                </a:ext>
+              </a:extLst>
+            </p:cNvPr>
+            <p:cNvSpPr/>
+            <p:nvPr/>
+          </p:nvSpPr>
+          <p:spPr>
+            <a:xfrm rot="1084536">
+              <a:off x="2230240" y="3440353"/>
+              <a:ext cx="221282" cy="259397"/>
+            </a:xfrm>
+            <a:custGeom>
+              <a:avLst/>
+              <a:gdLst>
+                <a:gd name="connsiteX0" fmla="*/ 0 w 182001"/>
+                <a:gd name="connsiteY0" fmla="*/ 91001 h 182001"/>
+                <a:gd name="connsiteX1" fmla="*/ 91001 w 182001"/>
+                <a:gd name="connsiteY1" fmla="*/ 0 h 182001"/>
+                <a:gd name="connsiteX2" fmla="*/ 182002 w 182001"/>
+                <a:gd name="connsiteY2" fmla="*/ 91001 h 182001"/>
+                <a:gd name="connsiteX3" fmla="*/ 91001 w 182001"/>
+                <a:gd name="connsiteY3" fmla="*/ 182002 h 182001"/>
+                <a:gd name="connsiteX4" fmla="*/ 0 w 182001"/>
+                <a:gd name="connsiteY4" fmla="*/ 91001 h 182001"/>
+                <a:gd name="connsiteX0" fmla="*/ 1575 w 183577"/>
+                <a:gd name="connsiteY0" fmla="*/ 268656 h 359657"/>
+                <a:gd name="connsiteX1" fmla="*/ 56000 w 183577"/>
+                <a:gd name="connsiteY1" fmla="*/ 0 h 359657"/>
+                <a:gd name="connsiteX2" fmla="*/ 183577 w 183577"/>
+                <a:gd name="connsiteY2" fmla="*/ 268656 h 359657"/>
+                <a:gd name="connsiteX3" fmla="*/ 92576 w 183577"/>
+                <a:gd name="connsiteY3" fmla="*/ 359657 h 359657"/>
+                <a:gd name="connsiteX4" fmla="*/ 1575 w 183577"/>
+                <a:gd name="connsiteY4" fmla="*/ 268656 h 359657"/>
+                <a:gd name="connsiteX0" fmla="*/ 1121 w 251049"/>
+                <a:gd name="connsiteY0" fmla="*/ 268721 h 360325"/>
+                <a:gd name="connsiteX1" fmla="*/ 55546 w 251049"/>
+                <a:gd name="connsiteY1" fmla="*/ 65 h 360325"/>
+                <a:gd name="connsiteX2" fmla="*/ 251049 w 251049"/>
+                <a:gd name="connsiteY2" fmla="*/ 294847 h 360325"/>
+                <a:gd name="connsiteX3" fmla="*/ 92122 w 251049"/>
+                <a:gd name="connsiteY3" fmla="*/ 359722 h 360325"/>
+                <a:gd name="connsiteX4" fmla="*/ 1121 w 251049"/>
+                <a:gd name="connsiteY4" fmla="*/ 268721 h 360325"/>
+                <a:gd name="connsiteX0" fmla="*/ 689 w 252379"/>
+                <a:gd name="connsiteY0" fmla="*/ 270804 h 362205"/>
+                <a:gd name="connsiteX1" fmla="*/ 55114 w 252379"/>
+                <a:gd name="connsiteY1" fmla="*/ 2148 h 362205"/>
+                <a:gd name="connsiteX2" fmla="*/ 149619 w 252379"/>
+                <a:gd name="connsiteY2" fmla="*/ 152584 h 362205"/>
+                <a:gd name="connsiteX3" fmla="*/ 250617 w 252379"/>
+                <a:gd name="connsiteY3" fmla="*/ 296930 h 362205"/>
+                <a:gd name="connsiteX4" fmla="*/ 91690 w 252379"/>
+                <a:gd name="connsiteY4" fmla="*/ 361805 h 362205"/>
+                <a:gd name="connsiteX5" fmla="*/ 689 w 252379"/>
+                <a:gd name="connsiteY5" fmla="*/ 270804 h 362205"/>
+                <a:gd name="connsiteX0" fmla="*/ 301 w 314692"/>
+                <a:gd name="connsiteY0" fmla="*/ 179992 h 364277"/>
+                <a:gd name="connsiteX1" fmla="*/ 117427 w 314692"/>
+                <a:gd name="connsiteY1" fmla="*/ 164 h 364277"/>
+                <a:gd name="connsiteX2" fmla="*/ 211932 w 314692"/>
+                <a:gd name="connsiteY2" fmla="*/ 150600 h 364277"/>
+                <a:gd name="connsiteX3" fmla="*/ 312930 w 314692"/>
+                <a:gd name="connsiteY3" fmla="*/ 294946 h 364277"/>
+                <a:gd name="connsiteX4" fmla="*/ 154003 w 314692"/>
+                <a:gd name="connsiteY4" fmla="*/ 359821 h 364277"/>
+                <a:gd name="connsiteX5" fmla="*/ 301 w 314692"/>
+                <a:gd name="connsiteY5" fmla="*/ 179992 h 364277"/>
+                <a:gd name="connsiteX0" fmla="*/ 663 w 315054"/>
+                <a:gd name="connsiteY0" fmla="*/ 179829 h 364114"/>
+                <a:gd name="connsiteX1" fmla="*/ 117789 w 315054"/>
+                <a:gd name="connsiteY1" fmla="*/ 1 h 364114"/>
+                <a:gd name="connsiteX2" fmla="*/ 212294 w 315054"/>
+                <a:gd name="connsiteY2" fmla="*/ 150437 h 364114"/>
+                <a:gd name="connsiteX3" fmla="*/ 313292 w 315054"/>
+                <a:gd name="connsiteY3" fmla="*/ 294783 h 364114"/>
+                <a:gd name="connsiteX4" fmla="*/ 154365 w 315054"/>
+                <a:gd name="connsiteY4" fmla="*/ 359658 h 364114"/>
+                <a:gd name="connsiteX5" fmla="*/ 663 w 315054"/>
+                <a:gd name="connsiteY5" fmla="*/ 179829 h 364114"/>
+                <a:gd name="connsiteX0" fmla="*/ 663 w 320673"/>
+                <a:gd name="connsiteY0" fmla="*/ 179829 h 364114"/>
+                <a:gd name="connsiteX1" fmla="*/ 117789 w 320673"/>
+                <a:gd name="connsiteY1" fmla="*/ 1 h 364114"/>
+                <a:gd name="connsiteX2" fmla="*/ 212294 w 320673"/>
+                <a:gd name="connsiteY2" fmla="*/ 150437 h 364114"/>
+                <a:gd name="connsiteX3" fmla="*/ 313292 w 320673"/>
+                <a:gd name="connsiteY3" fmla="*/ 294783 h 364114"/>
+                <a:gd name="connsiteX4" fmla="*/ 154365 w 320673"/>
+                <a:gd name="connsiteY4" fmla="*/ 359658 h 364114"/>
+                <a:gd name="connsiteX5" fmla="*/ 663 w 320673"/>
+                <a:gd name="connsiteY5" fmla="*/ 179829 h 364114"/>
+                <a:gd name="connsiteX0" fmla="*/ 663 w 320673"/>
+                <a:gd name="connsiteY0" fmla="*/ 179829 h 368132"/>
+                <a:gd name="connsiteX1" fmla="*/ 117789 w 320673"/>
+                <a:gd name="connsiteY1" fmla="*/ 1 h 368132"/>
+                <a:gd name="connsiteX2" fmla="*/ 212294 w 320673"/>
+                <a:gd name="connsiteY2" fmla="*/ 150437 h 368132"/>
+                <a:gd name="connsiteX3" fmla="*/ 313292 w 320673"/>
+                <a:gd name="connsiteY3" fmla="*/ 294783 h 368132"/>
+                <a:gd name="connsiteX4" fmla="*/ 154365 w 320673"/>
+                <a:gd name="connsiteY4" fmla="*/ 359658 h 368132"/>
+                <a:gd name="connsiteX5" fmla="*/ 663 w 320673"/>
+                <a:gd name="connsiteY5" fmla="*/ 179829 h 368132"/>
+                <a:gd name="connsiteX0" fmla="*/ 333 w 309892"/>
+                <a:gd name="connsiteY0" fmla="*/ 164190 h 369308"/>
+                <a:gd name="connsiteX1" fmla="*/ 107008 w 309892"/>
+                <a:gd name="connsiteY1" fmla="*/ 37 h 369308"/>
+                <a:gd name="connsiteX2" fmla="*/ 201513 w 309892"/>
+                <a:gd name="connsiteY2" fmla="*/ 150473 h 369308"/>
+                <a:gd name="connsiteX3" fmla="*/ 302511 w 309892"/>
+                <a:gd name="connsiteY3" fmla="*/ 294819 h 369308"/>
+                <a:gd name="connsiteX4" fmla="*/ 143584 w 309892"/>
+                <a:gd name="connsiteY4" fmla="*/ 359694 h 369308"/>
+                <a:gd name="connsiteX5" fmla="*/ 333 w 309892"/>
+                <a:gd name="connsiteY5" fmla="*/ 164190 h 369308"/>
+                <a:gd name="connsiteX0" fmla="*/ 454 w 310013"/>
+                <a:gd name="connsiteY0" fmla="*/ 158967 h 364085"/>
+                <a:gd name="connsiteX1" fmla="*/ 101904 w 310013"/>
+                <a:gd name="connsiteY1" fmla="*/ 40 h 364085"/>
+                <a:gd name="connsiteX2" fmla="*/ 201634 w 310013"/>
+                <a:gd name="connsiteY2" fmla="*/ 145250 h 364085"/>
+                <a:gd name="connsiteX3" fmla="*/ 302632 w 310013"/>
+                <a:gd name="connsiteY3" fmla="*/ 289596 h 364085"/>
+                <a:gd name="connsiteX4" fmla="*/ 143705 w 310013"/>
+                <a:gd name="connsiteY4" fmla="*/ 354471 h 364085"/>
+                <a:gd name="connsiteX5" fmla="*/ 454 w 310013"/>
+                <a:gd name="connsiteY5" fmla="*/ 158967 h 364085"/>
+                <a:gd name="connsiteX0" fmla="*/ 1028 w 310587"/>
+                <a:gd name="connsiteY0" fmla="*/ 158967 h 364085"/>
+                <a:gd name="connsiteX1" fmla="*/ 102478 w 310587"/>
+                <a:gd name="connsiteY1" fmla="*/ 40 h 364085"/>
+                <a:gd name="connsiteX2" fmla="*/ 202208 w 310587"/>
+                <a:gd name="connsiteY2" fmla="*/ 145250 h 364085"/>
+                <a:gd name="connsiteX3" fmla="*/ 303206 w 310587"/>
+                <a:gd name="connsiteY3" fmla="*/ 289596 h 364085"/>
+                <a:gd name="connsiteX4" fmla="*/ 144279 w 310587"/>
+                <a:gd name="connsiteY4" fmla="*/ 354471 h 364085"/>
+                <a:gd name="connsiteX5" fmla="*/ 1028 w 310587"/>
+                <a:gd name="connsiteY5" fmla="*/ 158967 h 364085"/>
+              </a:gdLst>
+              <a:ahLst/>
+              <a:cxnLst>
+                <a:cxn ang="0">
+                  <a:pos x="connsiteX0" y="connsiteY0"/>
+                </a:cxn>
+                <a:cxn ang="0">
+                  <a:pos x="connsiteX1" y="connsiteY1"/>
+                </a:cxn>
+                <a:cxn ang="0">
+                  <a:pos x="connsiteX2" y="connsiteY2"/>
+                </a:cxn>
+                <a:cxn ang="0">
+                  <a:pos x="connsiteX3" y="connsiteY3"/>
+                </a:cxn>
+                <a:cxn ang="0">
+                  <a:pos x="connsiteX4" y="connsiteY4"/>
+                </a:cxn>
+                <a:cxn ang="0">
+                  <a:pos x="connsiteX5" y="connsiteY5"/>
+                </a:cxn>
+              </a:cxnLst>
+              <a:rect l="l" t="t" r="r" b="b"/>
+              <a:pathLst>
+                <a:path w="310587" h="364085">
+                  <a:moveTo>
+                    <a:pt x="1028" y="158967"/>
+                  </a:moveTo>
+                  <a:cubicBezTo>
+                    <a:pt x="-5939" y="99895"/>
+                    <a:pt x="21921" y="2326"/>
+                    <a:pt x="102478" y="40"/>
+                  </a:cubicBezTo>
+                  <a:cubicBezTo>
+                    <a:pt x="183035" y="-2246"/>
+                    <a:pt x="169624" y="96120"/>
+                    <a:pt x="202208" y="145250"/>
+                  </a:cubicBezTo>
+                  <a:cubicBezTo>
+                    <a:pt x="234792" y="194380"/>
+                    <a:pt x="338987" y="215537"/>
+                    <a:pt x="303206" y="289596"/>
+                  </a:cubicBezTo>
+                  <a:cubicBezTo>
+                    <a:pt x="298776" y="363655"/>
+                    <a:pt x="194642" y="376242"/>
+                    <a:pt x="144279" y="354471"/>
+                  </a:cubicBezTo>
+                  <a:cubicBezTo>
+                    <a:pt x="93916" y="332700"/>
+                    <a:pt x="7995" y="218039"/>
+                    <a:pt x="1028" y="158967"/>
+                  </a:cubicBezTo>
+                  <a:close/>
+                </a:path>
+              </a:pathLst>
+            </a:custGeom>
+            <a:solidFill>
+              <a:schemeClr val="tx1"/>
+            </a:solidFill>
+            <a:ln w="28575">
+              <a:solidFill>
+                <a:schemeClr val="tx1"/>
+              </a:solidFill>
+              <a:prstDash val="solid"/>
+            </a:ln>
+          </p:spPr>
+          <p:style>
+            <a:lnRef idx="2">
+              <a:schemeClr val="accent1">
+                <a:shade val="50000"/>
+              </a:schemeClr>
+            </a:lnRef>
+            <a:fillRef idx="1">
+              <a:schemeClr val="accent1"/>
+            </a:fillRef>
+            <a:effectRef idx="0">
+              <a:schemeClr val="accent1"/>
+            </a:effectRef>
+            <a:fontRef idx="minor">
+              <a:schemeClr val="lt1"/>
+            </a:fontRef>
+          </p:style>
+          <p:txBody>
+            <a:bodyPr rtlCol="0" anchor="ctr"/>
+            <a:lstStyle/>
+            <a:p>
+              <a:pPr algn="ctr"/>
+              <a:endParaRPr lang="en-US"/>
+            </a:p>
+          </p:txBody>
+        </p:sp>
+        <p:sp>
+          <p:nvSpPr>
+            <p:cNvPr id="205" name="Oval 204">
+              <a:extLst>
+                <a:ext uri="{FF2B5EF4-FFF2-40B4-BE49-F238E27FC236}">
+                  <a16:creationId xmlns:a16="http://schemas.microsoft.com/office/drawing/2014/main" id="{35687709-EF11-7B44-8A85-3FB21581990E}"/>
+                </a:ext>
+              </a:extLst>
+            </p:cNvPr>
+            <p:cNvSpPr/>
+            <p:nvPr/>
+          </p:nvSpPr>
+          <p:spPr>
+            <a:xfrm flipH="1">
+              <a:off x="2464572" y="3377936"/>
+              <a:ext cx="49448" cy="49448"/>
+            </a:xfrm>
+            <a:prstGeom prst="ellipse">
+              <a:avLst/>
+            </a:prstGeom>
+            <a:solidFill>
+              <a:schemeClr val="tx1"/>
+            </a:solidFill>
+            <a:ln w="28575">
+              <a:solidFill>
+                <a:schemeClr val="tx1"/>
+              </a:solidFill>
+              <a:prstDash val="solid"/>
+            </a:ln>
+          </p:spPr>
+          <p:style>
+            <a:lnRef idx="2">
+              <a:schemeClr val="accent1">
+                <a:shade val="50000"/>
+              </a:schemeClr>
+            </a:lnRef>
+            <a:fillRef idx="1">
+              <a:schemeClr val="accent1"/>
+            </a:fillRef>
+            <a:effectRef idx="0">
+              <a:schemeClr val="accent1"/>
+            </a:effectRef>
+            <a:fontRef idx="minor">
+              <a:schemeClr val="lt1"/>
+            </a:fontRef>
+          </p:style>
+          <p:txBody>
+            <a:bodyPr rtlCol="0" anchor="ctr"/>
+            <a:lstStyle/>
+            <a:p>
+              <a:pPr algn="ctr"/>
+              <a:endParaRPr lang="en-US"/>
+            </a:p>
+          </p:txBody>
+        </p:sp>
+        <p:sp>
+          <p:nvSpPr>
+            <p:cNvPr id="206" name="Oval 205">
+              <a:extLst>
+                <a:ext uri="{FF2B5EF4-FFF2-40B4-BE49-F238E27FC236}">
+                  <a16:creationId xmlns:a16="http://schemas.microsoft.com/office/drawing/2014/main" id="{F033CE3C-943F-624B-BCFF-D4E1B714697A}"/>
+                </a:ext>
+              </a:extLst>
+            </p:cNvPr>
+            <p:cNvSpPr/>
+            <p:nvPr/>
+          </p:nvSpPr>
+          <p:spPr>
+            <a:xfrm flipH="1">
+              <a:off x="2525532" y="3677656"/>
+              <a:ext cx="49448" cy="49448"/>
+            </a:xfrm>
+            <a:prstGeom prst="ellipse">
+              <a:avLst/>
+            </a:prstGeom>
+            <a:solidFill>
+              <a:schemeClr val="tx1"/>
+            </a:solidFill>
+            <a:ln w="28575">
+              <a:solidFill>
+                <a:schemeClr val="tx1"/>
+              </a:solidFill>
+              <a:prstDash val="solid"/>
+            </a:ln>
+          </p:spPr>
+          <p:style>
+            <a:lnRef idx="2">
+              <a:schemeClr val="accent1">
+                <a:shade val="50000"/>
+              </a:schemeClr>
+            </a:lnRef>
+            <a:fillRef idx="1">
+              <a:schemeClr val="accent1"/>
+            </a:fillRef>
+            <a:effectRef idx="0">
+              <a:schemeClr val="accent1"/>
+            </a:effectRef>
+            <a:fontRef idx="minor">
+              <a:schemeClr val="lt1"/>
+            </a:fontRef>
+          </p:style>
+          <p:txBody>
+            <a:bodyPr rtlCol="0" anchor="ctr"/>
+            <a:lstStyle/>
+            <a:p>
+              <a:pPr algn="ctr"/>
+              <a:endParaRPr lang="en-US"/>
+            </a:p>
+          </p:txBody>
+        </p:sp>
+        <p:sp>
+          <p:nvSpPr>
+            <p:cNvPr id="207" name="Oval 206">
+              <a:extLst>
+                <a:ext uri="{FF2B5EF4-FFF2-40B4-BE49-F238E27FC236}">
+                  <a16:creationId xmlns:a16="http://schemas.microsoft.com/office/drawing/2014/main" id="{356691E4-60A0-1646-B52A-D9B289B33D07}"/>
+                </a:ext>
+              </a:extLst>
+            </p:cNvPr>
+            <p:cNvSpPr/>
+            <p:nvPr/>
+          </p:nvSpPr>
+          <p:spPr>
+            <a:xfrm flipH="1">
+              <a:off x="2566172" y="3484616"/>
+              <a:ext cx="49448" cy="49448"/>
+            </a:xfrm>
+            <a:prstGeom prst="ellipse">
+              <a:avLst/>
+            </a:prstGeom>
+            <a:solidFill>
+              <a:schemeClr val="tx1"/>
+            </a:solidFill>
+            <a:ln w="28575">
+              <a:solidFill>
+                <a:schemeClr val="tx1"/>
+              </a:solidFill>
+              <a:prstDash val="solid"/>
+            </a:ln>
+          </p:spPr>
+          <p:style>
+            <a:lnRef idx="2">
+              <a:schemeClr val="accent1">
+                <a:shade val="50000"/>
+              </a:schemeClr>
+            </a:lnRef>
+            <a:fillRef idx="1">
+              <a:schemeClr val="accent1"/>
+            </a:fillRef>
+            <a:effectRef idx="0">
+              <a:schemeClr val="accent1"/>
+            </a:effectRef>
+            <a:fontRef idx="minor">
+              <a:schemeClr val="lt1"/>
+            </a:fontRef>
+          </p:style>
+          <p:txBody>
+            <a:bodyPr rtlCol="0" anchor="ctr"/>
+            <a:lstStyle/>
+            <a:p>
+              <a:pPr algn="ctr"/>
+              <a:endParaRPr lang="en-US"/>
+            </a:p>
+          </p:txBody>
+        </p:sp>
+      </p:grpSp>
+      <p:grpSp>
+        <p:nvGrpSpPr>
+          <p:cNvPr id="208" name="Group 207">
+            <a:extLst>
+              <a:ext uri="{FF2B5EF4-FFF2-40B4-BE49-F238E27FC236}">
+                <a16:creationId xmlns:a16="http://schemas.microsoft.com/office/drawing/2014/main" id="{3E78C8FB-74AF-314D-80F3-676F94E40800}"/>
+              </a:ext>
+            </a:extLst>
+          </p:cNvPr>
+          <p:cNvGrpSpPr/>
+          <p:nvPr/>
+        </p:nvGrpSpPr>
+        <p:grpSpPr>
+          <a:xfrm>
+            <a:off x="9199415" y="2291494"/>
+            <a:ext cx="329528" cy="329528"/>
+            <a:chOff x="2118477" y="3288216"/>
+            <a:chExt cx="563671" cy="563671"/>
+          </a:xfrm>
+        </p:grpSpPr>
+        <p:sp>
+          <p:nvSpPr>
+            <p:cNvPr id="209" name="Oval 208">
+              <a:extLst>
+                <a:ext uri="{FF2B5EF4-FFF2-40B4-BE49-F238E27FC236}">
+                  <a16:creationId xmlns:a16="http://schemas.microsoft.com/office/drawing/2014/main" id="{6C3E744E-12D7-E34C-82F6-1968D61EBAC2}"/>
+                </a:ext>
+              </a:extLst>
+            </p:cNvPr>
+            <p:cNvSpPr/>
+            <p:nvPr/>
+          </p:nvSpPr>
+          <p:spPr>
+            <a:xfrm>
+              <a:off x="2118477" y="3288216"/>
+              <a:ext cx="563671" cy="563671"/>
+            </a:xfrm>
+            <a:prstGeom prst="ellipse">
+              <a:avLst/>
+            </a:prstGeom>
+            <a:solidFill>
+              <a:schemeClr val="bg1"/>
+            </a:solidFill>
+            <a:ln w="28575">
+              <a:solidFill>
+                <a:schemeClr val="tx1"/>
+              </a:solidFill>
+              <a:prstDash val="solid"/>
+            </a:ln>
+          </p:spPr>
+          <p:style>
+            <a:lnRef idx="2">
+              <a:schemeClr val="accent1">
+                <a:shade val="50000"/>
+              </a:schemeClr>
+            </a:lnRef>
+            <a:fillRef idx="1">
+              <a:schemeClr val="accent1"/>
+            </a:fillRef>
+            <a:effectRef idx="0">
+              <a:schemeClr val="accent1"/>
+            </a:effectRef>
+            <a:fontRef idx="minor">
+              <a:schemeClr val="lt1"/>
+            </a:fontRef>
+          </p:style>
+          <p:txBody>
+            <a:bodyPr rtlCol="0" anchor="ctr"/>
+            <a:lstStyle/>
+            <a:p>
+              <a:pPr algn="ctr"/>
+              <a:endParaRPr lang="en-US"/>
+            </a:p>
+          </p:txBody>
+        </p:sp>
+        <p:sp>
+          <p:nvSpPr>
+            <p:cNvPr id="210" name="Oval 13">
+              <a:extLst>
+                <a:ext uri="{FF2B5EF4-FFF2-40B4-BE49-F238E27FC236}">
+                  <a16:creationId xmlns:a16="http://schemas.microsoft.com/office/drawing/2014/main" id="{847E0D6E-3F30-6346-9E3D-150E74CCFE3E}"/>
+                </a:ext>
+              </a:extLst>
+            </p:cNvPr>
+            <p:cNvSpPr/>
+            <p:nvPr/>
+          </p:nvSpPr>
+          <p:spPr>
+            <a:xfrm rot="1084536">
+              <a:off x="2230240" y="3440353"/>
+              <a:ext cx="221282" cy="259397"/>
+            </a:xfrm>
+            <a:custGeom>
+              <a:avLst/>
+              <a:gdLst>
+                <a:gd name="connsiteX0" fmla="*/ 0 w 182001"/>
+                <a:gd name="connsiteY0" fmla="*/ 91001 h 182001"/>
+                <a:gd name="connsiteX1" fmla="*/ 91001 w 182001"/>
+                <a:gd name="connsiteY1" fmla="*/ 0 h 182001"/>
+                <a:gd name="connsiteX2" fmla="*/ 182002 w 182001"/>
+                <a:gd name="connsiteY2" fmla="*/ 91001 h 182001"/>
+                <a:gd name="connsiteX3" fmla="*/ 91001 w 182001"/>
+                <a:gd name="connsiteY3" fmla="*/ 182002 h 182001"/>
+                <a:gd name="connsiteX4" fmla="*/ 0 w 182001"/>
+                <a:gd name="connsiteY4" fmla="*/ 91001 h 182001"/>
+                <a:gd name="connsiteX0" fmla="*/ 1575 w 183577"/>
+                <a:gd name="connsiteY0" fmla="*/ 268656 h 359657"/>
+                <a:gd name="connsiteX1" fmla="*/ 56000 w 183577"/>
+                <a:gd name="connsiteY1" fmla="*/ 0 h 359657"/>
+                <a:gd name="connsiteX2" fmla="*/ 183577 w 183577"/>
+                <a:gd name="connsiteY2" fmla="*/ 268656 h 359657"/>
+                <a:gd name="connsiteX3" fmla="*/ 92576 w 183577"/>
+                <a:gd name="connsiteY3" fmla="*/ 359657 h 359657"/>
+                <a:gd name="connsiteX4" fmla="*/ 1575 w 183577"/>
+                <a:gd name="connsiteY4" fmla="*/ 268656 h 359657"/>
+                <a:gd name="connsiteX0" fmla="*/ 1121 w 251049"/>
+                <a:gd name="connsiteY0" fmla="*/ 268721 h 360325"/>
+                <a:gd name="connsiteX1" fmla="*/ 55546 w 251049"/>
+                <a:gd name="connsiteY1" fmla="*/ 65 h 360325"/>
+                <a:gd name="connsiteX2" fmla="*/ 251049 w 251049"/>
+                <a:gd name="connsiteY2" fmla="*/ 294847 h 360325"/>
+                <a:gd name="connsiteX3" fmla="*/ 92122 w 251049"/>
+                <a:gd name="connsiteY3" fmla="*/ 359722 h 360325"/>
+                <a:gd name="connsiteX4" fmla="*/ 1121 w 251049"/>
+                <a:gd name="connsiteY4" fmla="*/ 268721 h 360325"/>
+                <a:gd name="connsiteX0" fmla="*/ 689 w 252379"/>
+                <a:gd name="connsiteY0" fmla="*/ 270804 h 362205"/>
+                <a:gd name="connsiteX1" fmla="*/ 55114 w 252379"/>
+                <a:gd name="connsiteY1" fmla="*/ 2148 h 362205"/>
+                <a:gd name="connsiteX2" fmla="*/ 149619 w 252379"/>
+                <a:gd name="connsiteY2" fmla="*/ 152584 h 362205"/>
+                <a:gd name="connsiteX3" fmla="*/ 250617 w 252379"/>
+                <a:gd name="connsiteY3" fmla="*/ 296930 h 362205"/>
+                <a:gd name="connsiteX4" fmla="*/ 91690 w 252379"/>
+                <a:gd name="connsiteY4" fmla="*/ 361805 h 362205"/>
+                <a:gd name="connsiteX5" fmla="*/ 689 w 252379"/>
+                <a:gd name="connsiteY5" fmla="*/ 270804 h 362205"/>
+                <a:gd name="connsiteX0" fmla="*/ 301 w 314692"/>
+                <a:gd name="connsiteY0" fmla="*/ 179992 h 364277"/>
+                <a:gd name="connsiteX1" fmla="*/ 117427 w 314692"/>
+                <a:gd name="connsiteY1" fmla="*/ 164 h 364277"/>
+                <a:gd name="connsiteX2" fmla="*/ 211932 w 314692"/>
+                <a:gd name="connsiteY2" fmla="*/ 150600 h 364277"/>
+                <a:gd name="connsiteX3" fmla="*/ 312930 w 314692"/>
+                <a:gd name="connsiteY3" fmla="*/ 294946 h 364277"/>
+                <a:gd name="connsiteX4" fmla="*/ 154003 w 314692"/>
+                <a:gd name="connsiteY4" fmla="*/ 359821 h 364277"/>
+                <a:gd name="connsiteX5" fmla="*/ 301 w 314692"/>
+                <a:gd name="connsiteY5" fmla="*/ 179992 h 364277"/>
+                <a:gd name="connsiteX0" fmla="*/ 663 w 315054"/>
+                <a:gd name="connsiteY0" fmla="*/ 179829 h 364114"/>
+                <a:gd name="connsiteX1" fmla="*/ 117789 w 315054"/>
+                <a:gd name="connsiteY1" fmla="*/ 1 h 364114"/>
+                <a:gd name="connsiteX2" fmla="*/ 212294 w 315054"/>
+                <a:gd name="connsiteY2" fmla="*/ 150437 h 364114"/>
+                <a:gd name="connsiteX3" fmla="*/ 313292 w 315054"/>
+                <a:gd name="connsiteY3" fmla="*/ 294783 h 364114"/>
+                <a:gd name="connsiteX4" fmla="*/ 154365 w 315054"/>
+                <a:gd name="connsiteY4" fmla="*/ 359658 h 364114"/>
+                <a:gd name="connsiteX5" fmla="*/ 663 w 315054"/>
+                <a:gd name="connsiteY5" fmla="*/ 179829 h 364114"/>
+                <a:gd name="connsiteX0" fmla="*/ 663 w 320673"/>
+                <a:gd name="connsiteY0" fmla="*/ 179829 h 364114"/>
+                <a:gd name="connsiteX1" fmla="*/ 117789 w 320673"/>
+                <a:gd name="connsiteY1" fmla="*/ 1 h 364114"/>
+                <a:gd name="connsiteX2" fmla="*/ 212294 w 320673"/>
+                <a:gd name="connsiteY2" fmla="*/ 150437 h 364114"/>
+                <a:gd name="connsiteX3" fmla="*/ 313292 w 320673"/>
+                <a:gd name="connsiteY3" fmla="*/ 294783 h 364114"/>
+                <a:gd name="connsiteX4" fmla="*/ 154365 w 320673"/>
+                <a:gd name="connsiteY4" fmla="*/ 359658 h 364114"/>
+                <a:gd name="connsiteX5" fmla="*/ 663 w 320673"/>
+                <a:gd name="connsiteY5" fmla="*/ 179829 h 364114"/>
+                <a:gd name="connsiteX0" fmla="*/ 663 w 320673"/>
+                <a:gd name="connsiteY0" fmla="*/ 179829 h 368132"/>
+                <a:gd name="connsiteX1" fmla="*/ 117789 w 320673"/>
+                <a:gd name="connsiteY1" fmla="*/ 1 h 368132"/>
+                <a:gd name="connsiteX2" fmla="*/ 212294 w 320673"/>
+                <a:gd name="connsiteY2" fmla="*/ 150437 h 368132"/>
+                <a:gd name="connsiteX3" fmla="*/ 313292 w 320673"/>
+                <a:gd name="connsiteY3" fmla="*/ 294783 h 368132"/>
+                <a:gd name="connsiteX4" fmla="*/ 154365 w 320673"/>
+                <a:gd name="connsiteY4" fmla="*/ 359658 h 368132"/>
+                <a:gd name="connsiteX5" fmla="*/ 663 w 320673"/>
+                <a:gd name="connsiteY5" fmla="*/ 179829 h 368132"/>
+                <a:gd name="connsiteX0" fmla="*/ 333 w 309892"/>
+                <a:gd name="connsiteY0" fmla="*/ 164190 h 369308"/>
+                <a:gd name="connsiteX1" fmla="*/ 107008 w 309892"/>
+                <a:gd name="connsiteY1" fmla="*/ 37 h 369308"/>
+                <a:gd name="connsiteX2" fmla="*/ 201513 w 309892"/>
+                <a:gd name="connsiteY2" fmla="*/ 150473 h 369308"/>
+                <a:gd name="connsiteX3" fmla="*/ 302511 w 309892"/>
+                <a:gd name="connsiteY3" fmla="*/ 294819 h 369308"/>
+                <a:gd name="connsiteX4" fmla="*/ 143584 w 309892"/>
+                <a:gd name="connsiteY4" fmla="*/ 359694 h 369308"/>
+                <a:gd name="connsiteX5" fmla="*/ 333 w 309892"/>
+                <a:gd name="connsiteY5" fmla="*/ 164190 h 369308"/>
+                <a:gd name="connsiteX0" fmla="*/ 454 w 310013"/>
+                <a:gd name="connsiteY0" fmla="*/ 158967 h 364085"/>
+                <a:gd name="connsiteX1" fmla="*/ 101904 w 310013"/>
+                <a:gd name="connsiteY1" fmla="*/ 40 h 364085"/>
+                <a:gd name="connsiteX2" fmla="*/ 201634 w 310013"/>
+                <a:gd name="connsiteY2" fmla="*/ 145250 h 364085"/>
+                <a:gd name="connsiteX3" fmla="*/ 302632 w 310013"/>
+                <a:gd name="connsiteY3" fmla="*/ 289596 h 364085"/>
+                <a:gd name="connsiteX4" fmla="*/ 143705 w 310013"/>
+                <a:gd name="connsiteY4" fmla="*/ 354471 h 364085"/>
+                <a:gd name="connsiteX5" fmla="*/ 454 w 310013"/>
+                <a:gd name="connsiteY5" fmla="*/ 158967 h 364085"/>
+                <a:gd name="connsiteX0" fmla="*/ 1028 w 310587"/>
+                <a:gd name="connsiteY0" fmla="*/ 158967 h 364085"/>
+                <a:gd name="connsiteX1" fmla="*/ 102478 w 310587"/>
+                <a:gd name="connsiteY1" fmla="*/ 40 h 364085"/>
+                <a:gd name="connsiteX2" fmla="*/ 202208 w 310587"/>
+                <a:gd name="connsiteY2" fmla="*/ 145250 h 364085"/>
+                <a:gd name="connsiteX3" fmla="*/ 303206 w 310587"/>
+                <a:gd name="connsiteY3" fmla="*/ 289596 h 364085"/>
+                <a:gd name="connsiteX4" fmla="*/ 144279 w 310587"/>
+                <a:gd name="connsiteY4" fmla="*/ 354471 h 364085"/>
+                <a:gd name="connsiteX5" fmla="*/ 1028 w 310587"/>
+                <a:gd name="connsiteY5" fmla="*/ 158967 h 364085"/>
+              </a:gdLst>
+              <a:ahLst/>
+              <a:cxnLst>
+                <a:cxn ang="0">
+                  <a:pos x="connsiteX0" y="connsiteY0"/>
+                </a:cxn>
+                <a:cxn ang="0">
+                  <a:pos x="connsiteX1" y="connsiteY1"/>
+                </a:cxn>
+                <a:cxn ang="0">
+                  <a:pos x="connsiteX2" y="connsiteY2"/>
+                </a:cxn>
+                <a:cxn ang="0">
+                  <a:pos x="connsiteX3" y="connsiteY3"/>
+                </a:cxn>
+                <a:cxn ang="0">
+                  <a:pos x="connsiteX4" y="connsiteY4"/>
+                </a:cxn>
+                <a:cxn ang="0">
+                  <a:pos x="connsiteX5" y="connsiteY5"/>
+                </a:cxn>
+              </a:cxnLst>
+              <a:rect l="l" t="t" r="r" b="b"/>
+              <a:pathLst>
+                <a:path w="310587" h="364085">
+                  <a:moveTo>
+                    <a:pt x="1028" y="158967"/>
+                  </a:moveTo>
+                  <a:cubicBezTo>
+                    <a:pt x="-5939" y="99895"/>
+                    <a:pt x="21921" y="2326"/>
+                    <a:pt x="102478" y="40"/>
+                  </a:cubicBezTo>
+                  <a:cubicBezTo>
+                    <a:pt x="183035" y="-2246"/>
+                    <a:pt x="169624" y="96120"/>
+                    <a:pt x="202208" y="145250"/>
+                  </a:cubicBezTo>
+                  <a:cubicBezTo>
+                    <a:pt x="234792" y="194380"/>
+                    <a:pt x="338987" y="215537"/>
+                    <a:pt x="303206" y="289596"/>
+                  </a:cubicBezTo>
+                  <a:cubicBezTo>
+                    <a:pt x="298776" y="363655"/>
+                    <a:pt x="194642" y="376242"/>
+                    <a:pt x="144279" y="354471"/>
+                  </a:cubicBezTo>
+                  <a:cubicBezTo>
+                    <a:pt x="93916" y="332700"/>
+                    <a:pt x="7995" y="218039"/>
+                    <a:pt x="1028" y="158967"/>
+                  </a:cubicBezTo>
+                  <a:close/>
+                </a:path>
+              </a:pathLst>
+            </a:custGeom>
+            <a:solidFill>
+              <a:schemeClr val="tx1"/>
+            </a:solidFill>
+            <a:ln w="28575">
+              <a:solidFill>
+                <a:schemeClr val="tx1"/>
+              </a:solidFill>
+              <a:prstDash val="solid"/>
+            </a:ln>
+          </p:spPr>
+          <p:style>
+            <a:lnRef idx="2">
+              <a:schemeClr val="accent1">
+                <a:shade val="50000"/>
+              </a:schemeClr>
+            </a:lnRef>
+            <a:fillRef idx="1">
+              <a:schemeClr val="accent1"/>
+            </a:fillRef>
+            <a:effectRef idx="0">
+              <a:schemeClr val="accent1"/>
+            </a:effectRef>
+            <a:fontRef idx="minor">
+              <a:schemeClr val="lt1"/>
+            </a:fontRef>
+          </p:style>
+          <p:txBody>
+            <a:bodyPr rtlCol="0" anchor="ctr"/>
+            <a:lstStyle/>
+            <a:p>
+              <a:pPr algn="ctr"/>
+              <a:endParaRPr lang="en-US"/>
+            </a:p>
+          </p:txBody>
+        </p:sp>
+        <p:sp>
+          <p:nvSpPr>
+            <p:cNvPr id="211" name="Oval 210">
+              <a:extLst>
+                <a:ext uri="{FF2B5EF4-FFF2-40B4-BE49-F238E27FC236}">
+                  <a16:creationId xmlns:a16="http://schemas.microsoft.com/office/drawing/2014/main" id="{D55F6DD1-C454-C147-A1F9-D2CEA56AE48F}"/>
+                </a:ext>
+              </a:extLst>
+            </p:cNvPr>
+            <p:cNvSpPr/>
+            <p:nvPr/>
+          </p:nvSpPr>
+          <p:spPr>
+            <a:xfrm flipH="1">
+              <a:off x="2464572" y="3377936"/>
+              <a:ext cx="49448" cy="49448"/>
+            </a:xfrm>
+            <a:prstGeom prst="ellipse">
+              <a:avLst/>
+            </a:prstGeom>
+            <a:solidFill>
+              <a:schemeClr val="tx1"/>
+            </a:solidFill>
+            <a:ln w="28575">
+              <a:solidFill>
+                <a:schemeClr val="tx1"/>
+              </a:solidFill>
+              <a:prstDash val="solid"/>
+            </a:ln>
+          </p:spPr>
+          <p:style>
+            <a:lnRef idx="2">
+              <a:schemeClr val="accent1">
+                <a:shade val="50000"/>
+              </a:schemeClr>
+            </a:lnRef>
+            <a:fillRef idx="1">
+              <a:schemeClr val="accent1"/>
+            </a:fillRef>
+            <a:effectRef idx="0">
+              <a:schemeClr val="accent1"/>
+            </a:effectRef>
+            <a:fontRef idx="minor">
+              <a:schemeClr val="lt1"/>
+            </a:fontRef>
+          </p:style>
+          <p:txBody>
+            <a:bodyPr rtlCol="0" anchor="ctr"/>
+            <a:lstStyle/>
+            <a:p>
+              <a:pPr algn="ctr"/>
+              <a:endParaRPr lang="en-US"/>
+            </a:p>
+          </p:txBody>
+        </p:sp>
+        <p:sp>
+          <p:nvSpPr>
+            <p:cNvPr id="212" name="Oval 211">
+              <a:extLst>
+                <a:ext uri="{FF2B5EF4-FFF2-40B4-BE49-F238E27FC236}">
+                  <a16:creationId xmlns:a16="http://schemas.microsoft.com/office/drawing/2014/main" id="{66641AF1-7AE5-F840-8A4D-89B60AC9E102}"/>
+                </a:ext>
+              </a:extLst>
+            </p:cNvPr>
+            <p:cNvSpPr/>
+            <p:nvPr/>
+          </p:nvSpPr>
+          <p:spPr>
+            <a:xfrm flipH="1">
+              <a:off x="2525532" y="3677656"/>
+              <a:ext cx="49448" cy="49448"/>
+            </a:xfrm>
+            <a:prstGeom prst="ellipse">
+              <a:avLst/>
+            </a:prstGeom>
+            <a:solidFill>
+              <a:schemeClr val="tx1"/>
+            </a:solidFill>
+            <a:ln w="28575">
+              <a:solidFill>
+                <a:schemeClr val="tx1"/>
+              </a:solidFill>
+              <a:prstDash val="solid"/>
+            </a:ln>
+          </p:spPr>
+          <p:style>
+            <a:lnRef idx="2">
+              <a:schemeClr val="accent1">
+                <a:shade val="50000"/>
+              </a:schemeClr>
+            </a:lnRef>
+            <a:fillRef idx="1">
+              <a:schemeClr val="accent1"/>
+            </a:fillRef>
+            <a:effectRef idx="0">
+              <a:schemeClr val="accent1"/>
+            </a:effectRef>
+            <a:fontRef idx="minor">
+              <a:schemeClr val="lt1"/>
+            </a:fontRef>
+          </p:style>
+          <p:txBody>
+            <a:bodyPr rtlCol="0" anchor="ctr"/>
+            <a:lstStyle/>
+            <a:p>
+              <a:pPr algn="ctr"/>
+              <a:endParaRPr lang="en-US"/>
+            </a:p>
+          </p:txBody>
+        </p:sp>
+        <p:sp>
+          <p:nvSpPr>
+            <p:cNvPr id="214" name="Oval 213">
+              <a:extLst>
+                <a:ext uri="{FF2B5EF4-FFF2-40B4-BE49-F238E27FC236}">
+                  <a16:creationId xmlns:a16="http://schemas.microsoft.com/office/drawing/2014/main" id="{73D770F6-F650-5E4E-9B87-9047A2FD6F90}"/>
+                </a:ext>
+              </a:extLst>
+            </p:cNvPr>
+            <p:cNvSpPr/>
+            <p:nvPr/>
+          </p:nvSpPr>
+          <p:spPr>
+            <a:xfrm flipH="1">
+              <a:off x="2566172" y="3484616"/>
+              <a:ext cx="49448" cy="49448"/>
+            </a:xfrm>
+            <a:prstGeom prst="ellipse">
+              <a:avLst/>
+            </a:prstGeom>
+            <a:solidFill>
+              <a:schemeClr val="tx1"/>
+            </a:solidFill>
+            <a:ln w="28575">
+              <a:solidFill>
+                <a:schemeClr val="tx1"/>
+              </a:solidFill>
+              <a:prstDash val="solid"/>
+            </a:ln>
+          </p:spPr>
+          <p:style>
+            <a:lnRef idx="2">
+              <a:schemeClr val="accent1">
+                <a:shade val="50000"/>
+              </a:schemeClr>
+            </a:lnRef>
+            <a:fillRef idx="1">
+              <a:schemeClr val="accent1"/>
+            </a:fillRef>
+            <a:effectRef idx="0">
+              <a:schemeClr val="accent1"/>
+            </a:effectRef>
+            <a:fontRef idx="minor">
+              <a:schemeClr val="lt1"/>
+            </a:fontRef>
+          </p:style>
+          <p:txBody>
+            <a:bodyPr rtlCol="0" anchor="ctr"/>
+            <a:lstStyle/>
+            <a:p>
+              <a:pPr algn="ctr"/>
+              <a:endParaRPr lang="en-US"/>
+            </a:p>
+          </p:txBody>
+        </p:sp>
+      </p:grpSp>
+      <p:grpSp>
+        <p:nvGrpSpPr>
+          <p:cNvPr id="229" name="Group 228">
+            <a:extLst>
+              <a:ext uri="{FF2B5EF4-FFF2-40B4-BE49-F238E27FC236}">
+                <a16:creationId xmlns:a16="http://schemas.microsoft.com/office/drawing/2014/main" id="{3B4C0F57-C027-E743-ACC1-E1B50612BA00}"/>
+              </a:ext>
+            </a:extLst>
+          </p:cNvPr>
+          <p:cNvGrpSpPr/>
+          <p:nvPr/>
+        </p:nvGrpSpPr>
+        <p:grpSpPr>
+          <a:xfrm>
+            <a:off x="8887360" y="2677009"/>
+            <a:ext cx="393967" cy="393967"/>
+            <a:chOff x="2118477" y="3288216"/>
+            <a:chExt cx="563671" cy="563671"/>
+          </a:xfrm>
+        </p:grpSpPr>
+        <p:sp>
+          <p:nvSpPr>
+            <p:cNvPr id="232" name="Oval 231">
+              <a:extLst>
+                <a:ext uri="{FF2B5EF4-FFF2-40B4-BE49-F238E27FC236}">
+                  <a16:creationId xmlns:a16="http://schemas.microsoft.com/office/drawing/2014/main" id="{BAD300BE-1400-2742-A29E-15A36D96FDA1}"/>
+                </a:ext>
+              </a:extLst>
+            </p:cNvPr>
+            <p:cNvSpPr/>
+            <p:nvPr/>
+          </p:nvSpPr>
+          <p:spPr>
+            <a:xfrm>
+              <a:off x="2118477" y="3288216"/>
+              <a:ext cx="563671" cy="563671"/>
+            </a:xfrm>
+            <a:prstGeom prst="ellipse">
+              <a:avLst/>
+            </a:prstGeom>
+            <a:solidFill>
+              <a:schemeClr val="bg1"/>
+            </a:solidFill>
+            <a:ln w="28575">
+              <a:solidFill>
+                <a:schemeClr val="tx1"/>
+              </a:solidFill>
+              <a:prstDash val="solid"/>
+            </a:ln>
+          </p:spPr>
+          <p:style>
+            <a:lnRef idx="2">
+              <a:schemeClr val="accent1">
+                <a:shade val="50000"/>
+              </a:schemeClr>
+            </a:lnRef>
+            <a:fillRef idx="1">
+              <a:schemeClr val="accent1"/>
+            </a:fillRef>
+            <a:effectRef idx="0">
+              <a:schemeClr val="accent1"/>
+            </a:effectRef>
+            <a:fontRef idx="minor">
+              <a:schemeClr val="lt1"/>
+            </a:fontRef>
+          </p:style>
+          <p:txBody>
+            <a:bodyPr rtlCol="0" anchor="ctr"/>
+            <a:lstStyle/>
+            <a:p>
+              <a:pPr algn="ctr"/>
+              <a:endParaRPr lang="en-US"/>
+            </a:p>
+          </p:txBody>
+        </p:sp>
+        <p:sp>
+          <p:nvSpPr>
+            <p:cNvPr id="235" name="Oval 13">
+              <a:extLst>
+                <a:ext uri="{FF2B5EF4-FFF2-40B4-BE49-F238E27FC236}">
+                  <a16:creationId xmlns:a16="http://schemas.microsoft.com/office/drawing/2014/main" id="{108B7FAB-DF9B-7E43-BA53-0E075A4A9025}"/>
+                </a:ext>
+              </a:extLst>
+            </p:cNvPr>
+            <p:cNvSpPr/>
+            <p:nvPr/>
+          </p:nvSpPr>
+          <p:spPr>
+            <a:xfrm rot="1084536">
+              <a:off x="2230240" y="3440353"/>
+              <a:ext cx="221282" cy="259397"/>
+            </a:xfrm>
+            <a:custGeom>
+              <a:avLst/>
+              <a:gdLst>
+                <a:gd name="connsiteX0" fmla="*/ 0 w 182001"/>
+                <a:gd name="connsiteY0" fmla="*/ 91001 h 182001"/>
+                <a:gd name="connsiteX1" fmla="*/ 91001 w 182001"/>
+                <a:gd name="connsiteY1" fmla="*/ 0 h 182001"/>
+                <a:gd name="connsiteX2" fmla="*/ 182002 w 182001"/>
+                <a:gd name="connsiteY2" fmla="*/ 91001 h 182001"/>
+                <a:gd name="connsiteX3" fmla="*/ 91001 w 182001"/>
+                <a:gd name="connsiteY3" fmla="*/ 182002 h 182001"/>
+                <a:gd name="connsiteX4" fmla="*/ 0 w 182001"/>
+                <a:gd name="connsiteY4" fmla="*/ 91001 h 182001"/>
+                <a:gd name="connsiteX0" fmla="*/ 1575 w 183577"/>
+                <a:gd name="connsiteY0" fmla="*/ 268656 h 359657"/>
+                <a:gd name="connsiteX1" fmla="*/ 56000 w 183577"/>
+                <a:gd name="connsiteY1" fmla="*/ 0 h 359657"/>
+                <a:gd name="connsiteX2" fmla="*/ 183577 w 183577"/>
+                <a:gd name="connsiteY2" fmla="*/ 268656 h 359657"/>
+                <a:gd name="connsiteX3" fmla="*/ 92576 w 183577"/>
+                <a:gd name="connsiteY3" fmla="*/ 359657 h 359657"/>
+                <a:gd name="connsiteX4" fmla="*/ 1575 w 183577"/>
+                <a:gd name="connsiteY4" fmla="*/ 268656 h 359657"/>
+                <a:gd name="connsiteX0" fmla="*/ 1121 w 251049"/>
+                <a:gd name="connsiteY0" fmla="*/ 268721 h 360325"/>
+                <a:gd name="connsiteX1" fmla="*/ 55546 w 251049"/>
+                <a:gd name="connsiteY1" fmla="*/ 65 h 360325"/>
+                <a:gd name="connsiteX2" fmla="*/ 251049 w 251049"/>
+                <a:gd name="connsiteY2" fmla="*/ 294847 h 360325"/>
+                <a:gd name="connsiteX3" fmla="*/ 92122 w 251049"/>
+                <a:gd name="connsiteY3" fmla="*/ 359722 h 360325"/>
+                <a:gd name="connsiteX4" fmla="*/ 1121 w 251049"/>
+                <a:gd name="connsiteY4" fmla="*/ 268721 h 360325"/>
+                <a:gd name="connsiteX0" fmla="*/ 689 w 252379"/>
+                <a:gd name="connsiteY0" fmla="*/ 270804 h 362205"/>
+                <a:gd name="connsiteX1" fmla="*/ 55114 w 252379"/>
+                <a:gd name="connsiteY1" fmla="*/ 2148 h 362205"/>
+                <a:gd name="connsiteX2" fmla="*/ 149619 w 252379"/>
+                <a:gd name="connsiteY2" fmla="*/ 152584 h 362205"/>
+                <a:gd name="connsiteX3" fmla="*/ 250617 w 252379"/>
+                <a:gd name="connsiteY3" fmla="*/ 296930 h 362205"/>
+                <a:gd name="connsiteX4" fmla="*/ 91690 w 252379"/>
+                <a:gd name="connsiteY4" fmla="*/ 361805 h 362205"/>
+                <a:gd name="connsiteX5" fmla="*/ 689 w 252379"/>
+                <a:gd name="connsiteY5" fmla="*/ 270804 h 362205"/>
+                <a:gd name="connsiteX0" fmla="*/ 301 w 314692"/>
+                <a:gd name="connsiteY0" fmla="*/ 179992 h 364277"/>
+                <a:gd name="connsiteX1" fmla="*/ 117427 w 314692"/>
+                <a:gd name="connsiteY1" fmla="*/ 164 h 364277"/>
+                <a:gd name="connsiteX2" fmla="*/ 211932 w 314692"/>
+                <a:gd name="connsiteY2" fmla="*/ 150600 h 364277"/>
+                <a:gd name="connsiteX3" fmla="*/ 312930 w 314692"/>
+                <a:gd name="connsiteY3" fmla="*/ 294946 h 364277"/>
+                <a:gd name="connsiteX4" fmla="*/ 154003 w 314692"/>
+                <a:gd name="connsiteY4" fmla="*/ 359821 h 364277"/>
+                <a:gd name="connsiteX5" fmla="*/ 301 w 314692"/>
+                <a:gd name="connsiteY5" fmla="*/ 179992 h 364277"/>
+                <a:gd name="connsiteX0" fmla="*/ 663 w 315054"/>
+                <a:gd name="connsiteY0" fmla="*/ 179829 h 364114"/>
+                <a:gd name="connsiteX1" fmla="*/ 117789 w 315054"/>
+                <a:gd name="connsiteY1" fmla="*/ 1 h 364114"/>
+                <a:gd name="connsiteX2" fmla="*/ 212294 w 315054"/>
+                <a:gd name="connsiteY2" fmla="*/ 150437 h 364114"/>
+                <a:gd name="connsiteX3" fmla="*/ 313292 w 315054"/>
+                <a:gd name="connsiteY3" fmla="*/ 294783 h 364114"/>
+                <a:gd name="connsiteX4" fmla="*/ 154365 w 315054"/>
+                <a:gd name="connsiteY4" fmla="*/ 359658 h 364114"/>
+                <a:gd name="connsiteX5" fmla="*/ 663 w 315054"/>
+                <a:gd name="connsiteY5" fmla="*/ 179829 h 364114"/>
+                <a:gd name="connsiteX0" fmla="*/ 663 w 320673"/>
+                <a:gd name="connsiteY0" fmla="*/ 179829 h 364114"/>
+                <a:gd name="connsiteX1" fmla="*/ 117789 w 320673"/>
+                <a:gd name="connsiteY1" fmla="*/ 1 h 364114"/>
+                <a:gd name="connsiteX2" fmla="*/ 212294 w 320673"/>
+                <a:gd name="connsiteY2" fmla="*/ 150437 h 364114"/>
+                <a:gd name="connsiteX3" fmla="*/ 313292 w 320673"/>
+                <a:gd name="connsiteY3" fmla="*/ 294783 h 364114"/>
+                <a:gd name="connsiteX4" fmla="*/ 154365 w 320673"/>
+                <a:gd name="connsiteY4" fmla="*/ 359658 h 364114"/>
+                <a:gd name="connsiteX5" fmla="*/ 663 w 320673"/>
+                <a:gd name="connsiteY5" fmla="*/ 179829 h 364114"/>
+                <a:gd name="connsiteX0" fmla="*/ 663 w 320673"/>
+                <a:gd name="connsiteY0" fmla="*/ 179829 h 368132"/>
+                <a:gd name="connsiteX1" fmla="*/ 117789 w 320673"/>
+                <a:gd name="connsiteY1" fmla="*/ 1 h 368132"/>
+                <a:gd name="connsiteX2" fmla="*/ 212294 w 320673"/>
+                <a:gd name="connsiteY2" fmla="*/ 150437 h 368132"/>
+                <a:gd name="connsiteX3" fmla="*/ 313292 w 320673"/>
+                <a:gd name="connsiteY3" fmla="*/ 294783 h 368132"/>
+                <a:gd name="connsiteX4" fmla="*/ 154365 w 320673"/>
+                <a:gd name="connsiteY4" fmla="*/ 359658 h 368132"/>
+                <a:gd name="connsiteX5" fmla="*/ 663 w 320673"/>
+                <a:gd name="connsiteY5" fmla="*/ 179829 h 368132"/>
+                <a:gd name="connsiteX0" fmla="*/ 333 w 309892"/>
+                <a:gd name="connsiteY0" fmla="*/ 164190 h 369308"/>
+                <a:gd name="connsiteX1" fmla="*/ 107008 w 309892"/>
+                <a:gd name="connsiteY1" fmla="*/ 37 h 369308"/>
+                <a:gd name="connsiteX2" fmla="*/ 201513 w 309892"/>
+                <a:gd name="connsiteY2" fmla="*/ 150473 h 369308"/>
+                <a:gd name="connsiteX3" fmla="*/ 302511 w 309892"/>
+                <a:gd name="connsiteY3" fmla="*/ 294819 h 369308"/>
+                <a:gd name="connsiteX4" fmla="*/ 143584 w 309892"/>
+                <a:gd name="connsiteY4" fmla="*/ 359694 h 369308"/>
+                <a:gd name="connsiteX5" fmla="*/ 333 w 309892"/>
+                <a:gd name="connsiteY5" fmla="*/ 164190 h 369308"/>
+                <a:gd name="connsiteX0" fmla="*/ 454 w 310013"/>
+                <a:gd name="connsiteY0" fmla="*/ 158967 h 364085"/>
+                <a:gd name="connsiteX1" fmla="*/ 101904 w 310013"/>
+                <a:gd name="connsiteY1" fmla="*/ 40 h 364085"/>
+                <a:gd name="connsiteX2" fmla="*/ 201634 w 310013"/>
+                <a:gd name="connsiteY2" fmla="*/ 145250 h 364085"/>
+                <a:gd name="connsiteX3" fmla="*/ 302632 w 310013"/>
+                <a:gd name="connsiteY3" fmla="*/ 289596 h 364085"/>
+                <a:gd name="connsiteX4" fmla="*/ 143705 w 310013"/>
+                <a:gd name="connsiteY4" fmla="*/ 354471 h 364085"/>
+                <a:gd name="connsiteX5" fmla="*/ 454 w 310013"/>
+                <a:gd name="connsiteY5" fmla="*/ 158967 h 364085"/>
+                <a:gd name="connsiteX0" fmla="*/ 1028 w 310587"/>
+                <a:gd name="connsiteY0" fmla="*/ 158967 h 364085"/>
+                <a:gd name="connsiteX1" fmla="*/ 102478 w 310587"/>
+                <a:gd name="connsiteY1" fmla="*/ 40 h 364085"/>
+                <a:gd name="connsiteX2" fmla="*/ 202208 w 310587"/>
+                <a:gd name="connsiteY2" fmla="*/ 145250 h 364085"/>
+                <a:gd name="connsiteX3" fmla="*/ 303206 w 310587"/>
+                <a:gd name="connsiteY3" fmla="*/ 289596 h 364085"/>
+                <a:gd name="connsiteX4" fmla="*/ 144279 w 310587"/>
+                <a:gd name="connsiteY4" fmla="*/ 354471 h 364085"/>
+                <a:gd name="connsiteX5" fmla="*/ 1028 w 310587"/>
+                <a:gd name="connsiteY5" fmla="*/ 158967 h 364085"/>
+              </a:gdLst>
+              <a:ahLst/>
+              <a:cxnLst>
+                <a:cxn ang="0">
+                  <a:pos x="connsiteX0" y="connsiteY0"/>
+                </a:cxn>
+                <a:cxn ang="0">
+                  <a:pos x="connsiteX1" y="connsiteY1"/>
+                </a:cxn>
+                <a:cxn ang="0">
+                  <a:pos x="connsiteX2" y="connsiteY2"/>
+                </a:cxn>
+                <a:cxn ang="0">
+                  <a:pos x="connsiteX3" y="connsiteY3"/>
+                </a:cxn>
+                <a:cxn ang="0">
+                  <a:pos x="connsiteX4" y="connsiteY4"/>
+                </a:cxn>
+                <a:cxn ang="0">
+                  <a:pos x="connsiteX5" y="connsiteY5"/>
+                </a:cxn>
+              </a:cxnLst>
+              <a:rect l="l" t="t" r="r" b="b"/>
+              <a:pathLst>
+                <a:path w="310587" h="364085">
+                  <a:moveTo>
+                    <a:pt x="1028" y="158967"/>
+                  </a:moveTo>
+                  <a:cubicBezTo>
+                    <a:pt x="-5939" y="99895"/>
+                    <a:pt x="21921" y="2326"/>
+                    <a:pt x="102478" y="40"/>
+                  </a:cubicBezTo>
+                  <a:cubicBezTo>
+                    <a:pt x="183035" y="-2246"/>
+                    <a:pt x="169624" y="96120"/>
+                    <a:pt x="202208" y="145250"/>
+                  </a:cubicBezTo>
+                  <a:cubicBezTo>
+                    <a:pt x="234792" y="194380"/>
+                    <a:pt x="338987" y="215537"/>
+                    <a:pt x="303206" y="289596"/>
+                  </a:cubicBezTo>
+                  <a:cubicBezTo>
+                    <a:pt x="298776" y="363655"/>
+                    <a:pt x="194642" y="376242"/>
+                    <a:pt x="144279" y="354471"/>
+                  </a:cubicBezTo>
+                  <a:cubicBezTo>
+                    <a:pt x="93916" y="332700"/>
+                    <a:pt x="7995" y="218039"/>
+                    <a:pt x="1028" y="158967"/>
+                  </a:cubicBezTo>
+                  <a:close/>
+                </a:path>
+              </a:pathLst>
+            </a:custGeom>
+            <a:solidFill>
+              <a:schemeClr val="tx1"/>
+            </a:solidFill>
+            <a:ln w="28575">
+              <a:solidFill>
+                <a:schemeClr val="tx1"/>
+              </a:solidFill>
+              <a:prstDash val="solid"/>
+            </a:ln>
+          </p:spPr>
+          <p:style>
+            <a:lnRef idx="2">
+              <a:schemeClr val="accent1">
+                <a:shade val="50000"/>
+              </a:schemeClr>
+            </a:lnRef>
+            <a:fillRef idx="1">
+              <a:schemeClr val="accent1"/>
+            </a:fillRef>
+            <a:effectRef idx="0">
+              <a:schemeClr val="accent1"/>
+            </a:effectRef>
+            <a:fontRef idx="minor">
+              <a:schemeClr val="lt1"/>
+            </a:fontRef>
+          </p:style>
+          <p:txBody>
+            <a:bodyPr rtlCol="0" anchor="ctr"/>
+            <a:lstStyle/>
+            <a:p>
+              <a:pPr algn="ctr"/>
+              <a:endParaRPr lang="en-US"/>
+            </a:p>
+          </p:txBody>
+        </p:sp>
+        <p:sp>
+          <p:nvSpPr>
+            <p:cNvPr id="236" name="Oval 235">
+              <a:extLst>
+                <a:ext uri="{FF2B5EF4-FFF2-40B4-BE49-F238E27FC236}">
+                  <a16:creationId xmlns:a16="http://schemas.microsoft.com/office/drawing/2014/main" id="{6164237A-3813-8C42-A4A1-E26D2F3D4A61}"/>
+                </a:ext>
+              </a:extLst>
+            </p:cNvPr>
+            <p:cNvSpPr/>
+            <p:nvPr/>
+          </p:nvSpPr>
+          <p:spPr>
+            <a:xfrm flipH="1">
+              <a:off x="2464572" y="3377936"/>
+              <a:ext cx="49448" cy="49448"/>
+            </a:xfrm>
+            <a:prstGeom prst="ellipse">
+              <a:avLst/>
+            </a:prstGeom>
+            <a:solidFill>
+              <a:schemeClr val="tx1"/>
+            </a:solidFill>
+            <a:ln w="28575">
+              <a:solidFill>
+                <a:schemeClr val="tx1"/>
+              </a:solidFill>
+              <a:prstDash val="solid"/>
+            </a:ln>
+          </p:spPr>
+          <p:style>
+            <a:lnRef idx="2">
+              <a:schemeClr val="accent1">
+                <a:shade val="50000"/>
+              </a:schemeClr>
+            </a:lnRef>
+            <a:fillRef idx="1">
+              <a:schemeClr val="accent1"/>
+            </a:fillRef>
+            <a:effectRef idx="0">
+              <a:schemeClr val="accent1"/>
+            </a:effectRef>
+            <a:fontRef idx="minor">
+              <a:schemeClr val="lt1"/>
+            </a:fontRef>
+          </p:style>
+          <p:txBody>
+            <a:bodyPr rtlCol="0" anchor="ctr"/>
+            <a:lstStyle/>
+            <a:p>
+              <a:pPr algn="ctr"/>
+              <a:endParaRPr lang="en-US"/>
+            </a:p>
+          </p:txBody>
+        </p:sp>
+        <p:sp>
+          <p:nvSpPr>
+            <p:cNvPr id="237" name="Oval 236">
+              <a:extLst>
+                <a:ext uri="{FF2B5EF4-FFF2-40B4-BE49-F238E27FC236}">
+                  <a16:creationId xmlns:a16="http://schemas.microsoft.com/office/drawing/2014/main" id="{4F7ADD7F-7ED9-5D41-9244-B18C5382868C}"/>
+                </a:ext>
+              </a:extLst>
+            </p:cNvPr>
+            <p:cNvSpPr/>
+            <p:nvPr/>
+          </p:nvSpPr>
+          <p:spPr>
+            <a:xfrm flipH="1">
+              <a:off x="2525532" y="3677656"/>
+              <a:ext cx="49448" cy="49448"/>
+            </a:xfrm>
+            <a:prstGeom prst="ellipse">
+              <a:avLst/>
+            </a:prstGeom>
+            <a:solidFill>
+              <a:schemeClr val="tx1"/>
+            </a:solidFill>
+            <a:ln w="28575">
+              <a:solidFill>
+                <a:schemeClr val="tx1"/>
+              </a:solidFill>
+              <a:prstDash val="solid"/>
+            </a:ln>
+          </p:spPr>
+          <p:style>
+            <a:lnRef idx="2">
+              <a:schemeClr val="accent1">
+                <a:shade val="50000"/>
+              </a:schemeClr>
+            </a:lnRef>
+            <a:fillRef idx="1">
+              <a:schemeClr val="accent1"/>
+            </a:fillRef>
+            <a:effectRef idx="0">
+              <a:schemeClr val="accent1"/>
+            </a:effectRef>
+            <a:fontRef idx="minor">
+              <a:schemeClr val="lt1"/>
+            </a:fontRef>
+          </p:style>
+          <p:txBody>
+            <a:bodyPr rtlCol="0" anchor="ctr"/>
+            <a:lstStyle/>
+            <a:p>
+              <a:pPr algn="ctr"/>
+              <a:endParaRPr lang="en-US"/>
+            </a:p>
+          </p:txBody>
+        </p:sp>
+        <p:sp>
+          <p:nvSpPr>
+            <p:cNvPr id="238" name="Oval 237">
+              <a:extLst>
+                <a:ext uri="{FF2B5EF4-FFF2-40B4-BE49-F238E27FC236}">
+                  <a16:creationId xmlns:a16="http://schemas.microsoft.com/office/drawing/2014/main" id="{6AE07A6C-B937-1E49-96F0-E3CD5A464388}"/>
+                </a:ext>
+              </a:extLst>
+            </p:cNvPr>
+            <p:cNvSpPr/>
+            <p:nvPr/>
+          </p:nvSpPr>
+          <p:spPr>
+            <a:xfrm flipH="1">
+              <a:off x="2566172" y="3484616"/>
+              <a:ext cx="49448" cy="49448"/>
+            </a:xfrm>
+            <a:prstGeom prst="ellipse">
+              <a:avLst/>
+            </a:prstGeom>
+            <a:solidFill>
+              <a:schemeClr val="tx1"/>
+            </a:solidFill>
+            <a:ln w="28575">
+              <a:solidFill>
+                <a:schemeClr val="tx1"/>
+              </a:solidFill>
+              <a:prstDash val="solid"/>
+            </a:ln>
+          </p:spPr>
+          <p:style>
+            <a:lnRef idx="2">
+              <a:schemeClr val="accent1">
+                <a:shade val="50000"/>
+              </a:schemeClr>
+            </a:lnRef>
+            <a:fillRef idx="1">
+              <a:schemeClr val="accent1"/>
+            </a:fillRef>
+            <a:effectRef idx="0">
+              <a:schemeClr val="accent1"/>
+            </a:effectRef>
+            <a:fontRef idx="minor">
+              <a:schemeClr val="lt1"/>
+            </a:fontRef>
+          </p:style>
+          <p:txBody>
+            <a:bodyPr rtlCol="0" anchor="ctr"/>
+            <a:lstStyle/>
+            <a:p>
+              <a:pPr algn="ctr"/>
+              <a:endParaRPr lang="en-US"/>
+            </a:p>
+          </p:txBody>
+        </p:sp>
+      </p:grpSp>
+      <p:grpSp>
+        <p:nvGrpSpPr>
+          <p:cNvPr id="239" name="Group 238">
+            <a:extLst>
+              <a:ext uri="{FF2B5EF4-FFF2-40B4-BE49-F238E27FC236}">
+                <a16:creationId xmlns:a16="http://schemas.microsoft.com/office/drawing/2014/main" id="{4C6ED0A0-F4CD-C747-95D8-FEBB27A4BE2A}"/>
+              </a:ext>
+            </a:extLst>
+          </p:cNvPr>
+          <p:cNvGrpSpPr/>
+          <p:nvPr/>
+        </p:nvGrpSpPr>
+        <p:grpSpPr>
+          <a:xfrm>
+            <a:off x="8363308" y="2647135"/>
+            <a:ext cx="414518" cy="414518"/>
+            <a:chOff x="2118477" y="3288216"/>
+            <a:chExt cx="563671" cy="563671"/>
+          </a:xfrm>
+        </p:grpSpPr>
+        <p:sp>
+          <p:nvSpPr>
+            <p:cNvPr id="240" name="Oval 239">
+              <a:extLst>
+                <a:ext uri="{FF2B5EF4-FFF2-40B4-BE49-F238E27FC236}">
+                  <a16:creationId xmlns:a16="http://schemas.microsoft.com/office/drawing/2014/main" id="{EA12AEEE-E74A-454A-8CF2-3523394138A6}"/>
+                </a:ext>
+              </a:extLst>
+            </p:cNvPr>
+            <p:cNvSpPr/>
+            <p:nvPr/>
+          </p:nvSpPr>
+          <p:spPr>
+            <a:xfrm>
+              <a:off x="2118477" y="3288216"/>
+              <a:ext cx="563671" cy="563671"/>
+            </a:xfrm>
+            <a:prstGeom prst="ellipse">
+              <a:avLst/>
+            </a:prstGeom>
+            <a:solidFill>
+              <a:schemeClr val="bg1"/>
+            </a:solidFill>
+            <a:ln w="28575">
+              <a:solidFill>
+                <a:schemeClr val="tx1"/>
+              </a:solidFill>
+              <a:prstDash val="solid"/>
+            </a:ln>
+          </p:spPr>
+          <p:style>
+            <a:lnRef idx="2">
+              <a:schemeClr val="accent1">
+                <a:shade val="50000"/>
+              </a:schemeClr>
+            </a:lnRef>
+            <a:fillRef idx="1">
+              <a:schemeClr val="accent1"/>
+            </a:fillRef>
+            <a:effectRef idx="0">
+              <a:schemeClr val="accent1"/>
+            </a:effectRef>
+            <a:fontRef idx="minor">
+              <a:schemeClr val="lt1"/>
+            </a:fontRef>
+          </p:style>
+          <p:txBody>
+            <a:bodyPr rtlCol="0" anchor="ctr"/>
+            <a:lstStyle/>
+            <a:p>
+              <a:pPr algn="ctr"/>
+              <a:endParaRPr lang="en-US"/>
+            </a:p>
+          </p:txBody>
+        </p:sp>
+        <p:sp>
+          <p:nvSpPr>
+            <p:cNvPr id="253" name="Oval 13">
+              <a:extLst>
+                <a:ext uri="{FF2B5EF4-FFF2-40B4-BE49-F238E27FC236}">
+                  <a16:creationId xmlns:a16="http://schemas.microsoft.com/office/drawing/2014/main" id="{C6223473-E787-DD4B-938E-6060F4654595}"/>
+                </a:ext>
+              </a:extLst>
+            </p:cNvPr>
+            <p:cNvSpPr/>
+            <p:nvPr/>
+          </p:nvSpPr>
+          <p:spPr>
+            <a:xfrm rot="1084536">
+              <a:off x="2230240" y="3440353"/>
+              <a:ext cx="221282" cy="259397"/>
+            </a:xfrm>
+            <a:custGeom>
+              <a:avLst/>
+              <a:gdLst>
+                <a:gd name="connsiteX0" fmla="*/ 0 w 182001"/>
+                <a:gd name="connsiteY0" fmla="*/ 91001 h 182001"/>
+                <a:gd name="connsiteX1" fmla="*/ 91001 w 182001"/>
+                <a:gd name="connsiteY1" fmla="*/ 0 h 182001"/>
+                <a:gd name="connsiteX2" fmla="*/ 182002 w 182001"/>
+                <a:gd name="connsiteY2" fmla="*/ 91001 h 182001"/>
+                <a:gd name="connsiteX3" fmla="*/ 91001 w 182001"/>
+                <a:gd name="connsiteY3" fmla="*/ 182002 h 182001"/>
+                <a:gd name="connsiteX4" fmla="*/ 0 w 182001"/>
+                <a:gd name="connsiteY4" fmla="*/ 91001 h 182001"/>
+                <a:gd name="connsiteX0" fmla="*/ 1575 w 183577"/>
+                <a:gd name="connsiteY0" fmla="*/ 268656 h 359657"/>
+                <a:gd name="connsiteX1" fmla="*/ 56000 w 183577"/>
+                <a:gd name="connsiteY1" fmla="*/ 0 h 359657"/>
+                <a:gd name="connsiteX2" fmla="*/ 183577 w 183577"/>
+                <a:gd name="connsiteY2" fmla="*/ 268656 h 359657"/>
+                <a:gd name="connsiteX3" fmla="*/ 92576 w 183577"/>
+                <a:gd name="connsiteY3" fmla="*/ 359657 h 359657"/>
+                <a:gd name="connsiteX4" fmla="*/ 1575 w 183577"/>
+                <a:gd name="connsiteY4" fmla="*/ 268656 h 359657"/>
+                <a:gd name="connsiteX0" fmla="*/ 1121 w 251049"/>
+                <a:gd name="connsiteY0" fmla="*/ 268721 h 360325"/>
+                <a:gd name="connsiteX1" fmla="*/ 55546 w 251049"/>
+                <a:gd name="connsiteY1" fmla="*/ 65 h 360325"/>
+                <a:gd name="connsiteX2" fmla="*/ 251049 w 251049"/>
+                <a:gd name="connsiteY2" fmla="*/ 294847 h 360325"/>
+                <a:gd name="connsiteX3" fmla="*/ 92122 w 251049"/>
+                <a:gd name="connsiteY3" fmla="*/ 359722 h 360325"/>
+                <a:gd name="connsiteX4" fmla="*/ 1121 w 251049"/>
+                <a:gd name="connsiteY4" fmla="*/ 268721 h 360325"/>
+                <a:gd name="connsiteX0" fmla="*/ 689 w 252379"/>
+                <a:gd name="connsiteY0" fmla="*/ 270804 h 362205"/>
+                <a:gd name="connsiteX1" fmla="*/ 55114 w 252379"/>
+                <a:gd name="connsiteY1" fmla="*/ 2148 h 362205"/>
+                <a:gd name="connsiteX2" fmla="*/ 149619 w 252379"/>
+                <a:gd name="connsiteY2" fmla="*/ 152584 h 362205"/>
+                <a:gd name="connsiteX3" fmla="*/ 250617 w 252379"/>
+                <a:gd name="connsiteY3" fmla="*/ 296930 h 362205"/>
+                <a:gd name="connsiteX4" fmla="*/ 91690 w 252379"/>
+                <a:gd name="connsiteY4" fmla="*/ 361805 h 362205"/>
+                <a:gd name="connsiteX5" fmla="*/ 689 w 252379"/>
+                <a:gd name="connsiteY5" fmla="*/ 270804 h 362205"/>
+                <a:gd name="connsiteX0" fmla="*/ 301 w 314692"/>
+                <a:gd name="connsiteY0" fmla="*/ 179992 h 364277"/>
+                <a:gd name="connsiteX1" fmla="*/ 117427 w 314692"/>
+                <a:gd name="connsiteY1" fmla="*/ 164 h 364277"/>
+                <a:gd name="connsiteX2" fmla="*/ 211932 w 314692"/>
+                <a:gd name="connsiteY2" fmla="*/ 150600 h 364277"/>
+                <a:gd name="connsiteX3" fmla="*/ 312930 w 314692"/>
+                <a:gd name="connsiteY3" fmla="*/ 294946 h 364277"/>
+                <a:gd name="connsiteX4" fmla="*/ 154003 w 314692"/>
+                <a:gd name="connsiteY4" fmla="*/ 359821 h 364277"/>
+                <a:gd name="connsiteX5" fmla="*/ 301 w 314692"/>
+                <a:gd name="connsiteY5" fmla="*/ 179992 h 364277"/>
+                <a:gd name="connsiteX0" fmla="*/ 663 w 315054"/>
+                <a:gd name="connsiteY0" fmla="*/ 179829 h 364114"/>
+                <a:gd name="connsiteX1" fmla="*/ 117789 w 315054"/>
+                <a:gd name="connsiteY1" fmla="*/ 1 h 364114"/>
+                <a:gd name="connsiteX2" fmla="*/ 212294 w 315054"/>
+                <a:gd name="connsiteY2" fmla="*/ 150437 h 364114"/>
+                <a:gd name="connsiteX3" fmla="*/ 313292 w 315054"/>
+                <a:gd name="connsiteY3" fmla="*/ 294783 h 364114"/>
+                <a:gd name="connsiteX4" fmla="*/ 154365 w 315054"/>
+                <a:gd name="connsiteY4" fmla="*/ 359658 h 364114"/>
+                <a:gd name="connsiteX5" fmla="*/ 663 w 315054"/>
+                <a:gd name="connsiteY5" fmla="*/ 179829 h 364114"/>
+                <a:gd name="connsiteX0" fmla="*/ 663 w 320673"/>
+                <a:gd name="connsiteY0" fmla="*/ 179829 h 364114"/>
+                <a:gd name="connsiteX1" fmla="*/ 117789 w 320673"/>
+                <a:gd name="connsiteY1" fmla="*/ 1 h 364114"/>
+                <a:gd name="connsiteX2" fmla="*/ 212294 w 320673"/>
+                <a:gd name="connsiteY2" fmla="*/ 150437 h 364114"/>
+                <a:gd name="connsiteX3" fmla="*/ 313292 w 320673"/>
+                <a:gd name="connsiteY3" fmla="*/ 294783 h 364114"/>
+                <a:gd name="connsiteX4" fmla="*/ 154365 w 320673"/>
+                <a:gd name="connsiteY4" fmla="*/ 359658 h 364114"/>
+                <a:gd name="connsiteX5" fmla="*/ 663 w 320673"/>
+                <a:gd name="connsiteY5" fmla="*/ 179829 h 364114"/>
+                <a:gd name="connsiteX0" fmla="*/ 663 w 320673"/>
+                <a:gd name="connsiteY0" fmla="*/ 179829 h 368132"/>
+                <a:gd name="connsiteX1" fmla="*/ 117789 w 320673"/>
+                <a:gd name="connsiteY1" fmla="*/ 1 h 368132"/>
+                <a:gd name="connsiteX2" fmla="*/ 212294 w 320673"/>
+                <a:gd name="connsiteY2" fmla="*/ 150437 h 368132"/>
+                <a:gd name="connsiteX3" fmla="*/ 313292 w 320673"/>
+                <a:gd name="connsiteY3" fmla="*/ 294783 h 368132"/>
+                <a:gd name="connsiteX4" fmla="*/ 154365 w 320673"/>
+                <a:gd name="connsiteY4" fmla="*/ 359658 h 368132"/>
+                <a:gd name="connsiteX5" fmla="*/ 663 w 320673"/>
+                <a:gd name="connsiteY5" fmla="*/ 179829 h 368132"/>
+                <a:gd name="connsiteX0" fmla="*/ 333 w 309892"/>
+                <a:gd name="connsiteY0" fmla="*/ 164190 h 369308"/>
+                <a:gd name="connsiteX1" fmla="*/ 107008 w 309892"/>
+                <a:gd name="connsiteY1" fmla="*/ 37 h 369308"/>
+                <a:gd name="connsiteX2" fmla="*/ 201513 w 309892"/>
+                <a:gd name="connsiteY2" fmla="*/ 150473 h 369308"/>
+                <a:gd name="connsiteX3" fmla="*/ 302511 w 309892"/>
+                <a:gd name="connsiteY3" fmla="*/ 294819 h 369308"/>
+                <a:gd name="connsiteX4" fmla="*/ 143584 w 309892"/>
+                <a:gd name="connsiteY4" fmla="*/ 359694 h 369308"/>
+                <a:gd name="connsiteX5" fmla="*/ 333 w 309892"/>
+                <a:gd name="connsiteY5" fmla="*/ 164190 h 369308"/>
+                <a:gd name="connsiteX0" fmla="*/ 454 w 310013"/>
+                <a:gd name="connsiteY0" fmla="*/ 158967 h 364085"/>
+                <a:gd name="connsiteX1" fmla="*/ 101904 w 310013"/>
+                <a:gd name="connsiteY1" fmla="*/ 40 h 364085"/>
+                <a:gd name="connsiteX2" fmla="*/ 201634 w 310013"/>
+                <a:gd name="connsiteY2" fmla="*/ 145250 h 364085"/>
+                <a:gd name="connsiteX3" fmla="*/ 302632 w 310013"/>
+                <a:gd name="connsiteY3" fmla="*/ 289596 h 364085"/>
+                <a:gd name="connsiteX4" fmla="*/ 143705 w 310013"/>
+                <a:gd name="connsiteY4" fmla="*/ 354471 h 364085"/>
+                <a:gd name="connsiteX5" fmla="*/ 454 w 310013"/>
+                <a:gd name="connsiteY5" fmla="*/ 158967 h 364085"/>
+                <a:gd name="connsiteX0" fmla="*/ 1028 w 310587"/>
+                <a:gd name="connsiteY0" fmla="*/ 158967 h 364085"/>
+                <a:gd name="connsiteX1" fmla="*/ 102478 w 310587"/>
+                <a:gd name="connsiteY1" fmla="*/ 40 h 364085"/>
+                <a:gd name="connsiteX2" fmla="*/ 202208 w 310587"/>
+                <a:gd name="connsiteY2" fmla="*/ 145250 h 364085"/>
+                <a:gd name="connsiteX3" fmla="*/ 303206 w 310587"/>
+                <a:gd name="connsiteY3" fmla="*/ 289596 h 364085"/>
+                <a:gd name="connsiteX4" fmla="*/ 144279 w 310587"/>
+                <a:gd name="connsiteY4" fmla="*/ 354471 h 364085"/>
+                <a:gd name="connsiteX5" fmla="*/ 1028 w 310587"/>
+                <a:gd name="connsiteY5" fmla="*/ 158967 h 364085"/>
+              </a:gdLst>
+              <a:ahLst/>
+              <a:cxnLst>
+                <a:cxn ang="0">
+                  <a:pos x="connsiteX0" y="connsiteY0"/>
+                </a:cxn>
+                <a:cxn ang="0">
+                  <a:pos x="connsiteX1" y="connsiteY1"/>
+                </a:cxn>
+                <a:cxn ang="0">
+                  <a:pos x="connsiteX2" y="connsiteY2"/>
+                </a:cxn>
+                <a:cxn ang="0">
+                  <a:pos x="connsiteX3" y="connsiteY3"/>
+                </a:cxn>
+                <a:cxn ang="0">
+                  <a:pos x="connsiteX4" y="connsiteY4"/>
+                </a:cxn>
+                <a:cxn ang="0">
+                  <a:pos x="connsiteX5" y="connsiteY5"/>
+                </a:cxn>
+              </a:cxnLst>
+              <a:rect l="l" t="t" r="r" b="b"/>
+              <a:pathLst>
+                <a:path w="310587" h="364085">
+                  <a:moveTo>
+                    <a:pt x="1028" y="158967"/>
+                  </a:moveTo>
+                  <a:cubicBezTo>
+                    <a:pt x="-5939" y="99895"/>
+                    <a:pt x="21921" y="2326"/>
+                    <a:pt x="102478" y="40"/>
+                  </a:cubicBezTo>
+                  <a:cubicBezTo>
+                    <a:pt x="183035" y="-2246"/>
+                    <a:pt x="169624" y="96120"/>
+                    <a:pt x="202208" y="145250"/>
+                  </a:cubicBezTo>
+                  <a:cubicBezTo>
+                    <a:pt x="234792" y="194380"/>
+                    <a:pt x="338987" y="215537"/>
+                    <a:pt x="303206" y="289596"/>
+                  </a:cubicBezTo>
+                  <a:cubicBezTo>
+                    <a:pt x="298776" y="363655"/>
+                    <a:pt x="194642" y="376242"/>
+                    <a:pt x="144279" y="354471"/>
+                  </a:cubicBezTo>
+                  <a:cubicBezTo>
+                    <a:pt x="93916" y="332700"/>
+                    <a:pt x="7995" y="218039"/>
+                    <a:pt x="1028" y="158967"/>
+                  </a:cubicBezTo>
+                  <a:close/>
+                </a:path>
+              </a:pathLst>
+            </a:custGeom>
+            <a:solidFill>
+              <a:schemeClr val="tx1"/>
+            </a:solidFill>
+            <a:ln w="28575">
+              <a:solidFill>
+                <a:schemeClr val="tx1"/>
+              </a:solidFill>
+              <a:prstDash val="solid"/>
+            </a:ln>
+          </p:spPr>
+          <p:style>
+            <a:lnRef idx="2">
+              <a:schemeClr val="accent1">
+                <a:shade val="50000"/>
+              </a:schemeClr>
+            </a:lnRef>
+            <a:fillRef idx="1">
+              <a:schemeClr val="accent1"/>
+            </a:fillRef>
+            <a:effectRef idx="0">
+              <a:schemeClr val="accent1"/>
+            </a:effectRef>
+            <a:fontRef idx="minor">
+              <a:schemeClr val="lt1"/>
+            </a:fontRef>
+          </p:style>
+          <p:txBody>
+            <a:bodyPr rtlCol="0" anchor="ctr"/>
+            <a:lstStyle/>
+            <a:p>
+              <a:pPr algn="ctr"/>
+              <a:endParaRPr lang="en-US"/>
+            </a:p>
+          </p:txBody>
+        </p:sp>
+        <p:sp>
+          <p:nvSpPr>
+            <p:cNvPr id="254" name="Oval 253">
+              <a:extLst>
+                <a:ext uri="{FF2B5EF4-FFF2-40B4-BE49-F238E27FC236}">
+                  <a16:creationId xmlns:a16="http://schemas.microsoft.com/office/drawing/2014/main" id="{17676B14-3E30-804A-A66E-393E0E57DF31}"/>
+                </a:ext>
+              </a:extLst>
+            </p:cNvPr>
+            <p:cNvSpPr/>
+            <p:nvPr/>
+          </p:nvSpPr>
+          <p:spPr>
+            <a:xfrm flipH="1">
+              <a:off x="2464572" y="3377936"/>
+              <a:ext cx="49448" cy="49448"/>
+            </a:xfrm>
+            <a:prstGeom prst="ellipse">
+              <a:avLst/>
+            </a:prstGeom>
+            <a:solidFill>
+              <a:schemeClr val="tx1"/>
+            </a:solidFill>
+            <a:ln w="28575">
+              <a:solidFill>
+                <a:schemeClr val="tx1"/>
+              </a:solidFill>
+              <a:prstDash val="solid"/>
+            </a:ln>
+          </p:spPr>
+          <p:style>
+            <a:lnRef idx="2">
+              <a:schemeClr val="accent1">
+                <a:shade val="50000"/>
+              </a:schemeClr>
+            </a:lnRef>
+            <a:fillRef idx="1">
+              <a:schemeClr val="accent1"/>
+            </a:fillRef>
+            <a:effectRef idx="0">
+              <a:schemeClr val="accent1"/>
+            </a:effectRef>
+            <a:fontRef idx="minor">
+              <a:schemeClr val="lt1"/>
+            </a:fontRef>
+          </p:style>
+          <p:txBody>
+            <a:bodyPr rtlCol="0" anchor="ctr"/>
+            <a:lstStyle/>
+            <a:p>
+              <a:pPr algn="ctr"/>
+              <a:endParaRPr lang="en-US"/>
+            </a:p>
+          </p:txBody>
+        </p:sp>
+        <p:sp>
+          <p:nvSpPr>
+            <p:cNvPr id="255" name="Oval 254">
+              <a:extLst>
+                <a:ext uri="{FF2B5EF4-FFF2-40B4-BE49-F238E27FC236}">
+                  <a16:creationId xmlns:a16="http://schemas.microsoft.com/office/drawing/2014/main" id="{3DE4E930-1623-CC40-BB34-BAA98FCFBEAC}"/>
+                </a:ext>
+              </a:extLst>
+            </p:cNvPr>
+            <p:cNvSpPr/>
+            <p:nvPr/>
+          </p:nvSpPr>
+          <p:spPr>
+            <a:xfrm flipH="1">
+              <a:off x="2525532" y="3677656"/>
+              <a:ext cx="49448" cy="49448"/>
+            </a:xfrm>
+            <a:prstGeom prst="ellipse">
+              <a:avLst/>
+            </a:prstGeom>
+            <a:solidFill>
+              <a:schemeClr val="tx1"/>
+            </a:solidFill>
+            <a:ln w="28575">
+              <a:solidFill>
+                <a:schemeClr val="tx1"/>
+              </a:solidFill>
+              <a:prstDash val="solid"/>
+            </a:ln>
+          </p:spPr>
+          <p:style>
+            <a:lnRef idx="2">
+              <a:schemeClr val="accent1">
+                <a:shade val="50000"/>
+              </a:schemeClr>
+            </a:lnRef>
+            <a:fillRef idx="1">
+              <a:schemeClr val="accent1"/>
+            </a:fillRef>
+            <a:effectRef idx="0">
+              <a:schemeClr val="accent1"/>
+            </a:effectRef>
+            <a:fontRef idx="minor">
+              <a:schemeClr val="lt1"/>
+            </a:fontRef>
+          </p:style>
+          <p:txBody>
+            <a:bodyPr rtlCol="0" anchor="ctr"/>
+            <a:lstStyle/>
+            <a:p>
+              <a:pPr algn="ctr"/>
+              <a:endParaRPr lang="en-US"/>
+            </a:p>
+          </p:txBody>
+        </p:sp>
+        <p:sp>
+          <p:nvSpPr>
+            <p:cNvPr id="257" name="Oval 256">
+              <a:extLst>
+                <a:ext uri="{FF2B5EF4-FFF2-40B4-BE49-F238E27FC236}">
+                  <a16:creationId xmlns:a16="http://schemas.microsoft.com/office/drawing/2014/main" id="{22517E76-6910-8E4A-A10A-EAEB2073FEF3}"/>
+                </a:ext>
+              </a:extLst>
+            </p:cNvPr>
+            <p:cNvSpPr/>
+            <p:nvPr/>
+          </p:nvSpPr>
+          <p:spPr>
+            <a:xfrm flipH="1">
+              <a:off x="2566172" y="3484616"/>
+              <a:ext cx="49448" cy="49448"/>
+            </a:xfrm>
+            <a:prstGeom prst="ellipse">
+              <a:avLst/>
+            </a:prstGeom>
+            <a:solidFill>
+              <a:schemeClr val="tx1"/>
+            </a:solidFill>
+            <a:ln w="28575">
+              <a:solidFill>
+                <a:schemeClr val="tx1"/>
+              </a:solidFill>
+              <a:prstDash val="solid"/>
+            </a:ln>
+          </p:spPr>
+          <p:style>
+            <a:lnRef idx="2">
+              <a:schemeClr val="accent1">
+                <a:shade val="50000"/>
+              </a:schemeClr>
+            </a:lnRef>
+            <a:fillRef idx="1">
+              <a:schemeClr val="accent1"/>
+            </a:fillRef>
+            <a:effectRef idx="0">
+              <a:schemeClr val="accent1"/>
+            </a:effectRef>
+            <a:fontRef idx="minor">
+              <a:schemeClr val="lt1"/>
+            </a:fontRef>
+          </p:style>
+          <p:txBody>
+            <a:bodyPr rtlCol="0" anchor="ctr"/>
+            <a:lstStyle/>
+            <a:p>
+              <a:pPr algn="ctr"/>
+              <a:endParaRPr lang="en-US"/>
+            </a:p>
+          </p:txBody>
+        </p:sp>
+      </p:grpSp>
+      <p:grpSp>
+        <p:nvGrpSpPr>
+          <p:cNvPr id="258" name="Group 257">
+            <a:extLst>
+              <a:ext uri="{FF2B5EF4-FFF2-40B4-BE49-F238E27FC236}">
+                <a16:creationId xmlns:a16="http://schemas.microsoft.com/office/drawing/2014/main" id="{5F730632-2605-6741-80E0-B4DC0CE48AC5}"/>
+              </a:ext>
+            </a:extLst>
+          </p:cNvPr>
+          <p:cNvGrpSpPr/>
+          <p:nvPr/>
+        </p:nvGrpSpPr>
+        <p:grpSpPr>
+          <a:xfrm>
+            <a:off x="9364179" y="2528155"/>
+            <a:ext cx="380077" cy="380077"/>
+            <a:chOff x="2118477" y="3288216"/>
+            <a:chExt cx="563671" cy="563671"/>
+          </a:xfrm>
+        </p:grpSpPr>
+        <p:sp>
+          <p:nvSpPr>
+            <p:cNvPr id="259" name="Oval 258">
+              <a:extLst>
+                <a:ext uri="{FF2B5EF4-FFF2-40B4-BE49-F238E27FC236}">
+                  <a16:creationId xmlns:a16="http://schemas.microsoft.com/office/drawing/2014/main" id="{126C1B40-E81D-D949-AFF4-634F70B4F3E6}"/>
+                </a:ext>
+              </a:extLst>
+            </p:cNvPr>
+            <p:cNvSpPr/>
+            <p:nvPr/>
+          </p:nvSpPr>
+          <p:spPr>
+            <a:xfrm>
+              <a:off x="2118477" y="3288216"/>
+              <a:ext cx="563671" cy="563671"/>
+            </a:xfrm>
+            <a:prstGeom prst="ellipse">
+              <a:avLst/>
+            </a:prstGeom>
+            <a:solidFill>
+              <a:schemeClr val="bg1"/>
+            </a:solidFill>
+            <a:ln w="28575">
+              <a:solidFill>
+                <a:schemeClr val="tx1"/>
+              </a:solidFill>
+              <a:prstDash val="solid"/>
+            </a:ln>
+          </p:spPr>
+          <p:style>
+            <a:lnRef idx="2">
+              <a:schemeClr val="accent1">
+                <a:shade val="50000"/>
+              </a:schemeClr>
+            </a:lnRef>
+            <a:fillRef idx="1">
+              <a:schemeClr val="accent1"/>
+            </a:fillRef>
+            <a:effectRef idx="0">
+              <a:schemeClr val="accent1"/>
+            </a:effectRef>
+            <a:fontRef idx="minor">
+              <a:schemeClr val="lt1"/>
+            </a:fontRef>
+          </p:style>
+          <p:txBody>
+            <a:bodyPr rtlCol="0" anchor="ctr"/>
+            <a:lstStyle/>
+            <a:p>
+              <a:pPr algn="ctr"/>
+              <a:endParaRPr lang="en-US"/>
+            </a:p>
+          </p:txBody>
+        </p:sp>
+        <p:sp>
+          <p:nvSpPr>
+            <p:cNvPr id="260" name="Oval 13">
+              <a:extLst>
+                <a:ext uri="{FF2B5EF4-FFF2-40B4-BE49-F238E27FC236}">
+                  <a16:creationId xmlns:a16="http://schemas.microsoft.com/office/drawing/2014/main" id="{B520C258-CE98-BA40-8A9C-50F776CD4B78}"/>
+                </a:ext>
+              </a:extLst>
+            </p:cNvPr>
+            <p:cNvSpPr/>
+            <p:nvPr/>
+          </p:nvSpPr>
+          <p:spPr>
+            <a:xfrm rot="1084536">
+              <a:off x="2230240" y="3440353"/>
+              <a:ext cx="221282" cy="259397"/>
+            </a:xfrm>
+            <a:custGeom>
+              <a:avLst/>
+              <a:gdLst>
+                <a:gd name="connsiteX0" fmla="*/ 0 w 182001"/>
+                <a:gd name="connsiteY0" fmla="*/ 91001 h 182001"/>
+                <a:gd name="connsiteX1" fmla="*/ 91001 w 182001"/>
+                <a:gd name="connsiteY1" fmla="*/ 0 h 182001"/>
+                <a:gd name="connsiteX2" fmla="*/ 182002 w 182001"/>
+                <a:gd name="connsiteY2" fmla="*/ 91001 h 182001"/>
+                <a:gd name="connsiteX3" fmla="*/ 91001 w 182001"/>
+                <a:gd name="connsiteY3" fmla="*/ 182002 h 182001"/>
+                <a:gd name="connsiteX4" fmla="*/ 0 w 182001"/>
+                <a:gd name="connsiteY4" fmla="*/ 91001 h 182001"/>
+                <a:gd name="connsiteX0" fmla="*/ 1575 w 183577"/>
+                <a:gd name="connsiteY0" fmla="*/ 268656 h 359657"/>
+                <a:gd name="connsiteX1" fmla="*/ 56000 w 183577"/>
+                <a:gd name="connsiteY1" fmla="*/ 0 h 359657"/>
+                <a:gd name="connsiteX2" fmla="*/ 183577 w 183577"/>
+                <a:gd name="connsiteY2" fmla="*/ 268656 h 359657"/>
+                <a:gd name="connsiteX3" fmla="*/ 92576 w 183577"/>
+                <a:gd name="connsiteY3" fmla="*/ 359657 h 359657"/>
+                <a:gd name="connsiteX4" fmla="*/ 1575 w 183577"/>
+                <a:gd name="connsiteY4" fmla="*/ 268656 h 359657"/>
+                <a:gd name="connsiteX0" fmla="*/ 1121 w 251049"/>
+                <a:gd name="connsiteY0" fmla="*/ 268721 h 360325"/>
+                <a:gd name="connsiteX1" fmla="*/ 55546 w 251049"/>
+                <a:gd name="connsiteY1" fmla="*/ 65 h 360325"/>
+                <a:gd name="connsiteX2" fmla="*/ 251049 w 251049"/>
+                <a:gd name="connsiteY2" fmla="*/ 294847 h 360325"/>
+                <a:gd name="connsiteX3" fmla="*/ 92122 w 251049"/>
+                <a:gd name="connsiteY3" fmla="*/ 359722 h 360325"/>
+                <a:gd name="connsiteX4" fmla="*/ 1121 w 251049"/>
+                <a:gd name="connsiteY4" fmla="*/ 268721 h 360325"/>
+                <a:gd name="connsiteX0" fmla="*/ 689 w 252379"/>
+                <a:gd name="connsiteY0" fmla="*/ 270804 h 362205"/>
+                <a:gd name="connsiteX1" fmla="*/ 55114 w 252379"/>
+                <a:gd name="connsiteY1" fmla="*/ 2148 h 362205"/>
+                <a:gd name="connsiteX2" fmla="*/ 149619 w 252379"/>
+                <a:gd name="connsiteY2" fmla="*/ 152584 h 362205"/>
+                <a:gd name="connsiteX3" fmla="*/ 250617 w 252379"/>
+                <a:gd name="connsiteY3" fmla="*/ 296930 h 362205"/>
+                <a:gd name="connsiteX4" fmla="*/ 91690 w 252379"/>
+                <a:gd name="connsiteY4" fmla="*/ 361805 h 362205"/>
+                <a:gd name="connsiteX5" fmla="*/ 689 w 252379"/>
+                <a:gd name="connsiteY5" fmla="*/ 270804 h 362205"/>
+                <a:gd name="connsiteX0" fmla="*/ 301 w 314692"/>
+                <a:gd name="connsiteY0" fmla="*/ 179992 h 364277"/>
+                <a:gd name="connsiteX1" fmla="*/ 117427 w 314692"/>
+                <a:gd name="connsiteY1" fmla="*/ 164 h 364277"/>
+                <a:gd name="connsiteX2" fmla="*/ 211932 w 314692"/>
+                <a:gd name="connsiteY2" fmla="*/ 150600 h 364277"/>
+                <a:gd name="connsiteX3" fmla="*/ 312930 w 314692"/>
+                <a:gd name="connsiteY3" fmla="*/ 294946 h 364277"/>
+                <a:gd name="connsiteX4" fmla="*/ 154003 w 314692"/>
+                <a:gd name="connsiteY4" fmla="*/ 359821 h 364277"/>
+                <a:gd name="connsiteX5" fmla="*/ 301 w 314692"/>
+                <a:gd name="connsiteY5" fmla="*/ 179992 h 364277"/>
+                <a:gd name="connsiteX0" fmla="*/ 663 w 315054"/>
+                <a:gd name="connsiteY0" fmla="*/ 179829 h 364114"/>
+                <a:gd name="connsiteX1" fmla="*/ 117789 w 315054"/>
+                <a:gd name="connsiteY1" fmla="*/ 1 h 364114"/>
+                <a:gd name="connsiteX2" fmla="*/ 212294 w 315054"/>
+                <a:gd name="connsiteY2" fmla="*/ 150437 h 364114"/>
+                <a:gd name="connsiteX3" fmla="*/ 313292 w 315054"/>
+                <a:gd name="connsiteY3" fmla="*/ 294783 h 364114"/>
+                <a:gd name="connsiteX4" fmla="*/ 154365 w 315054"/>
+                <a:gd name="connsiteY4" fmla="*/ 359658 h 364114"/>
+                <a:gd name="connsiteX5" fmla="*/ 663 w 315054"/>
+                <a:gd name="connsiteY5" fmla="*/ 179829 h 364114"/>
+                <a:gd name="connsiteX0" fmla="*/ 663 w 320673"/>
+                <a:gd name="connsiteY0" fmla="*/ 179829 h 364114"/>
+                <a:gd name="connsiteX1" fmla="*/ 117789 w 320673"/>
+                <a:gd name="connsiteY1" fmla="*/ 1 h 364114"/>
+                <a:gd name="connsiteX2" fmla="*/ 212294 w 320673"/>
+                <a:gd name="connsiteY2" fmla="*/ 150437 h 364114"/>
+                <a:gd name="connsiteX3" fmla="*/ 313292 w 320673"/>
+                <a:gd name="connsiteY3" fmla="*/ 294783 h 364114"/>
+                <a:gd name="connsiteX4" fmla="*/ 154365 w 320673"/>
+                <a:gd name="connsiteY4" fmla="*/ 359658 h 364114"/>
+                <a:gd name="connsiteX5" fmla="*/ 663 w 320673"/>
+                <a:gd name="connsiteY5" fmla="*/ 179829 h 364114"/>
+                <a:gd name="connsiteX0" fmla="*/ 663 w 320673"/>
+                <a:gd name="connsiteY0" fmla="*/ 179829 h 368132"/>
+                <a:gd name="connsiteX1" fmla="*/ 117789 w 320673"/>
+                <a:gd name="connsiteY1" fmla="*/ 1 h 368132"/>
+                <a:gd name="connsiteX2" fmla="*/ 212294 w 320673"/>
+                <a:gd name="connsiteY2" fmla="*/ 150437 h 368132"/>
+                <a:gd name="connsiteX3" fmla="*/ 313292 w 320673"/>
+                <a:gd name="connsiteY3" fmla="*/ 294783 h 368132"/>
+                <a:gd name="connsiteX4" fmla="*/ 154365 w 320673"/>
+                <a:gd name="connsiteY4" fmla="*/ 359658 h 368132"/>
+                <a:gd name="connsiteX5" fmla="*/ 663 w 320673"/>
+                <a:gd name="connsiteY5" fmla="*/ 179829 h 368132"/>
+                <a:gd name="connsiteX0" fmla="*/ 333 w 309892"/>
+                <a:gd name="connsiteY0" fmla="*/ 164190 h 369308"/>
+                <a:gd name="connsiteX1" fmla="*/ 107008 w 309892"/>
+                <a:gd name="connsiteY1" fmla="*/ 37 h 369308"/>
+                <a:gd name="connsiteX2" fmla="*/ 201513 w 309892"/>
+                <a:gd name="connsiteY2" fmla="*/ 150473 h 369308"/>
+                <a:gd name="connsiteX3" fmla="*/ 302511 w 309892"/>
+                <a:gd name="connsiteY3" fmla="*/ 294819 h 369308"/>
+                <a:gd name="connsiteX4" fmla="*/ 143584 w 309892"/>
+                <a:gd name="connsiteY4" fmla="*/ 359694 h 369308"/>
+                <a:gd name="connsiteX5" fmla="*/ 333 w 309892"/>
+                <a:gd name="connsiteY5" fmla="*/ 164190 h 369308"/>
+                <a:gd name="connsiteX0" fmla="*/ 454 w 310013"/>
+                <a:gd name="connsiteY0" fmla="*/ 158967 h 364085"/>
+                <a:gd name="connsiteX1" fmla="*/ 101904 w 310013"/>
+                <a:gd name="connsiteY1" fmla="*/ 40 h 364085"/>
+                <a:gd name="connsiteX2" fmla="*/ 201634 w 310013"/>
+                <a:gd name="connsiteY2" fmla="*/ 145250 h 364085"/>
+                <a:gd name="connsiteX3" fmla="*/ 302632 w 310013"/>
+                <a:gd name="connsiteY3" fmla="*/ 289596 h 364085"/>
+                <a:gd name="connsiteX4" fmla="*/ 143705 w 310013"/>
+                <a:gd name="connsiteY4" fmla="*/ 354471 h 364085"/>
+                <a:gd name="connsiteX5" fmla="*/ 454 w 310013"/>
+                <a:gd name="connsiteY5" fmla="*/ 158967 h 364085"/>
+                <a:gd name="connsiteX0" fmla="*/ 1028 w 310587"/>
+                <a:gd name="connsiteY0" fmla="*/ 158967 h 364085"/>
+                <a:gd name="connsiteX1" fmla="*/ 102478 w 310587"/>
+                <a:gd name="connsiteY1" fmla="*/ 40 h 364085"/>
+                <a:gd name="connsiteX2" fmla="*/ 202208 w 310587"/>
+                <a:gd name="connsiteY2" fmla="*/ 145250 h 364085"/>
+                <a:gd name="connsiteX3" fmla="*/ 303206 w 310587"/>
+                <a:gd name="connsiteY3" fmla="*/ 289596 h 364085"/>
+                <a:gd name="connsiteX4" fmla="*/ 144279 w 310587"/>
+                <a:gd name="connsiteY4" fmla="*/ 354471 h 364085"/>
+                <a:gd name="connsiteX5" fmla="*/ 1028 w 310587"/>
+                <a:gd name="connsiteY5" fmla="*/ 158967 h 364085"/>
+              </a:gdLst>
+              <a:ahLst/>
+              <a:cxnLst>
+                <a:cxn ang="0">
+                  <a:pos x="connsiteX0" y="connsiteY0"/>
+                </a:cxn>
+                <a:cxn ang="0">
+                  <a:pos x="connsiteX1" y="connsiteY1"/>
+                </a:cxn>
+                <a:cxn ang="0">
+                  <a:pos x="connsiteX2" y="connsiteY2"/>
+                </a:cxn>
+                <a:cxn ang="0">
+                  <a:pos x="connsiteX3" y="connsiteY3"/>
+                </a:cxn>
+                <a:cxn ang="0">
+                  <a:pos x="connsiteX4" y="connsiteY4"/>
+                </a:cxn>
+                <a:cxn ang="0">
+                  <a:pos x="connsiteX5" y="connsiteY5"/>
+                </a:cxn>
+              </a:cxnLst>
+              <a:rect l="l" t="t" r="r" b="b"/>
+              <a:pathLst>
+                <a:path w="310587" h="364085">
+                  <a:moveTo>
+                    <a:pt x="1028" y="158967"/>
+                  </a:moveTo>
+                  <a:cubicBezTo>
+                    <a:pt x="-5939" y="99895"/>
+                    <a:pt x="21921" y="2326"/>
+                    <a:pt x="102478" y="40"/>
+                  </a:cubicBezTo>
+                  <a:cubicBezTo>
+                    <a:pt x="183035" y="-2246"/>
+                    <a:pt x="169624" y="96120"/>
+                    <a:pt x="202208" y="145250"/>
+                  </a:cubicBezTo>
+                  <a:cubicBezTo>
+                    <a:pt x="234792" y="194380"/>
+                    <a:pt x="338987" y="215537"/>
+                    <a:pt x="303206" y="289596"/>
+                  </a:cubicBezTo>
+                  <a:cubicBezTo>
+                    <a:pt x="298776" y="363655"/>
+                    <a:pt x="194642" y="376242"/>
+                    <a:pt x="144279" y="354471"/>
+                  </a:cubicBezTo>
+                  <a:cubicBezTo>
+                    <a:pt x="93916" y="332700"/>
+                    <a:pt x="7995" y="218039"/>
+                    <a:pt x="1028" y="158967"/>
+                  </a:cubicBezTo>
+                  <a:close/>
+                </a:path>
+              </a:pathLst>
+            </a:custGeom>
+            <a:solidFill>
+              <a:schemeClr val="tx1"/>
+            </a:solidFill>
+            <a:ln w="28575">
+              <a:solidFill>
+                <a:schemeClr val="tx1"/>
+              </a:solidFill>
+              <a:prstDash val="solid"/>
+            </a:ln>
+          </p:spPr>
+          <p:style>
+            <a:lnRef idx="2">
+              <a:schemeClr val="accent1">
+                <a:shade val="50000"/>
+              </a:schemeClr>
+            </a:lnRef>
+            <a:fillRef idx="1">
+              <a:schemeClr val="accent1"/>
+            </a:fillRef>
+            <a:effectRef idx="0">
+              <a:schemeClr val="accent1"/>
+            </a:effectRef>
+            <a:fontRef idx="minor">
+              <a:schemeClr val="lt1"/>
+            </a:fontRef>
+          </p:style>
+          <p:txBody>
+            <a:bodyPr rtlCol="0" anchor="ctr"/>
+            <a:lstStyle/>
+            <a:p>
+              <a:pPr algn="ctr"/>
+              <a:endParaRPr lang="en-US"/>
+            </a:p>
+          </p:txBody>
+        </p:sp>
+        <p:sp>
+          <p:nvSpPr>
+            <p:cNvPr id="261" name="Oval 260">
+              <a:extLst>
+                <a:ext uri="{FF2B5EF4-FFF2-40B4-BE49-F238E27FC236}">
+                  <a16:creationId xmlns:a16="http://schemas.microsoft.com/office/drawing/2014/main" id="{CCA4FAB7-1C4D-194F-B16D-18607C2797C9}"/>
+                </a:ext>
+              </a:extLst>
+            </p:cNvPr>
+            <p:cNvSpPr/>
+            <p:nvPr/>
+          </p:nvSpPr>
+          <p:spPr>
+            <a:xfrm flipH="1">
+              <a:off x="2464572" y="3377936"/>
+              <a:ext cx="49448" cy="49448"/>
+            </a:xfrm>
+            <a:prstGeom prst="ellipse">
+              <a:avLst/>
+            </a:prstGeom>
+            <a:solidFill>
+              <a:schemeClr val="tx1"/>
+            </a:solidFill>
+            <a:ln w="28575">
+              <a:solidFill>
+                <a:schemeClr val="tx1"/>
+              </a:solidFill>
+              <a:prstDash val="solid"/>
+            </a:ln>
+          </p:spPr>
+          <p:style>
+            <a:lnRef idx="2">
+              <a:schemeClr val="accent1">
+                <a:shade val="50000"/>
+              </a:schemeClr>
+            </a:lnRef>
+            <a:fillRef idx="1">
+              <a:schemeClr val="accent1"/>
+            </a:fillRef>
+            <a:effectRef idx="0">
+              <a:schemeClr val="accent1"/>
+            </a:effectRef>
+            <a:fontRef idx="minor">
+              <a:schemeClr val="lt1"/>
+            </a:fontRef>
+          </p:style>
+          <p:txBody>
+            <a:bodyPr rtlCol="0" anchor="ctr"/>
+            <a:lstStyle/>
+            <a:p>
+              <a:pPr algn="ctr"/>
+              <a:endParaRPr lang="en-US"/>
+            </a:p>
+          </p:txBody>
+        </p:sp>
+        <p:sp>
+          <p:nvSpPr>
+            <p:cNvPr id="262" name="Oval 261">
+              <a:extLst>
+                <a:ext uri="{FF2B5EF4-FFF2-40B4-BE49-F238E27FC236}">
+                  <a16:creationId xmlns:a16="http://schemas.microsoft.com/office/drawing/2014/main" id="{E10EE001-42E5-4343-B867-1CF49422E209}"/>
+                </a:ext>
+              </a:extLst>
+            </p:cNvPr>
+            <p:cNvSpPr/>
+            <p:nvPr/>
+          </p:nvSpPr>
+          <p:spPr>
+            <a:xfrm flipH="1">
+              <a:off x="2525532" y="3677656"/>
+              <a:ext cx="49448" cy="49448"/>
+            </a:xfrm>
+            <a:prstGeom prst="ellipse">
+              <a:avLst/>
+            </a:prstGeom>
+            <a:solidFill>
+              <a:schemeClr val="tx1"/>
+            </a:solidFill>
+            <a:ln w="28575">
+              <a:solidFill>
+                <a:schemeClr val="tx1"/>
+              </a:solidFill>
+              <a:prstDash val="solid"/>
+            </a:ln>
+          </p:spPr>
+          <p:style>
+            <a:lnRef idx="2">
+              <a:schemeClr val="accent1">
+                <a:shade val="50000"/>
+              </a:schemeClr>
+            </a:lnRef>
+            <a:fillRef idx="1">
+              <a:schemeClr val="accent1"/>
+            </a:fillRef>
+            <a:effectRef idx="0">
+              <a:schemeClr val="accent1"/>
+            </a:effectRef>
+            <a:fontRef idx="minor">
+              <a:schemeClr val="lt1"/>
+            </a:fontRef>
+          </p:style>
+          <p:txBody>
+            <a:bodyPr rtlCol="0" anchor="ctr"/>
+            <a:lstStyle/>
+            <a:p>
+              <a:pPr algn="ctr"/>
+              <a:endParaRPr lang="en-US"/>
+            </a:p>
+          </p:txBody>
+        </p:sp>
+        <p:sp>
+          <p:nvSpPr>
+            <p:cNvPr id="263" name="Oval 262">
+              <a:extLst>
+                <a:ext uri="{FF2B5EF4-FFF2-40B4-BE49-F238E27FC236}">
+                  <a16:creationId xmlns:a16="http://schemas.microsoft.com/office/drawing/2014/main" id="{5FBB7AC8-AAA4-2A4D-8F6F-84FD01743B1C}"/>
+                </a:ext>
+              </a:extLst>
+            </p:cNvPr>
+            <p:cNvSpPr/>
+            <p:nvPr/>
+          </p:nvSpPr>
+          <p:spPr>
+            <a:xfrm flipH="1">
+              <a:off x="2566172" y="3484616"/>
+              <a:ext cx="49448" cy="49448"/>
+            </a:xfrm>
+            <a:prstGeom prst="ellipse">
+              <a:avLst/>
+            </a:prstGeom>
+            <a:solidFill>
+              <a:schemeClr val="tx1"/>
+            </a:solidFill>
+            <a:ln w="28575">
+              <a:solidFill>
+                <a:schemeClr val="tx1"/>
+              </a:solidFill>
+              <a:prstDash val="solid"/>
+            </a:ln>
+          </p:spPr>
+          <p:style>
+            <a:lnRef idx="2">
+              <a:schemeClr val="accent1">
+                <a:shade val="50000"/>
+              </a:schemeClr>
+            </a:lnRef>
+            <a:fillRef idx="1">
+              <a:schemeClr val="accent1"/>
+            </a:fillRef>
+            <a:effectRef idx="0">
+              <a:schemeClr val="accent1"/>
+            </a:effectRef>
+            <a:fontRef idx="minor">
+              <a:schemeClr val="lt1"/>
+            </a:fontRef>
+          </p:style>
+          <p:txBody>
+            <a:bodyPr rtlCol="0" anchor="ctr"/>
+            <a:lstStyle/>
+            <a:p>
+              <a:pPr algn="ctr"/>
+              <a:endParaRPr lang="en-US"/>
+            </a:p>
+          </p:txBody>
+        </p:sp>
+      </p:grpSp>
+      <p:sp>
+        <p:nvSpPr>
+          <p:cNvPr id="2" name="Cross 1">
+            <a:extLst>
+              <a:ext uri="{FF2B5EF4-FFF2-40B4-BE49-F238E27FC236}">
+                <a16:creationId xmlns:a16="http://schemas.microsoft.com/office/drawing/2014/main" id="{B810A7A5-84C0-8B4A-8BB4-C9F0F495F0CE}"/>
+              </a:ext>
+            </a:extLst>
+          </p:cNvPr>
+          <p:cNvSpPr/>
+          <p:nvPr/>
+        </p:nvSpPr>
+        <p:spPr>
+          <a:xfrm>
+            <a:off x="8504046" y="2226469"/>
+            <a:ext cx="155642" cy="155642"/>
+          </a:xfrm>
+          <a:prstGeom prst="plus">
+            <a:avLst/>
+          </a:prstGeom>
+          <a:solidFill>
+            <a:srgbClr val="C00000"/>
+          </a:solidFill>
+          <a:ln>
+            <a:noFill/>
+          </a:ln>
+        </p:spPr>
+        <p:style>
+          <a:lnRef idx="2">
+            <a:schemeClr val="accent1">
+              <a:shade val="50000"/>
+            </a:schemeClr>
+          </a:lnRef>
+          <a:fillRef idx="1">
+            <a:schemeClr val="accent1"/>
+          </a:fillRef>
+          <a:effectRef idx="0">
+            <a:schemeClr val="accent1"/>
+          </a:effectRef>
+          <a:fontRef idx="minor">
+            <a:schemeClr val="lt1"/>
+          </a:fontRef>
+        </p:style>
+        <p:txBody>
+          <a:bodyPr rtlCol="0" anchor="ctr"/>
+          <a:lstStyle/>
+          <a:p>
+            <a:pPr algn="ctr"/>
+            <a:endParaRPr lang="en-US"/>
+          </a:p>
+        </p:txBody>
+      </p:sp>
     </p:spTree>
     <p:extLst>
       <p:ext uri="{BB962C8B-B14F-4D97-AF65-F5344CB8AC3E}">

--- a/logos/project logos.pptx
+++ b/logos/project logos.pptx
@@ -261,7 +261,7 @@
           <a:p>
             <a:fld id="{12EA8392-1531-0D4D-9E0A-EEFD71C5C112}" type="datetimeFigureOut">
               <a:rPr lang="en-US" smtClean="0"/>
-              <a:t>8/20/21</a:t>
+              <a:t>8/25/21</a:t>
             </a:fld>
             <a:endParaRPr lang="en-US"/>
           </a:p>
@@ -461,7 +461,7 @@
           <a:p>
             <a:fld id="{12EA8392-1531-0D4D-9E0A-EEFD71C5C112}" type="datetimeFigureOut">
               <a:rPr lang="en-US" smtClean="0"/>
-              <a:t>8/20/21</a:t>
+              <a:t>8/25/21</a:t>
             </a:fld>
             <a:endParaRPr lang="en-US"/>
           </a:p>
@@ -671,7 +671,7 @@
           <a:p>
             <a:fld id="{12EA8392-1531-0D4D-9E0A-EEFD71C5C112}" type="datetimeFigureOut">
               <a:rPr lang="en-US" smtClean="0"/>
-              <a:t>8/20/21</a:t>
+              <a:t>8/25/21</a:t>
             </a:fld>
             <a:endParaRPr lang="en-US"/>
           </a:p>
@@ -871,7 +871,7 @@
           <a:p>
             <a:fld id="{12EA8392-1531-0D4D-9E0A-EEFD71C5C112}" type="datetimeFigureOut">
               <a:rPr lang="en-US" smtClean="0"/>
-              <a:t>8/20/21</a:t>
+              <a:t>8/25/21</a:t>
             </a:fld>
             <a:endParaRPr lang="en-US"/>
           </a:p>
@@ -1147,7 +1147,7 @@
           <a:p>
             <a:fld id="{12EA8392-1531-0D4D-9E0A-EEFD71C5C112}" type="datetimeFigureOut">
               <a:rPr lang="en-US" smtClean="0"/>
-              <a:t>8/20/21</a:t>
+              <a:t>8/25/21</a:t>
             </a:fld>
             <a:endParaRPr lang="en-US"/>
           </a:p>
@@ -1415,7 +1415,7 @@
           <a:p>
             <a:fld id="{12EA8392-1531-0D4D-9E0A-EEFD71C5C112}" type="datetimeFigureOut">
               <a:rPr lang="en-US" smtClean="0"/>
-              <a:t>8/20/21</a:t>
+              <a:t>8/25/21</a:t>
             </a:fld>
             <a:endParaRPr lang="en-US"/>
           </a:p>
@@ -1830,7 +1830,7 @@
           <a:p>
             <a:fld id="{12EA8392-1531-0D4D-9E0A-EEFD71C5C112}" type="datetimeFigureOut">
               <a:rPr lang="en-US" smtClean="0"/>
-              <a:t>8/20/21</a:t>
+              <a:t>8/25/21</a:t>
             </a:fld>
             <a:endParaRPr lang="en-US"/>
           </a:p>
@@ -1972,7 +1972,7 @@
           <a:p>
             <a:fld id="{12EA8392-1531-0D4D-9E0A-EEFD71C5C112}" type="datetimeFigureOut">
               <a:rPr lang="en-US" smtClean="0"/>
-              <a:t>8/20/21</a:t>
+              <a:t>8/25/21</a:t>
             </a:fld>
             <a:endParaRPr lang="en-US"/>
           </a:p>
@@ -2085,7 +2085,7 @@
           <a:p>
             <a:fld id="{12EA8392-1531-0D4D-9E0A-EEFD71C5C112}" type="datetimeFigureOut">
               <a:rPr lang="en-US" smtClean="0"/>
-              <a:t>8/20/21</a:t>
+              <a:t>8/25/21</a:t>
             </a:fld>
             <a:endParaRPr lang="en-US"/>
           </a:p>
@@ -2398,7 +2398,7 @@
           <a:p>
             <a:fld id="{12EA8392-1531-0D4D-9E0A-EEFD71C5C112}" type="datetimeFigureOut">
               <a:rPr lang="en-US" smtClean="0"/>
-              <a:t>8/20/21</a:t>
+              <a:t>8/25/21</a:t>
             </a:fld>
             <a:endParaRPr lang="en-US"/>
           </a:p>
@@ -2687,7 +2687,7 @@
           <a:p>
             <a:fld id="{12EA8392-1531-0D4D-9E0A-EEFD71C5C112}" type="datetimeFigureOut">
               <a:rPr lang="en-US" smtClean="0"/>
-              <a:t>8/20/21</a:t>
+              <a:t>8/25/21</a:t>
             </a:fld>
             <a:endParaRPr lang="en-US"/>
           </a:p>
@@ -2930,7 +2930,7 @@
           <a:p>
             <a:fld id="{12EA8392-1531-0D4D-9E0A-EEFD71C5C112}" type="datetimeFigureOut">
               <a:rPr lang="en-US" smtClean="0"/>
-              <a:t>8/20/21</a:t>
+              <a:t>8/25/21</a:t>
             </a:fld>
             <a:endParaRPr lang="en-US"/>
           </a:p>
@@ -16815,8 +16815,8 @@
         </p:nvSpPr>
         <p:spPr>
           <a:xfrm rot="468692">
-            <a:off x="4581605" y="3649369"/>
-            <a:ext cx="633507" cy="400110"/>
+            <a:off x="4581605" y="3680147"/>
+            <a:ext cx="633507" cy="338554"/>
           </a:xfrm>
           <a:prstGeom prst="rect">
             <a:avLst/>
@@ -16830,20 +16830,20 @@
           <a:lstStyle/>
           <a:p>
             <a:r>
-              <a:rPr lang="en-US" sz="2000" b="1" dirty="0">
+              <a:rPr lang="en-US" sz="1600" b="1" dirty="0">
                 <a:solidFill>
                   <a:schemeClr val="bg1"/>
                 </a:solidFill>
-                <a:latin typeface="Times" pitchFamily="2" charset="0"/>
+                <a:latin typeface="Arial Rounded MT Bold" panose="020F0704030504030204" pitchFamily="34" charset="77"/>
               </a:rPr>
               <a:t>𝒆</a:t>
             </a:r>
             <a:r>
-              <a:rPr lang="en-US" sz="2000" b="1" baseline="30000" dirty="0">
+              <a:rPr lang="en-US" sz="1600" b="1" baseline="30000" dirty="0">
                 <a:solidFill>
                   <a:schemeClr val="bg1"/>
                 </a:solidFill>
-                <a:latin typeface="Times" pitchFamily="2" charset="0"/>
+                <a:latin typeface="Arial Rounded MT Bold" panose="020F0704030504030204" pitchFamily="34" charset="77"/>
               </a:rPr>
               <a:t>𝒊𝝅</a:t>
             </a:r>
@@ -16864,8 +16864,8 @@
         </p:nvSpPr>
         <p:spPr>
           <a:xfrm rot="21080893">
-            <a:off x="5019956" y="3651816"/>
-            <a:ext cx="480599" cy="400110"/>
+            <a:off x="5074008" y="3646196"/>
+            <a:ext cx="480599" cy="338554"/>
           </a:xfrm>
           <a:prstGeom prst="rect">
             <a:avLst/>
@@ -16879,7 +16879,7 @@
           <a:lstStyle/>
           <a:p>
             <a:r>
-              <a:rPr lang="en-US" sz="2000" b="1" dirty="0">
+              <a:rPr lang="en-US" sz="1600" b="1" dirty="0">
                 <a:solidFill>
                   <a:schemeClr val="bg1"/>
                 </a:solidFill>
@@ -16887,7 +16887,7 @@
               </a:rPr>
               <a:t>=1</a:t>
             </a:r>
-            <a:endParaRPr lang="en-US" sz="2000" b="1" baseline="30000" dirty="0">
+            <a:endParaRPr lang="en-US" sz="1600" b="1" baseline="30000" dirty="0">
               <a:solidFill>
                 <a:schemeClr val="bg1"/>
               </a:solidFill>
@@ -25995,7 +25995,7 @@
         </p:blipFill>
         <p:spPr>
           <a:xfrm>
-            <a:off x="8254742" y="3504578"/>
+            <a:off x="20802342" y="761406"/>
             <a:ext cx="2911733" cy="2179631"/>
           </a:xfrm>
           <a:prstGeom prst="roundRect">
@@ -28222,6 +28222,687 @@
           </a:prstGeom>
         </p:spPr>
       </p:pic>
+      <p:sp>
+        <p:nvSpPr>
+          <p:cNvPr id="7" name="Freeform 6">
+            <a:extLst>
+              <a:ext uri="{FF2B5EF4-FFF2-40B4-BE49-F238E27FC236}">
+                <a16:creationId xmlns:a16="http://schemas.microsoft.com/office/drawing/2014/main" id="{6B438A0C-C7D7-CE46-9DE2-1DC40E8CF73F}"/>
+              </a:ext>
+            </a:extLst>
+          </p:cNvPr>
+          <p:cNvSpPr/>
+          <p:nvPr/>
+        </p:nvSpPr>
+        <p:spPr>
+          <a:xfrm>
+            <a:off x="5046649" y="3536106"/>
+            <a:ext cx="390889" cy="132646"/>
+          </a:xfrm>
+          <a:custGeom>
+            <a:avLst/>
+            <a:gdLst>
+              <a:gd name="connsiteX0" fmla="*/ 17746 w 438482"/>
+              <a:gd name="connsiteY0" fmla="*/ 129467 h 129496"/>
+              <a:gd name="connsiteX1" fmla="*/ 98018 w 438482"/>
+              <a:gd name="connsiteY1" fmla="*/ 24765 h 129496"/>
+              <a:gd name="connsiteX2" fmla="*/ 377224 w 438482"/>
+              <a:gd name="connsiteY2" fmla="*/ 334 h 129496"/>
+              <a:gd name="connsiteX3" fmla="*/ 408635 w 438482"/>
+              <a:gd name="connsiteY3" fmla="*/ 35235 h 129496"/>
+              <a:gd name="connsiteX4" fmla="*/ 17746 w 438482"/>
+              <a:gd name="connsiteY4" fmla="*/ 129467 h 129496"/>
+              <a:gd name="connsiteX0" fmla="*/ 17746 w 438482"/>
+              <a:gd name="connsiteY0" fmla="*/ 129467 h 129496"/>
+              <a:gd name="connsiteX1" fmla="*/ 98018 w 438482"/>
+              <a:gd name="connsiteY1" fmla="*/ 24765 h 129496"/>
+              <a:gd name="connsiteX2" fmla="*/ 377224 w 438482"/>
+              <a:gd name="connsiteY2" fmla="*/ 334 h 129496"/>
+              <a:gd name="connsiteX3" fmla="*/ 408635 w 438482"/>
+              <a:gd name="connsiteY3" fmla="*/ 35235 h 129496"/>
+              <a:gd name="connsiteX4" fmla="*/ 17746 w 438482"/>
+              <a:gd name="connsiteY4" fmla="*/ 129467 h 129496"/>
+              <a:gd name="connsiteX0" fmla="*/ 17746 w 438482"/>
+              <a:gd name="connsiteY0" fmla="*/ 129467 h 129496"/>
+              <a:gd name="connsiteX1" fmla="*/ 98018 w 438482"/>
+              <a:gd name="connsiteY1" fmla="*/ 24765 h 129496"/>
+              <a:gd name="connsiteX2" fmla="*/ 377224 w 438482"/>
+              <a:gd name="connsiteY2" fmla="*/ 334 h 129496"/>
+              <a:gd name="connsiteX3" fmla="*/ 408635 w 438482"/>
+              <a:gd name="connsiteY3" fmla="*/ 35235 h 129496"/>
+              <a:gd name="connsiteX4" fmla="*/ 17746 w 438482"/>
+              <a:gd name="connsiteY4" fmla="*/ 129467 h 129496"/>
+              <a:gd name="connsiteX0" fmla="*/ 17746 w 438482"/>
+              <a:gd name="connsiteY0" fmla="*/ 129467 h 129496"/>
+              <a:gd name="connsiteX1" fmla="*/ 98018 w 438482"/>
+              <a:gd name="connsiteY1" fmla="*/ 24765 h 129496"/>
+              <a:gd name="connsiteX2" fmla="*/ 377224 w 438482"/>
+              <a:gd name="connsiteY2" fmla="*/ 334 h 129496"/>
+              <a:gd name="connsiteX3" fmla="*/ 408635 w 438482"/>
+              <a:gd name="connsiteY3" fmla="*/ 35235 h 129496"/>
+              <a:gd name="connsiteX4" fmla="*/ 17746 w 438482"/>
+              <a:gd name="connsiteY4" fmla="*/ 129467 h 129496"/>
+              <a:gd name="connsiteX0" fmla="*/ 17746 w 438482"/>
+              <a:gd name="connsiteY0" fmla="*/ 129467 h 129496"/>
+              <a:gd name="connsiteX1" fmla="*/ 98018 w 438482"/>
+              <a:gd name="connsiteY1" fmla="*/ 24765 h 129496"/>
+              <a:gd name="connsiteX2" fmla="*/ 377224 w 438482"/>
+              <a:gd name="connsiteY2" fmla="*/ 334 h 129496"/>
+              <a:gd name="connsiteX3" fmla="*/ 408635 w 438482"/>
+              <a:gd name="connsiteY3" fmla="*/ 35235 h 129496"/>
+              <a:gd name="connsiteX4" fmla="*/ 17746 w 438482"/>
+              <a:gd name="connsiteY4" fmla="*/ 129467 h 129496"/>
+              <a:gd name="connsiteX0" fmla="*/ 17746 w 438482"/>
+              <a:gd name="connsiteY0" fmla="*/ 129467 h 129496"/>
+              <a:gd name="connsiteX1" fmla="*/ 98018 w 438482"/>
+              <a:gd name="connsiteY1" fmla="*/ 24765 h 129496"/>
+              <a:gd name="connsiteX2" fmla="*/ 377224 w 438482"/>
+              <a:gd name="connsiteY2" fmla="*/ 334 h 129496"/>
+              <a:gd name="connsiteX3" fmla="*/ 408635 w 438482"/>
+              <a:gd name="connsiteY3" fmla="*/ 35235 h 129496"/>
+              <a:gd name="connsiteX4" fmla="*/ 17746 w 438482"/>
+              <a:gd name="connsiteY4" fmla="*/ 129467 h 129496"/>
+              <a:gd name="connsiteX0" fmla="*/ 17746 w 412580"/>
+              <a:gd name="connsiteY0" fmla="*/ 129467 h 129532"/>
+              <a:gd name="connsiteX1" fmla="*/ 98018 w 412580"/>
+              <a:gd name="connsiteY1" fmla="*/ 24765 h 129532"/>
+              <a:gd name="connsiteX2" fmla="*/ 377224 w 412580"/>
+              <a:gd name="connsiteY2" fmla="*/ 334 h 129532"/>
+              <a:gd name="connsiteX3" fmla="*/ 408635 w 412580"/>
+              <a:gd name="connsiteY3" fmla="*/ 35235 h 129532"/>
+              <a:gd name="connsiteX4" fmla="*/ 17746 w 412580"/>
+              <a:gd name="connsiteY4" fmla="*/ 129467 h 129532"/>
+              <a:gd name="connsiteX0" fmla="*/ 17746 w 412580"/>
+              <a:gd name="connsiteY0" fmla="*/ 129467 h 129532"/>
+              <a:gd name="connsiteX1" fmla="*/ 98018 w 412580"/>
+              <a:gd name="connsiteY1" fmla="*/ 24765 h 129532"/>
+              <a:gd name="connsiteX2" fmla="*/ 377224 w 412580"/>
+              <a:gd name="connsiteY2" fmla="*/ 334 h 129532"/>
+              <a:gd name="connsiteX3" fmla="*/ 408635 w 412580"/>
+              <a:gd name="connsiteY3" fmla="*/ 35235 h 129532"/>
+              <a:gd name="connsiteX4" fmla="*/ 17746 w 412580"/>
+              <a:gd name="connsiteY4" fmla="*/ 129467 h 129532"/>
+              <a:gd name="connsiteX0" fmla="*/ 17746 w 412580"/>
+              <a:gd name="connsiteY0" fmla="*/ 129467 h 129490"/>
+              <a:gd name="connsiteX1" fmla="*/ 98018 w 412580"/>
+              <a:gd name="connsiteY1" fmla="*/ 24765 h 129490"/>
+              <a:gd name="connsiteX2" fmla="*/ 377224 w 412580"/>
+              <a:gd name="connsiteY2" fmla="*/ 334 h 129490"/>
+              <a:gd name="connsiteX3" fmla="*/ 408635 w 412580"/>
+              <a:gd name="connsiteY3" fmla="*/ 35235 h 129490"/>
+              <a:gd name="connsiteX4" fmla="*/ 17746 w 412580"/>
+              <a:gd name="connsiteY4" fmla="*/ 129467 h 129490"/>
+              <a:gd name="connsiteX0" fmla="*/ 17746 w 412580"/>
+              <a:gd name="connsiteY0" fmla="*/ 129467 h 129490"/>
+              <a:gd name="connsiteX1" fmla="*/ 98018 w 412580"/>
+              <a:gd name="connsiteY1" fmla="*/ 24765 h 129490"/>
+              <a:gd name="connsiteX2" fmla="*/ 377224 w 412580"/>
+              <a:gd name="connsiteY2" fmla="*/ 334 h 129490"/>
+              <a:gd name="connsiteX3" fmla="*/ 408635 w 412580"/>
+              <a:gd name="connsiteY3" fmla="*/ 35235 h 129490"/>
+              <a:gd name="connsiteX4" fmla="*/ 17746 w 412580"/>
+              <a:gd name="connsiteY4" fmla="*/ 129467 h 129490"/>
+              <a:gd name="connsiteX0" fmla="*/ 0 w 394834"/>
+              <a:gd name="connsiteY0" fmla="*/ 129467 h 129490"/>
+              <a:gd name="connsiteX1" fmla="*/ 80272 w 394834"/>
+              <a:gd name="connsiteY1" fmla="*/ 24765 h 129490"/>
+              <a:gd name="connsiteX2" fmla="*/ 359478 w 394834"/>
+              <a:gd name="connsiteY2" fmla="*/ 334 h 129490"/>
+              <a:gd name="connsiteX3" fmla="*/ 390889 w 394834"/>
+              <a:gd name="connsiteY3" fmla="*/ 35235 h 129490"/>
+              <a:gd name="connsiteX4" fmla="*/ 0 w 394834"/>
+              <a:gd name="connsiteY4" fmla="*/ 129467 h 129490"/>
+              <a:gd name="connsiteX0" fmla="*/ 0 w 393073"/>
+              <a:gd name="connsiteY0" fmla="*/ 129467 h 129490"/>
+              <a:gd name="connsiteX1" fmla="*/ 115173 w 393073"/>
+              <a:gd name="connsiteY1" fmla="*/ 24765 h 129490"/>
+              <a:gd name="connsiteX2" fmla="*/ 359478 w 393073"/>
+              <a:gd name="connsiteY2" fmla="*/ 334 h 129490"/>
+              <a:gd name="connsiteX3" fmla="*/ 390889 w 393073"/>
+              <a:gd name="connsiteY3" fmla="*/ 35235 h 129490"/>
+              <a:gd name="connsiteX4" fmla="*/ 0 w 393073"/>
+              <a:gd name="connsiteY4" fmla="*/ 129467 h 129490"/>
+              <a:gd name="connsiteX0" fmla="*/ 0 w 390889"/>
+              <a:gd name="connsiteY0" fmla="*/ 129467 h 129490"/>
+              <a:gd name="connsiteX1" fmla="*/ 115173 w 390889"/>
+              <a:gd name="connsiteY1" fmla="*/ 24765 h 129490"/>
+              <a:gd name="connsiteX2" fmla="*/ 335048 w 390889"/>
+              <a:gd name="connsiteY2" fmla="*/ 334 h 129490"/>
+              <a:gd name="connsiteX3" fmla="*/ 390889 w 390889"/>
+              <a:gd name="connsiteY3" fmla="*/ 35235 h 129490"/>
+              <a:gd name="connsiteX4" fmla="*/ 0 w 390889"/>
+              <a:gd name="connsiteY4" fmla="*/ 129467 h 129490"/>
+              <a:gd name="connsiteX0" fmla="*/ 0 w 390889"/>
+              <a:gd name="connsiteY0" fmla="*/ 135273 h 135296"/>
+              <a:gd name="connsiteX1" fmla="*/ 115173 w 390889"/>
+              <a:gd name="connsiteY1" fmla="*/ 30571 h 135296"/>
+              <a:gd name="connsiteX2" fmla="*/ 335048 w 390889"/>
+              <a:gd name="connsiteY2" fmla="*/ 6140 h 135296"/>
+              <a:gd name="connsiteX3" fmla="*/ 390889 w 390889"/>
+              <a:gd name="connsiteY3" fmla="*/ 41041 h 135296"/>
+              <a:gd name="connsiteX4" fmla="*/ 0 w 390889"/>
+              <a:gd name="connsiteY4" fmla="*/ 135273 h 135296"/>
+              <a:gd name="connsiteX0" fmla="*/ 0 w 390889"/>
+              <a:gd name="connsiteY0" fmla="*/ 135273 h 135296"/>
+              <a:gd name="connsiteX1" fmla="*/ 115173 w 390889"/>
+              <a:gd name="connsiteY1" fmla="*/ 30571 h 135296"/>
+              <a:gd name="connsiteX2" fmla="*/ 335048 w 390889"/>
+              <a:gd name="connsiteY2" fmla="*/ 6140 h 135296"/>
+              <a:gd name="connsiteX3" fmla="*/ 390889 w 390889"/>
+              <a:gd name="connsiteY3" fmla="*/ 41041 h 135296"/>
+              <a:gd name="connsiteX4" fmla="*/ 0 w 390889"/>
+              <a:gd name="connsiteY4" fmla="*/ 135273 h 135296"/>
+              <a:gd name="connsiteX0" fmla="*/ 0 w 390889"/>
+              <a:gd name="connsiteY0" fmla="*/ 129133 h 129156"/>
+              <a:gd name="connsiteX1" fmla="*/ 115173 w 390889"/>
+              <a:gd name="connsiteY1" fmla="*/ 24431 h 129156"/>
+              <a:gd name="connsiteX2" fmla="*/ 335048 w 390889"/>
+              <a:gd name="connsiteY2" fmla="*/ 0 h 129156"/>
+              <a:gd name="connsiteX3" fmla="*/ 390889 w 390889"/>
+              <a:gd name="connsiteY3" fmla="*/ 34901 h 129156"/>
+              <a:gd name="connsiteX4" fmla="*/ 0 w 390889"/>
+              <a:gd name="connsiteY4" fmla="*/ 129133 h 129156"/>
+              <a:gd name="connsiteX0" fmla="*/ 0 w 390889"/>
+              <a:gd name="connsiteY0" fmla="*/ 132623 h 132646"/>
+              <a:gd name="connsiteX1" fmla="*/ 115173 w 390889"/>
+              <a:gd name="connsiteY1" fmla="*/ 27921 h 132646"/>
+              <a:gd name="connsiteX2" fmla="*/ 352498 w 390889"/>
+              <a:gd name="connsiteY2" fmla="*/ 0 h 132646"/>
+              <a:gd name="connsiteX3" fmla="*/ 390889 w 390889"/>
+              <a:gd name="connsiteY3" fmla="*/ 38391 h 132646"/>
+              <a:gd name="connsiteX4" fmla="*/ 0 w 390889"/>
+              <a:gd name="connsiteY4" fmla="*/ 132623 h 132646"/>
+              <a:gd name="connsiteX0" fmla="*/ 0 w 390889"/>
+              <a:gd name="connsiteY0" fmla="*/ 132623 h 132646"/>
+              <a:gd name="connsiteX1" fmla="*/ 115173 w 390889"/>
+              <a:gd name="connsiteY1" fmla="*/ 27921 h 132646"/>
+              <a:gd name="connsiteX2" fmla="*/ 352498 w 390889"/>
+              <a:gd name="connsiteY2" fmla="*/ 0 h 132646"/>
+              <a:gd name="connsiteX3" fmla="*/ 390889 w 390889"/>
+              <a:gd name="connsiteY3" fmla="*/ 38391 h 132646"/>
+              <a:gd name="connsiteX4" fmla="*/ 0 w 390889"/>
+              <a:gd name="connsiteY4" fmla="*/ 132623 h 132646"/>
+              <a:gd name="connsiteX0" fmla="*/ 0 w 390889"/>
+              <a:gd name="connsiteY0" fmla="*/ 132623 h 132646"/>
+              <a:gd name="connsiteX1" fmla="*/ 87252 w 390889"/>
+              <a:gd name="connsiteY1" fmla="*/ 34901 h 132646"/>
+              <a:gd name="connsiteX2" fmla="*/ 352498 w 390889"/>
+              <a:gd name="connsiteY2" fmla="*/ 0 h 132646"/>
+              <a:gd name="connsiteX3" fmla="*/ 390889 w 390889"/>
+              <a:gd name="connsiteY3" fmla="*/ 38391 h 132646"/>
+              <a:gd name="connsiteX4" fmla="*/ 0 w 390889"/>
+              <a:gd name="connsiteY4" fmla="*/ 132623 h 132646"/>
+            </a:gdLst>
+            <a:ahLst/>
+            <a:cxnLst>
+              <a:cxn ang="0">
+                <a:pos x="connsiteX0" y="connsiteY0"/>
+              </a:cxn>
+              <a:cxn ang="0">
+                <a:pos x="connsiteX1" y="connsiteY1"/>
+              </a:cxn>
+              <a:cxn ang="0">
+                <a:pos x="connsiteX2" y="connsiteY2"/>
+              </a:cxn>
+              <a:cxn ang="0">
+                <a:pos x="connsiteX3" y="connsiteY3"/>
+              </a:cxn>
+              <a:cxn ang="0">
+                <a:pos x="connsiteX4" y="connsiteY4"/>
+              </a:cxn>
+            </a:cxnLst>
+            <a:rect l="l" t="t" r="r" b="b"/>
+            <a:pathLst>
+              <a:path w="390889" h="132646">
+                <a:moveTo>
+                  <a:pt x="0" y="132623"/>
+                </a:moveTo>
+                <a:cubicBezTo>
+                  <a:pt x="4072" y="82017"/>
+                  <a:pt x="28502" y="57005"/>
+                  <a:pt x="87252" y="34901"/>
+                </a:cubicBezTo>
+                <a:cubicBezTo>
+                  <a:pt x="146002" y="12797"/>
+                  <a:pt x="302556" y="1046"/>
+                  <a:pt x="352498" y="0"/>
+                </a:cubicBezTo>
+                <a:cubicBezTo>
+                  <a:pt x="363549" y="26177"/>
+                  <a:pt x="390889" y="28503"/>
+                  <a:pt x="390889" y="38391"/>
+                </a:cubicBezTo>
+                <a:cubicBezTo>
+                  <a:pt x="373438" y="38297"/>
+                  <a:pt x="51769" y="134368"/>
+                  <a:pt x="0" y="132623"/>
+                </a:cubicBezTo>
+                <a:close/>
+              </a:path>
+            </a:pathLst>
+          </a:custGeom>
+          <a:solidFill>
+            <a:schemeClr val="tx1"/>
+          </a:solidFill>
+          <a:ln w="19050">
+            <a:solidFill>
+              <a:schemeClr val="bg1"/>
+            </a:solidFill>
+          </a:ln>
+        </p:spPr>
+        <p:style>
+          <a:lnRef idx="2">
+            <a:schemeClr val="accent1">
+              <a:shade val="50000"/>
+            </a:schemeClr>
+          </a:lnRef>
+          <a:fillRef idx="1">
+            <a:schemeClr val="accent1"/>
+          </a:fillRef>
+          <a:effectRef idx="0">
+            <a:schemeClr val="accent1"/>
+          </a:effectRef>
+          <a:fontRef idx="minor">
+            <a:schemeClr val="lt1"/>
+          </a:fontRef>
+        </p:style>
+        <p:txBody>
+          <a:bodyPr rtlCol="0" anchor="ctr"/>
+          <a:lstStyle/>
+          <a:p>
+            <a:pPr algn="ctr"/>
+            <a:endParaRPr lang="en-US"/>
+          </a:p>
+        </p:txBody>
+      </p:sp>
+      <p:sp>
+        <p:nvSpPr>
+          <p:cNvPr id="278" name="Freeform 277">
+            <a:extLst>
+              <a:ext uri="{FF2B5EF4-FFF2-40B4-BE49-F238E27FC236}">
+                <a16:creationId xmlns:a16="http://schemas.microsoft.com/office/drawing/2014/main" id="{BB7FF806-9829-7C4D-B108-3BC622C6AFC9}"/>
+              </a:ext>
+            </a:extLst>
+          </p:cNvPr>
+          <p:cNvSpPr/>
+          <p:nvPr/>
+        </p:nvSpPr>
+        <p:spPr>
+          <a:xfrm flipH="1">
+            <a:off x="4641330" y="3536106"/>
+            <a:ext cx="390889" cy="132646"/>
+          </a:xfrm>
+          <a:custGeom>
+            <a:avLst/>
+            <a:gdLst>
+              <a:gd name="connsiteX0" fmla="*/ 17746 w 438482"/>
+              <a:gd name="connsiteY0" fmla="*/ 129467 h 129496"/>
+              <a:gd name="connsiteX1" fmla="*/ 98018 w 438482"/>
+              <a:gd name="connsiteY1" fmla="*/ 24765 h 129496"/>
+              <a:gd name="connsiteX2" fmla="*/ 377224 w 438482"/>
+              <a:gd name="connsiteY2" fmla="*/ 334 h 129496"/>
+              <a:gd name="connsiteX3" fmla="*/ 408635 w 438482"/>
+              <a:gd name="connsiteY3" fmla="*/ 35235 h 129496"/>
+              <a:gd name="connsiteX4" fmla="*/ 17746 w 438482"/>
+              <a:gd name="connsiteY4" fmla="*/ 129467 h 129496"/>
+              <a:gd name="connsiteX0" fmla="*/ 17746 w 438482"/>
+              <a:gd name="connsiteY0" fmla="*/ 129467 h 129496"/>
+              <a:gd name="connsiteX1" fmla="*/ 98018 w 438482"/>
+              <a:gd name="connsiteY1" fmla="*/ 24765 h 129496"/>
+              <a:gd name="connsiteX2" fmla="*/ 377224 w 438482"/>
+              <a:gd name="connsiteY2" fmla="*/ 334 h 129496"/>
+              <a:gd name="connsiteX3" fmla="*/ 408635 w 438482"/>
+              <a:gd name="connsiteY3" fmla="*/ 35235 h 129496"/>
+              <a:gd name="connsiteX4" fmla="*/ 17746 w 438482"/>
+              <a:gd name="connsiteY4" fmla="*/ 129467 h 129496"/>
+              <a:gd name="connsiteX0" fmla="*/ 17746 w 438482"/>
+              <a:gd name="connsiteY0" fmla="*/ 129467 h 129496"/>
+              <a:gd name="connsiteX1" fmla="*/ 98018 w 438482"/>
+              <a:gd name="connsiteY1" fmla="*/ 24765 h 129496"/>
+              <a:gd name="connsiteX2" fmla="*/ 377224 w 438482"/>
+              <a:gd name="connsiteY2" fmla="*/ 334 h 129496"/>
+              <a:gd name="connsiteX3" fmla="*/ 408635 w 438482"/>
+              <a:gd name="connsiteY3" fmla="*/ 35235 h 129496"/>
+              <a:gd name="connsiteX4" fmla="*/ 17746 w 438482"/>
+              <a:gd name="connsiteY4" fmla="*/ 129467 h 129496"/>
+              <a:gd name="connsiteX0" fmla="*/ 17746 w 438482"/>
+              <a:gd name="connsiteY0" fmla="*/ 129467 h 129496"/>
+              <a:gd name="connsiteX1" fmla="*/ 98018 w 438482"/>
+              <a:gd name="connsiteY1" fmla="*/ 24765 h 129496"/>
+              <a:gd name="connsiteX2" fmla="*/ 377224 w 438482"/>
+              <a:gd name="connsiteY2" fmla="*/ 334 h 129496"/>
+              <a:gd name="connsiteX3" fmla="*/ 408635 w 438482"/>
+              <a:gd name="connsiteY3" fmla="*/ 35235 h 129496"/>
+              <a:gd name="connsiteX4" fmla="*/ 17746 w 438482"/>
+              <a:gd name="connsiteY4" fmla="*/ 129467 h 129496"/>
+              <a:gd name="connsiteX0" fmla="*/ 17746 w 438482"/>
+              <a:gd name="connsiteY0" fmla="*/ 129467 h 129496"/>
+              <a:gd name="connsiteX1" fmla="*/ 98018 w 438482"/>
+              <a:gd name="connsiteY1" fmla="*/ 24765 h 129496"/>
+              <a:gd name="connsiteX2" fmla="*/ 377224 w 438482"/>
+              <a:gd name="connsiteY2" fmla="*/ 334 h 129496"/>
+              <a:gd name="connsiteX3" fmla="*/ 408635 w 438482"/>
+              <a:gd name="connsiteY3" fmla="*/ 35235 h 129496"/>
+              <a:gd name="connsiteX4" fmla="*/ 17746 w 438482"/>
+              <a:gd name="connsiteY4" fmla="*/ 129467 h 129496"/>
+              <a:gd name="connsiteX0" fmla="*/ 17746 w 438482"/>
+              <a:gd name="connsiteY0" fmla="*/ 129467 h 129496"/>
+              <a:gd name="connsiteX1" fmla="*/ 98018 w 438482"/>
+              <a:gd name="connsiteY1" fmla="*/ 24765 h 129496"/>
+              <a:gd name="connsiteX2" fmla="*/ 377224 w 438482"/>
+              <a:gd name="connsiteY2" fmla="*/ 334 h 129496"/>
+              <a:gd name="connsiteX3" fmla="*/ 408635 w 438482"/>
+              <a:gd name="connsiteY3" fmla="*/ 35235 h 129496"/>
+              <a:gd name="connsiteX4" fmla="*/ 17746 w 438482"/>
+              <a:gd name="connsiteY4" fmla="*/ 129467 h 129496"/>
+              <a:gd name="connsiteX0" fmla="*/ 17746 w 412580"/>
+              <a:gd name="connsiteY0" fmla="*/ 129467 h 129532"/>
+              <a:gd name="connsiteX1" fmla="*/ 98018 w 412580"/>
+              <a:gd name="connsiteY1" fmla="*/ 24765 h 129532"/>
+              <a:gd name="connsiteX2" fmla="*/ 377224 w 412580"/>
+              <a:gd name="connsiteY2" fmla="*/ 334 h 129532"/>
+              <a:gd name="connsiteX3" fmla="*/ 408635 w 412580"/>
+              <a:gd name="connsiteY3" fmla="*/ 35235 h 129532"/>
+              <a:gd name="connsiteX4" fmla="*/ 17746 w 412580"/>
+              <a:gd name="connsiteY4" fmla="*/ 129467 h 129532"/>
+              <a:gd name="connsiteX0" fmla="*/ 17746 w 412580"/>
+              <a:gd name="connsiteY0" fmla="*/ 129467 h 129532"/>
+              <a:gd name="connsiteX1" fmla="*/ 98018 w 412580"/>
+              <a:gd name="connsiteY1" fmla="*/ 24765 h 129532"/>
+              <a:gd name="connsiteX2" fmla="*/ 377224 w 412580"/>
+              <a:gd name="connsiteY2" fmla="*/ 334 h 129532"/>
+              <a:gd name="connsiteX3" fmla="*/ 408635 w 412580"/>
+              <a:gd name="connsiteY3" fmla="*/ 35235 h 129532"/>
+              <a:gd name="connsiteX4" fmla="*/ 17746 w 412580"/>
+              <a:gd name="connsiteY4" fmla="*/ 129467 h 129532"/>
+              <a:gd name="connsiteX0" fmla="*/ 17746 w 412580"/>
+              <a:gd name="connsiteY0" fmla="*/ 129467 h 129490"/>
+              <a:gd name="connsiteX1" fmla="*/ 98018 w 412580"/>
+              <a:gd name="connsiteY1" fmla="*/ 24765 h 129490"/>
+              <a:gd name="connsiteX2" fmla="*/ 377224 w 412580"/>
+              <a:gd name="connsiteY2" fmla="*/ 334 h 129490"/>
+              <a:gd name="connsiteX3" fmla="*/ 408635 w 412580"/>
+              <a:gd name="connsiteY3" fmla="*/ 35235 h 129490"/>
+              <a:gd name="connsiteX4" fmla="*/ 17746 w 412580"/>
+              <a:gd name="connsiteY4" fmla="*/ 129467 h 129490"/>
+              <a:gd name="connsiteX0" fmla="*/ 17746 w 412580"/>
+              <a:gd name="connsiteY0" fmla="*/ 129467 h 129490"/>
+              <a:gd name="connsiteX1" fmla="*/ 98018 w 412580"/>
+              <a:gd name="connsiteY1" fmla="*/ 24765 h 129490"/>
+              <a:gd name="connsiteX2" fmla="*/ 377224 w 412580"/>
+              <a:gd name="connsiteY2" fmla="*/ 334 h 129490"/>
+              <a:gd name="connsiteX3" fmla="*/ 408635 w 412580"/>
+              <a:gd name="connsiteY3" fmla="*/ 35235 h 129490"/>
+              <a:gd name="connsiteX4" fmla="*/ 17746 w 412580"/>
+              <a:gd name="connsiteY4" fmla="*/ 129467 h 129490"/>
+              <a:gd name="connsiteX0" fmla="*/ 0 w 394834"/>
+              <a:gd name="connsiteY0" fmla="*/ 129467 h 129490"/>
+              <a:gd name="connsiteX1" fmla="*/ 80272 w 394834"/>
+              <a:gd name="connsiteY1" fmla="*/ 24765 h 129490"/>
+              <a:gd name="connsiteX2" fmla="*/ 359478 w 394834"/>
+              <a:gd name="connsiteY2" fmla="*/ 334 h 129490"/>
+              <a:gd name="connsiteX3" fmla="*/ 390889 w 394834"/>
+              <a:gd name="connsiteY3" fmla="*/ 35235 h 129490"/>
+              <a:gd name="connsiteX4" fmla="*/ 0 w 394834"/>
+              <a:gd name="connsiteY4" fmla="*/ 129467 h 129490"/>
+              <a:gd name="connsiteX0" fmla="*/ 0 w 393073"/>
+              <a:gd name="connsiteY0" fmla="*/ 129467 h 129490"/>
+              <a:gd name="connsiteX1" fmla="*/ 115173 w 393073"/>
+              <a:gd name="connsiteY1" fmla="*/ 24765 h 129490"/>
+              <a:gd name="connsiteX2" fmla="*/ 359478 w 393073"/>
+              <a:gd name="connsiteY2" fmla="*/ 334 h 129490"/>
+              <a:gd name="connsiteX3" fmla="*/ 390889 w 393073"/>
+              <a:gd name="connsiteY3" fmla="*/ 35235 h 129490"/>
+              <a:gd name="connsiteX4" fmla="*/ 0 w 393073"/>
+              <a:gd name="connsiteY4" fmla="*/ 129467 h 129490"/>
+              <a:gd name="connsiteX0" fmla="*/ 0 w 390889"/>
+              <a:gd name="connsiteY0" fmla="*/ 129467 h 129490"/>
+              <a:gd name="connsiteX1" fmla="*/ 115173 w 390889"/>
+              <a:gd name="connsiteY1" fmla="*/ 24765 h 129490"/>
+              <a:gd name="connsiteX2" fmla="*/ 335048 w 390889"/>
+              <a:gd name="connsiteY2" fmla="*/ 334 h 129490"/>
+              <a:gd name="connsiteX3" fmla="*/ 390889 w 390889"/>
+              <a:gd name="connsiteY3" fmla="*/ 35235 h 129490"/>
+              <a:gd name="connsiteX4" fmla="*/ 0 w 390889"/>
+              <a:gd name="connsiteY4" fmla="*/ 129467 h 129490"/>
+              <a:gd name="connsiteX0" fmla="*/ 0 w 390889"/>
+              <a:gd name="connsiteY0" fmla="*/ 135273 h 135296"/>
+              <a:gd name="connsiteX1" fmla="*/ 115173 w 390889"/>
+              <a:gd name="connsiteY1" fmla="*/ 30571 h 135296"/>
+              <a:gd name="connsiteX2" fmla="*/ 335048 w 390889"/>
+              <a:gd name="connsiteY2" fmla="*/ 6140 h 135296"/>
+              <a:gd name="connsiteX3" fmla="*/ 390889 w 390889"/>
+              <a:gd name="connsiteY3" fmla="*/ 41041 h 135296"/>
+              <a:gd name="connsiteX4" fmla="*/ 0 w 390889"/>
+              <a:gd name="connsiteY4" fmla="*/ 135273 h 135296"/>
+              <a:gd name="connsiteX0" fmla="*/ 0 w 390889"/>
+              <a:gd name="connsiteY0" fmla="*/ 135273 h 135296"/>
+              <a:gd name="connsiteX1" fmla="*/ 115173 w 390889"/>
+              <a:gd name="connsiteY1" fmla="*/ 30571 h 135296"/>
+              <a:gd name="connsiteX2" fmla="*/ 335048 w 390889"/>
+              <a:gd name="connsiteY2" fmla="*/ 6140 h 135296"/>
+              <a:gd name="connsiteX3" fmla="*/ 390889 w 390889"/>
+              <a:gd name="connsiteY3" fmla="*/ 41041 h 135296"/>
+              <a:gd name="connsiteX4" fmla="*/ 0 w 390889"/>
+              <a:gd name="connsiteY4" fmla="*/ 135273 h 135296"/>
+              <a:gd name="connsiteX0" fmla="*/ 0 w 390889"/>
+              <a:gd name="connsiteY0" fmla="*/ 129133 h 129156"/>
+              <a:gd name="connsiteX1" fmla="*/ 115173 w 390889"/>
+              <a:gd name="connsiteY1" fmla="*/ 24431 h 129156"/>
+              <a:gd name="connsiteX2" fmla="*/ 335048 w 390889"/>
+              <a:gd name="connsiteY2" fmla="*/ 0 h 129156"/>
+              <a:gd name="connsiteX3" fmla="*/ 390889 w 390889"/>
+              <a:gd name="connsiteY3" fmla="*/ 34901 h 129156"/>
+              <a:gd name="connsiteX4" fmla="*/ 0 w 390889"/>
+              <a:gd name="connsiteY4" fmla="*/ 129133 h 129156"/>
+              <a:gd name="connsiteX0" fmla="*/ 0 w 390889"/>
+              <a:gd name="connsiteY0" fmla="*/ 132623 h 132646"/>
+              <a:gd name="connsiteX1" fmla="*/ 115173 w 390889"/>
+              <a:gd name="connsiteY1" fmla="*/ 27921 h 132646"/>
+              <a:gd name="connsiteX2" fmla="*/ 352498 w 390889"/>
+              <a:gd name="connsiteY2" fmla="*/ 0 h 132646"/>
+              <a:gd name="connsiteX3" fmla="*/ 390889 w 390889"/>
+              <a:gd name="connsiteY3" fmla="*/ 38391 h 132646"/>
+              <a:gd name="connsiteX4" fmla="*/ 0 w 390889"/>
+              <a:gd name="connsiteY4" fmla="*/ 132623 h 132646"/>
+              <a:gd name="connsiteX0" fmla="*/ 0 w 390889"/>
+              <a:gd name="connsiteY0" fmla="*/ 132623 h 132646"/>
+              <a:gd name="connsiteX1" fmla="*/ 115173 w 390889"/>
+              <a:gd name="connsiteY1" fmla="*/ 27921 h 132646"/>
+              <a:gd name="connsiteX2" fmla="*/ 352498 w 390889"/>
+              <a:gd name="connsiteY2" fmla="*/ 0 h 132646"/>
+              <a:gd name="connsiteX3" fmla="*/ 390889 w 390889"/>
+              <a:gd name="connsiteY3" fmla="*/ 38391 h 132646"/>
+              <a:gd name="connsiteX4" fmla="*/ 0 w 390889"/>
+              <a:gd name="connsiteY4" fmla="*/ 132623 h 132646"/>
+              <a:gd name="connsiteX0" fmla="*/ 0 w 390889"/>
+              <a:gd name="connsiteY0" fmla="*/ 132623 h 132646"/>
+              <a:gd name="connsiteX1" fmla="*/ 87252 w 390889"/>
+              <a:gd name="connsiteY1" fmla="*/ 34901 h 132646"/>
+              <a:gd name="connsiteX2" fmla="*/ 352498 w 390889"/>
+              <a:gd name="connsiteY2" fmla="*/ 0 h 132646"/>
+              <a:gd name="connsiteX3" fmla="*/ 390889 w 390889"/>
+              <a:gd name="connsiteY3" fmla="*/ 38391 h 132646"/>
+              <a:gd name="connsiteX4" fmla="*/ 0 w 390889"/>
+              <a:gd name="connsiteY4" fmla="*/ 132623 h 132646"/>
+            </a:gdLst>
+            <a:ahLst/>
+            <a:cxnLst>
+              <a:cxn ang="0">
+                <a:pos x="connsiteX0" y="connsiteY0"/>
+              </a:cxn>
+              <a:cxn ang="0">
+                <a:pos x="connsiteX1" y="connsiteY1"/>
+              </a:cxn>
+              <a:cxn ang="0">
+                <a:pos x="connsiteX2" y="connsiteY2"/>
+              </a:cxn>
+              <a:cxn ang="0">
+                <a:pos x="connsiteX3" y="connsiteY3"/>
+              </a:cxn>
+              <a:cxn ang="0">
+                <a:pos x="connsiteX4" y="connsiteY4"/>
+              </a:cxn>
+            </a:cxnLst>
+            <a:rect l="l" t="t" r="r" b="b"/>
+            <a:pathLst>
+              <a:path w="390889" h="132646">
+                <a:moveTo>
+                  <a:pt x="0" y="132623"/>
+                </a:moveTo>
+                <a:cubicBezTo>
+                  <a:pt x="4072" y="82017"/>
+                  <a:pt x="28502" y="57005"/>
+                  <a:pt x="87252" y="34901"/>
+                </a:cubicBezTo>
+                <a:cubicBezTo>
+                  <a:pt x="146002" y="12797"/>
+                  <a:pt x="302556" y="1046"/>
+                  <a:pt x="352498" y="0"/>
+                </a:cubicBezTo>
+                <a:cubicBezTo>
+                  <a:pt x="363549" y="26177"/>
+                  <a:pt x="390889" y="28503"/>
+                  <a:pt x="390889" y="38391"/>
+                </a:cubicBezTo>
+                <a:cubicBezTo>
+                  <a:pt x="373438" y="38297"/>
+                  <a:pt x="51769" y="134368"/>
+                  <a:pt x="0" y="132623"/>
+                </a:cubicBezTo>
+                <a:close/>
+              </a:path>
+            </a:pathLst>
+          </a:custGeom>
+          <a:solidFill>
+            <a:schemeClr val="tx1"/>
+          </a:solidFill>
+          <a:ln w="19050">
+            <a:solidFill>
+              <a:schemeClr val="bg1"/>
+            </a:solidFill>
+          </a:ln>
+        </p:spPr>
+        <p:style>
+          <a:lnRef idx="2">
+            <a:schemeClr val="accent1">
+              <a:shade val="50000"/>
+            </a:schemeClr>
+          </a:lnRef>
+          <a:fillRef idx="1">
+            <a:schemeClr val="accent1"/>
+          </a:fillRef>
+          <a:effectRef idx="0">
+            <a:schemeClr val="accent1"/>
+          </a:effectRef>
+          <a:fontRef idx="minor">
+            <a:schemeClr val="lt1"/>
+          </a:fontRef>
+        </p:style>
+        <p:txBody>
+          <a:bodyPr rtlCol="0" anchor="ctr"/>
+          <a:lstStyle/>
+          <a:p>
+            <a:pPr algn="ctr"/>
+            <a:endParaRPr lang="en-US"/>
+          </a:p>
+        </p:txBody>
+      </p:sp>
+      <p:sp>
+        <p:nvSpPr>
+          <p:cNvPr id="10" name="Rectangle 9">
+            <a:extLst>
+              <a:ext uri="{FF2B5EF4-FFF2-40B4-BE49-F238E27FC236}">
+                <a16:creationId xmlns:a16="http://schemas.microsoft.com/office/drawing/2014/main" id="{E0F22D2B-1FD4-ED43-9C35-42D582382156}"/>
+              </a:ext>
+            </a:extLst>
+          </p:cNvPr>
+          <p:cNvSpPr/>
+          <p:nvPr/>
+        </p:nvSpPr>
+        <p:spPr>
+          <a:xfrm>
+            <a:off x="4979856" y="3667948"/>
+            <a:ext cx="115656" cy="456415"/>
+          </a:xfrm>
+          <a:prstGeom prst="rect">
+            <a:avLst/>
+          </a:prstGeom>
+          <a:solidFill>
+            <a:schemeClr val="tx1"/>
+          </a:solidFill>
+          <a:ln w="28575">
+            <a:solidFill>
+              <a:schemeClr val="bg1"/>
+            </a:solidFill>
+          </a:ln>
+        </p:spPr>
+        <p:style>
+          <a:lnRef idx="2">
+            <a:schemeClr val="accent1">
+              <a:shade val="50000"/>
+            </a:schemeClr>
+          </a:lnRef>
+          <a:fillRef idx="1">
+            <a:schemeClr val="accent1"/>
+          </a:fillRef>
+          <a:effectRef idx="0">
+            <a:schemeClr val="accent1"/>
+          </a:effectRef>
+          <a:fontRef idx="minor">
+            <a:schemeClr val="lt1"/>
+          </a:fontRef>
+        </p:style>
+        <p:txBody>
+          <a:bodyPr rtlCol="0" anchor="ctr"/>
+          <a:lstStyle/>
+          <a:p>
+            <a:pPr algn="ctr"/>
+            <a:endParaRPr lang="en-US"/>
+          </a:p>
+        </p:txBody>
+      </p:sp>
+      <p:pic>
+        <p:nvPicPr>
+          <p:cNvPr id="13" name="Picture 12">
+            <a:extLst>
+              <a:ext uri="{FF2B5EF4-FFF2-40B4-BE49-F238E27FC236}">
+                <a16:creationId xmlns:a16="http://schemas.microsoft.com/office/drawing/2014/main" id="{E25B0799-6D8B-364B-86F5-CC7CC03C129C}"/>
+              </a:ext>
+            </a:extLst>
+          </p:cNvPr>
+          <p:cNvPicPr>
+            <a:picLocks noChangeAspect="1"/>
+          </p:cNvPicPr>
+          <p:nvPr/>
+        </p:nvPicPr>
+        <p:blipFill>
+          <a:blip r:embed="rId10">
+            <a:clrChange>
+              <a:clrFrom>
+                <a:srgbClr val="FFFFFF"/>
+              </a:clrFrom>
+              <a:clrTo>
+                <a:srgbClr val="FFFFFF">
+                  <a:alpha val="0"/>
+                </a:srgbClr>
+              </a:clrTo>
+            </a:clrChange>
+          </a:blip>
+          <a:stretch>
+            <a:fillRect/>
+          </a:stretch>
+        </p:blipFill>
+        <p:spPr>
+          <a:xfrm>
+            <a:off x="7664450" y="-5942330"/>
+            <a:ext cx="3238500" cy="3238500"/>
+          </a:xfrm>
+          <a:prstGeom prst="rect">
+            <a:avLst/>
+          </a:prstGeom>
+        </p:spPr>
+      </p:pic>
     </p:spTree>
     <p:extLst>
       <p:ext uri="{BB962C8B-B14F-4D97-AF65-F5344CB8AC3E}">
